--- a/Qt_Chess_專案報告.pptx
+++ b/Qt_Chess_專案報告.pptx
@@ -26,6 +26,13 @@
     <p:sldId id="274" r:id="rId25"/>
     <p:sldId id="275" r:id="rId26"/>
     <p:sldId id="276" r:id="rId27"/>
+    <p:sldId id="277" r:id="rId28"/>
+    <p:sldId id="278" r:id="rId29"/>
+    <p:sldId id="279" r:id="rId30"/>
+    <p:sldId id="280" r:id="rId31"/>
+    <p:sldId id="281" r:id="rId32"/>
+    <p:sldId id="282" r:id="rId33"/>
+    <p:sldId id="283" r:id="rId34"/>
   </p:sldIdLst>
   <p:sldSz cx="9144000" cy="6858000" type="screen4x3"/>
   <p:notesSz cx="6858000" cy="9144000"/>
@@ -3261,7 +3268,7 @@
               </a:defRPr>
             </a:pPr>
             <a:r>
-              <a:t>進階功能（二）</a:t>
+              <a:t>程式碼實例（二）- 棋盤初始化</a:t>
             </a:r>
           </a:p>
         </p:txBody>
@@ -3316,191 +3323,232 @@
         </p:nvSpPr>
         <p:spPr>
           <a:xfrm>
-            <a:off x="914400" y="1828800"/>
-            <a:ext cx="7315200" cy="4114800"/>
+            <a:off x="731520" y="1828800"/>
+            <a:ext cx="7680960" cy="4114800"/>
           </a:xfrm>
           <a:prstGeom prst="rect">
             <a:avLst/>
           </a:prstGeom>
-          <a:noFill/>
+          <a:solidFill>
+            <a:srgbClr val="F0F0F0"/>
+          </a:solidFill>
+          <a:ln w="12700">
+            <a:solidFill>
+              <a:srgbClr val="C8C8C8"/>
+            </a:solidFill>
+          </a:ln>
         </p:spPr>
         <p:txBody>
-          <a:bodyPr wrap="square">
+          <a:bodyPr wrap="none">
             <a:spAutoFit/>
           </a:bodyPr>
           <a:lstStyle/>
           <a:p>
             <a:pPr>
-              <a:defRPr sz="1600">
-                <a:solidFill>
-                  <a:srgbClr val="323232"/>
-                </a:solidFill>
-              </a:defRPr>
-            </a:pPr>
-            <a:r>
-              <a:t>🎨 可自訂介面</a:t>
-            </a:r>
-          </a:p>
-          <a:p>
-            <a:pPr lvl="1">
-              <a:defRPr sz="1600">
-                <a:solidFill>
-                  <a:srgbClr val="323232"/>
-                </a:solidFill>
-              </a:defRPr>
-            </a:pPr>
-            <a:r>
-              <a:t>  • 棋盤顏色設定（7種預設方案）</a:t>
-            </a:r>
-          </a:p>
-          <a:p>
-            <a:pPr lvl="1">
-              <a:defRPr sz="1600">
-                <a:solidFill>
-                  <a:srgbClr val="323232"/>
-                </a:solidFill>
-              </a:defRPr>
-            </a:pPr>
-            <a:r>
-              <a:t>  • 棋子圖標設定（支援自訂圖片）</a:t>
-            </a:r>
-          </a:p>
-          <a:p>
-            <a:pPr lvl="1">
-              <a:defRPr sz="1600">
-                <a:solidFill>
-                  <a:srgbClr val="323232"/>
-                </a:solidFill>
-              </a:defRPr>
-            </a:pPr>
-            <a:r>
-              <a:t>  • 棋子大小調整（60%-100%）</a:t>
-            </a:r>
-          </a:p>
-          <a:p>
-            <a:pPr lvl="1">
-              <a:defRPr sz="1600">
-                <a:solidFill>
-                  <a:srgbClr val="323232"/>
-                </a:solidFill>
-              </a:defRPr>
-            </a:pPr>
-            <a:r>
-              <a:t>  • 棋盤翻轉功能</a:t>
-            </a:r>
-          </a:p>
-          <a:p>
-            <a:pPr>
-              <a:defRPr sz="1600">
-                <a:solidFill>
-                  <a:srgbClr val="323232"/>
-                </a:solidFill>
-              </a:defRPr>
-            </a:pPr>
-          </a:p>
-          <a:p>
-            <a:pPr>
-              <a:defRPr sz="1600">
-                <a:solidFill>
-                  <a:srgbClr val="323232"/>
-                </a:solidFill>
-              </a:defRPr>
-            </a:pPr>
-            <a:r>
-              <a:t>🔔 音效設定</a:t>
-            </a:r>
-          </a:p>
-          <a:p>
-            <a:pPr lvl="1">
-              <a:defRPr sz="1600">
-                <a:solidFill>
-                  <a:srgbClr val="323232"/>
-                </a:solidFill>
-              </a:defRPr>
-            </a:pPr>
-            <a:r>
-              <a:t>  • 為每種事件設定自訂音效</a:t>
-            </a:r>
-          </a:p>
-          <a:p>
-            <a:pPr lvl="1">
-              <a:defRPr sz="1600">
-                <a:solidFill>
-                  <a:srgbClr val="323232"/>
-                </a:solidFill>
-              </a:defRPr>
-            </a:pPr>
-            <a:r>
-              <a:t>  • 獨立音量控制</a:t>
-            </a:r>
-          </a:p>
-          <a:p>
-            <a:pPr lvl="1">
-              <a:defRPr sz="1600">
-                <a:solidFill>
-                  <a:srgbClr val="323232"/>
-                </a:solidFill>
-              </a:defRPr>
-            </a:pPr>
-            <a:r>
-              <a:t>  • 音效預覽功能</a:t>
-            </a:r>
-          </a:p>
-          <a:p>
-            <a:pPr>
-              <a:defRPr sz="1600">
-                <a:solidFill>
-                  <a:srgbClr val="323232"/>
-                </a:solidFill>
-              </a:defRPr>
-            </a:pPr>
-          </a:p>
-          <a:p>
-            <a:pPr>
-              <a:defRPr sz="1600">
-                <a:solidFill>
-                  <a:srgbClr val="323232"/>
-                </a:solidFill>
-              </a:defRPr>
-            </a:pPr>
-            <a:r>
-              <a:t>🔄 自動更新</a:t>
-            </a:r>
-          </a:p>
-          <a:p>
-            <a:pPr lvl="1">
-              <a:defRPr sz="1600">
-                <a:solidFill>
-                  <a:srgbClr val="323232"/>
-                </a:solidFill>
-              </a:defRPr>
-            </a:pPr>
-            <a:r>
-              <a:t>  • 啟動時自動檢查更新</a:t>
-            </a:r>
-          </a:p>
-          <a:p>
-            <a:pPr lvl="1">
-              <a:defRPr sz="1600">
-                <a:solidFill>
-                  <a:srgbClr val="323232"/>
-                </a:solidFill>
-              </a:defRPr>
-            </a:pPr>
-            <a:r>
-              <a:t>  • 手動檢查更新選項</a:t>
-            </a:r>
-          </a:p>
-          <a:p>
-            <a:pPr lvl="1">
-              <a:defRPr sz="1600">
-                <a:solidFill>
-                  <a:srgbClr val="323232"/>
-                </a:solidFill>
-              </a:defRPr>
-            </a:pPr>
-            <a:r>
-              <a:t>  • 版本比較和更新通知</a:t>
+              <a:defRPr sz="1100">
+                <a:solidFill>
+                  <a:srgbClr val="000000"/>
+                </a:solidFill>
+                <a:latin typeface="Consolas"/>
+              </a:defRPr>
+            </a:pPr>
+            <a:r>
+              <a:t>void ChessBoard::initializeBoard() {</a:t>
+            </a:r>
+          </a:p>
+          <a:p>
+            <a:pPr>
+              <a:defRPr sz="1100">
+                <a:solidFill>
+                  <a:srgbClr val="000000"/>
+                </a:solidFill>
+                <a:latin typeface="Consolas"/>
+              </a:defRPr>
+            </a:pPr>
+            <a:r>
+              <a:t>    // 設置黑色棋子（第 0 和 1 行）</a:t>
+            </a:r>
+          </a:p>
+          <a:p>
+            <a:pPr>
+              <a:defRPr sz="1100">
+                <a:solidFill>
+                  <a:srgbClr val="000000"/>
+                </a:solidFill>
+                <a:latin typeface="Consolas"/>
+              </a:defRPr>
+            </a:pPr>
+            <a:r>
+              <a:t>    m_board[0][0] = ChessPiece(PieceType::Rook, </a:t>
+            </a:r>
+          </a:p>
+          <a:p>
+            <a:pPr>
+              <a:defRPr sz="1100">
+                <a:solidFill>
+                  <a:srgbClr val="000000"/>
+                </a:solidFill>
+                <a:latin typeface="Consolas"/>
+              </a:defRPr>
+            </a:pPr>
+            <a:r>
+              <a:t>                               PieceColor::Black);</a:t>
+            </a:r>
+          </a:p>
+          <a:p>
+            <a:pPr>
+              <a:defRPr sz="1100">
+                <a:solidFill>
+                  <a:srgbClr val="000000"/>
+                </a:solidFill>
+                <a:latin typeface="Consolas"/>
+              </a:defRPr>
+            </a:pPr>
+            <a:r>
+              <a:t>    m_board[0][1] = ChessPiece(PieceType::Knight, </a:t>
+            </a:r>
+          </a:p>
+          <a:p>
+            <a:pPr>
+              <a:defRPr sz="1100">
+                <a:solidFill>
+                  <a:srgbClr val="000000"/>
+                </a:solidFill>
+                <a:latin typeface="Consolas"/>
+              </a:defRPr>
+            </a:pPr>
+            <a:r>
+              <a:t>                               PieceColor::Black);</a:t>
+            </a:r>
+          </a:p>
+          <a:p>
+            <a:pPr>
+              <a:defRPr sz="1100">
+                <a:solidFill>
+                  <a:srgbClr val="000000"/>
+                </a:solidFill>
+                <a:latin typeface="Consolas"/>
+              </a:defRPr>
+            </a:pPr>
+            <a:r>
+              <a:t>    // ... 更多棋子初始化</a:t>
+            </a:r>
+          </a:p>
+          <a:p>
+            <a:pPr>
+              <a:defRPr sz="1100">
+                <a:solidFill>
+                  <a:srgbClr val="000000"/>
+                </a:solidFill>
+                <a:latin typeface="Consolas"/>
+              </a:defRPr>
+            </a:pPr>
+            <a:r>
+              <a:t>    </a:t>
+            </a:r>
+          </a:p>
+          <a:p>
+            <a:pPr>
+              <a:defRPr sz="1100">
+                <a:solidFill>
+                  <a:srgbClr val="000000"/>
+                </a:solidFill>
+                <a:latin typeface="Consolas"/>
+              </a:defRPr>
+            </a:pPr>
+            <a:r>
+              <a:t>    for (int col = 0; col &lt; 8; ++col) {</a:t>
+            </a:r>
+          </a:p>
+          <a:p>
+            <a:pPr>
+              <a:defRPr sz="1100">
+                <a:solidFill>
+                  <a:srgbClr val="000000"/>
+                </a:solidFill>
+                <a:latin typeface="Consolas"/>
+              </a:defRPr>
+            </a:pPr>
+            <a:r>
+              <a:t>        m_board[1][col] = ChessPiece(PieceType::Pawn, </a:t>
+            </a:r>
+          </a:p>
+          <a:p>
+            <a:pPr>
+              <a:defRPr sz="1100">
+                <a:solidFill>
+                  <a:srgbClr val="000000"/>
+                </a:solidFill>
+                <a:latin typeface="Consolas"/>
+              </a:defRPr>
+            </a:pPr>
+            <a:r>
+              <a:t>                                     PieceColor::Black);</a:t>
+            </a:r>
+          </a:p>
+          <a:p>
+            <a:pPr>
+              <a:defRPr sz="1100">
+                <a:solidFill>
+                  <a:srgbClr val="000000"/>
+                </a:solidFill>
+                <a:latin typeface="Consolas"/>
+              </a:defRPr>
+            </a:pPr>
+            <a:r>
+              <a:t>    }</a:t>
+            </a:r>
+          </a:p>
+          <a:p>
+            <a:pPr>
+              <a:defRPr sz="1100">
+                <a:solidFill>
+                  <a:srgbClr val="000000"/>
+                </a:solidFill>
+                <a:latin typeface="Consolas"/>
+              </a:defRPr>
+            </a:pPr>
+            <a:r>
+              <a:t>    </a:t>
+            </a:r>
+          </a:p>
+          <a:p>
+            <a:pPr>
+              <a:defRPr sz="1100">
+                <a:solidFill>
+                  <a:srgbClr val="000000"/>
+                </a:solidFill>
+                <a:latin typeface="Consolas"/>
+              </a:defRPr>
+            </a:pPr>
+            <a:r>
+              <a:t>    m_currentPlayer = PieceColor::White;</a:t>
+            </a:r>
+          </a:p>
+          <a:p>
+            <a:pPr>
+              <a:defRPr sz="1100">
+                <a:solidFill>
+                  <a:srgbClr val="000000"/>
+                </a:solidFill>
+                <a:latin typeface="Consolas"/>
+              </a:defRPr>
+            </a:pPr>
+            <a:r>
+              <a:t>    m_enPassantTarget = QPoint(-1, -1);</a:t>
+            </a:r>
+          </a:p>
+          <a:p>
+            <a:pPr>
+              <a:defRPr sz="1100">
+                <a:solidFill>
+                  <a:srgbClr val="000000"/>
+                </a:solidFill>
+                <a:latin typeface="Consolas"/>
+              </a:defRPr>
+            </a:pPr>
+            <a:r>
+              <a:t>}</a:t>
             </a:r>
           </a:p>
         </p:txBody>
@@ -3553,7 +3601,7 @@
               </a:defRPr>
             </a:pPr>
             <a:r>
-              <a:t>開發亮點</a:t>
+              <a:t>程式碼實例（三）- 移動驗證</a:t>
             </a:r>
           </a:p>
         </p:txBody>
@@ -3608,203 +3656,258 @@
         </p:nvSpPr>
         <p:spPr>
           <a:xfrm>
-            <a:off x="914400" y="1828800"/>
-            <a:ext cx="7315200" cy="4114800"/>
+            <a:off x="731520" y="1828800"/>
+            <a:ext cx="7680960" cy="4114800"/>
           </a:xfrm>
           <a:prstGeom prst="rect">
             <a:avLst/>
           </a:prstGeom>
-          <a:noFill/>
+          <a:solidFill>
+            <a:srgbClr val="F0F0F0"/>
+          </a:solidFill>
+          <a:ln w="12700">
+            <a:solidFill>
+              <a:srgbClr val="C8C8C8"/>
+            </a:solidFill>
+          </a:ln>
         </p:spPr>
         <p:txBody>
-          <a:bodyPr wrap="square">
+          <a:bodyPr wrap="none">
             <a:spAutoFit/>
           </a:bodyPr>
           <a:lstStyle/>
           <a:p>
             <a:pPr>
-              <a:defRPr sz="1600">
-                <a:solidFill>
-                  <a:srgbClr val="323232"/>
-                </a:solidFill>
-              </a:defRPr>
-            </a:pPr>
-            <a:r>
-              <a:t>✨ 創新功能</a:t>
-            </a:r>
-          </a:p>
-          <a:p>
-            <a:pPr lvl="1">
-              <a:defRPr sz="1600">
-                <a:solidFill>
-                  <a:srgbClr val="323232"/>
-                </a:solidFill>
-              </a:defRPr>
-            </a:pPr>
-            <a:r>
-              <a:t>  • 線上對戰使用中央伺服器，無需網路設定</a:t>
-            </a:r>
-          </a:p>
-          <a:p>
-            <a:pPr lvl="1">
-              <a:defRPr sz="1600">
-                <a:solidFill>
-                  <a:srgbClr val="323232"/>
-                </a:solidFill>
-              </a:defRPr>
-            </a:pPr>
-            <a:r>
-              <a:t>  • 霧戰模式增加遊戲趣味性</a:t>
-            </a:r>
-          </a:p>
-          <a:p>
-            <a:pPr lvl="1">
-              <a:defRPr sz="1600">
-                <a:solidFill>
-                  <a:srgbClr val="323232"/>
-                </a:solidFill>
-              </a:defRPr>
-            </a:pPr>
-            <a:r>
-              <a:t>  • 骰子模式的特殊將軍規則</a:t>
-            </a:r>
-          </a:p>
-          <a:p>
-            <a:pPr lvl="1">
-              <a:defRPr sz="1600">
-                <a:solidFill>
-                  <a:srgbClr val="323232"/>
-                </a:solidFill>
-              </a:defRPr>
-            </a:pPr>
-            <a:r>
-              <a:t>  • 遊戲進行中可回放歷史棋步</a:t>
-            </a:r>
-          </a:p>
-          <a:p>
-            <a:pPr>
-              <a:defRPr sz="1600">
-                <a:solidFill>
-                  <a:srgbClr val="323232"/>
-                </a:solidFill>
-              </a:defRPr>
-            </a:pPr>
-          </a:p>
-          <a:p>
-            <a:pPr>
-              <a:defRPr sz="1600">
-                <a:solidFill>
-                  <a:srgbClr val="323232"/>
-                </a:solidFill>
-              </a:defRPr>
-            </a:pPr>
-            <a:r>
-              <a:t>🎯 使用者體驗</a:t>
-            </a:r>
-          </a:p>
-          <a:p>
-            <a:pPr lvl="1">
-              <a:defRPr sz="1600">
-                <a:solidFill>
-                  <a:srgbClr val="323232"/>
-                </a:solidFill>
-              </a:defRPr>
-            </a:pPr>
-            <a:r>
-              <a:t>  • 簡潔直觀的使用者介面</a:t>
-            </a:r>
-          </a:p>
-          <a:p>
-            <a:pPr lvl="1">
-              <a:defRPr sz="1600">
-                <a:solidFill>
-                  <a:srgbClr val="323232"/>
-                </a:solidFill>
-              </a:defRPr>
-            </a:pPr>
-            <a:r>
-              <a:t>  • 完整的視覺化提示</a:t>
-            </a:r>
-          </a:p>
-          <a:p>
-            <a:pPr lvl="1">
-              <a:defRPr sz="1600">
-                <a:solidFill>
-                  <a:srgbClr val="323232"/>
-                </a:solidFill>
-              </a:defRPr>
-            </a:pPr>
-            <a:r>
-              <a:t>  • 詳細的操作指南文檔</a:t>
-            </a:r>
-          </a:p>
-          <a:p>
-            <a:pPr lvl="1">
-              <a:defRPr sz="1600">
-                <a:solidFill>
-                  <a:srgbClr val="323232"/>
-                </a:solidFill>
-              </a:defRPr>
-            </a:pPr>
-            <a:r>
-              <a:t>  • 支援多國語言（繁體中文）</a:t>
-            </a:r>
-          </a:p>
-          <a:p>
-            <a:pPr>
-              <a:defRPr sz="1600">
-                <a:solidFill>
-                  <a:srgbClr val="323232"/>
-                </a:solidFill>
-              </a:defRPr>
-            </a:pPr>
-          </a:p>
-          <a:p>
-            <a:pPr>
-              <a:defRPr sz="1600">
-                <a:solidFill>
-                  <a:srgbClr val="323232"/>
-                </a:solidFill>
-              </a:defRPr>
-            </a:pPr>
-            <a:r>
-              <a:t>🔧 技術實現</a:t>
-            </a:r>
-          </a:p>
-          <a:p>
-            <a:pPr lvl="1">
-              <a:defRPr sz="1600">
-                <a:solidFill>
-                  <a:srgbClr val="323232"/>
-                </a:solidFill>
-              </a:defRPr>
-            </a:pPr>
-            <a:r>
-              <a:t>  • WebSocket 即時通訊</a:t>
-            </a:r>
-          </a:p>
-          <a:p>
-            <a:pPr lvl="1">
-              <a:defRPr sz="1600">
-                <a:solidFill>
-                  <a:srgbClr val="323232"/>
-                </a:solidFill>
-              </a:defRPr>
-            </a:pPr>
-            <a:r>
-              <a:t>  • Stockfish 引擎整合</a:t>
-            </a:r>
-          </a:p>
-          <a:p>
-            <a:pPr lvl="1">
-              <a:defRPr sz="1600">
-                <a:solidFill>
-                  <a:srgbClr val="323232"/>
-                </a:solidFill>
-              </a:defRPr>
-            </a:pPr>
-            <a:r>
-              <a:t>  • Qt5 跨平台支援</a:t>
+              <a:defRPr sz="1100">
+                <a:solidFill>
+                  <a:srgbClr val="000000"/>
+                </a:solidFill>
+                <a:latin typeface="Consolas"/>
+              </a:defRPr>
+            </a:pPr>
+            <a:r>
+              <a:t>bool ChessBoard::isValidMove(const QPoint&amp; from, </a:t>
+            </a:r>
+          </a:p>
+          <a:p>
+            <a:pPr>
+              <a:defRPr sz="1100">
+                <a:solidFill>
+                  <a:srgbClr val="000000"/>
+                </a:solidFill>
+                <a:latin typeface="Consolas"/>
+              </a:defRPr>
+            </a:pPr>
+            <a:r>
+              <a:t>                             const QPoint&amp; to) const {</a:t>
+            </a:r>
+          </a:p>
+          <a:p>
+            <a:pPr>
+              <a:defRPr sz="1100">
+                <a:solidFill>
+                  <a:srgbClr val="000000"/>
+                </a:solidFill>
+                <a:latin typeface="Consolas"/>
+              </a:defRPr>
+            </a:pPr>
+            <a:r>
+              <a:t>    const ChessPiece&amp; piece = getPiece(from.x(), from.y());</a:t>
+            </a:r>
+          </a:p>
+          <a:p>
+            <a:pPr>
+              <a:defRPr sz="1100">
+                <a:solidFill>
+                  <a:srgbClr val="000000"/>
+                </a:solidFill>
+                <a:latin typeface="Consolas"/>
+              </a:defRPr>
+            </a:pPr>
+            <a:r>
+              <a:t>    </a:t>
+            </a:r>
+          </a:p>
+          <a:p>
+            <a:pPr>
+              <a:defRPr sz="1100">
+                <a:solidFill>
+                  <a:srgbClr val="000000"/>
+                </a:solidFill>
+                <a:latin typeface="Consolas"/>
+              </a:defRPr>
+            </a:pPr>
+            <a:r>
+              <a:t>    // 檢查是否為當前玩家的棋子</a:t>
+            </a:r>
+          </a:p>
+          <a:p>
+            <a:pPr>
+              <a:defRPr sz="1100">
+                <a:solidFill>
+                  <a:srgbClr val="000000"/>
+                </a:solidFill>
+                <a:latin typeface="Consolas"/>
+              </a:defRPr>
+            </a:pPr>
+            <a:r>
+              <a:t>    if (piece.getColor() != m_currentPlayer)</a:t>
+            </a:r>
+          </a:p>
+          <a:p>
+            <a:pPr>
+              <a:defRPr sz="1100">
+                <a:solidFill>
+                  <a:srgbClr val="000000"/>
+                </a:solidFill>
+                <a:latin typeface="Consolas"/>
+              </a:defRPr>
+            </a:pPr>
+            <a:r>
+              <a:t>        return false;</a:t>
+            </a:r>
+          </a:p>
+          <a:p>
+            <a:pPr>
+              <a:defRPr sz="1100">
+                <a:solidFill>
+                  <a:srgbClr val="000000"/>
+                </a:solidFill>
+                <a:latin typeface="Consolas"/>
+              </a:defRPr>
+            </a:pPr>
+            <a:r>
+              <a:t>    </a:t>
+            </a:r>
+          </a:p>
+          <a:p>
+            <a:pPr>
+              <a:defRPr sz="1100">
+                <a:solidFill>
+                  <a:srgbClr val="000000"/>
+                </a:solidFill>
+                <a:latin typeface="Consolas"/>
+              </a:defRPr>
+            </a:pPr>
+            <a:r>
+              <a:t>    // 檢查目標位置是否有效</a:t>
+            </a:r>
+          </a:p>
+          <a:p>
+            <a:pPr>
+              <a:defRPr sz="1100">
+                <a:solidFill>
+                  <a:srgbClr val="000000"/>
+                </a:solidFill>
+                <a:latin typeface="Consolas"/>
+              </a:defRPr>
+            </a:pPr>
+            <a:r>
+              <a:t>    if (!piece.isValidMove(from, to, m_board, </a:t>
+            </a:r>
+          </a:p>
+          <a:p>
+            <a:pPr>
+              <a:defRPr sz="1100">
+                <a:solidFill>
+                  <a:srgbClr val="000000"/>
+                </a:solidFill>
+                <a:latin typeface="Consolas"/>
+              </a:defRPr>
+            </a:pPr>
+            <a:r>
+              <a:t>                           m_enPassantTarget))</a:t>
+            </a:r>
+          </a:p>
+          <a:p>
+            <a:pPr>
+              <a:defRPr sz="1100">
+                <a:solidFill>
+                  <a:srgbClr val="000000"/>
+                </a:solidFill>
+                <a:latin typeface="Consolas"/>
+              </a:defRPr>
+            </a:pPr>
+            <a:r>
+              <a:t>        return false;</a:t>
+            </a:r>
+          </a:p>
+          <a:p>
+            <a:pPr>
+              <a:defRPr sz="1100">
+                <a:solidFill>
+                  <a:srgbClr val="000000"/>
+                </a:solidFill>
+                <a:latin typeface="Consolas"/>
+              </a:defRPr>
+            </a:pPr>
+            <a:r>
+              <a:t>    </a:t>
+            </a:r>
+          </a:p>
+          <a:p>
+            <a:pPr>
+              <a:defRPr sz="1100">
+                <a:solidFill>
+                  <a:srgbClr val="000000"/>
+                </a:solidFill>
+                <a:latin typeface="Consolas"/>
+              </a:defRPr>
+            </a:pPr>
+            <a:r>
+              <a:t>    // 檢查是否會讓自己的國王被將軍</a:t>
+            </a:r>
+          </a:p>
+          <a:p>
+            <a:pPr>
+              <a:defRPr sz="1100">
+                <a:solidFill>
+                  <a:srgbClr val="000000"/>
+                </a:solidFill>
+                <a:latin typeface="Consolas"/>
+              </a:defRPr>
+            </a:pPr>
+            <a:r>
+              <a:t>    // ... 將軍檢查邏輯</a:t>
+            </a:r>
+          </a:p>
+          <a:p>
+            <a:pPr>
+              <a:defRPr sz="1100">
+                <a:solidFill>
+                  <a:srgbClr val="000000"/>
+                </a:solidFill>
+                <a:latin typeface="Consolas"/>
+              </a:defRPr>
+            </a:pPr>
+            <a:r>
+              <a:t>    </a:t>
+            </a:r>
+          </a:p>
+          <a:p>
+            <a:pPr>
+              <a:defRPr sz="1100">
+                <a:solidFill>
+                  <a:srgbClr val="000000"/>
+                </a:solidFill>
+                <a:latin typeface="Consolas"/>
+              </a:defRPr>
+            </a:pPr>
+            <a:r>
+              <a:t>    return true;</a:t>
+            </a:r>
+          </a:p>
+          <a:p>
+            <a:pPr>
+              <a:defRPr sz="1100">
+                <a:solidFill>
+                  <a:srgbClr val="000000"/>
+                </a:solidFill>
+                <a:latin typeface="Consolas"/>
+              </a:defRPr>
+            </a:pPr>
+            <a:r>
+              <a:t>}</a:t>
             </a:r>
           </a:p>
         </p:txBody>
@@ -3857,7 +3960,7 @@
               </a:defRPr>
             </a:pPr>
             <a:r>
-              <a:t>錯誤修復與改進</a:t>
+              <a:t>程式碼實例（四）- 網路通訊</a:t>
             </a:r>
           </a:p>
         </p:txBody>
@@ -3912,203 +4015,284 @@
         </p:nvSpPr>
         <p:spPr>
           <a:xfrm>
-            <a:off x="914400" y="1828800"/>
-            <a:ext cx="7315200" cy="4114800"/>
+            <a:off x="731520" y="1828800"/>
+            <a:ext cx="7680960" cy="4114800"/>
           </a:xfrm>
           <a:prstGeom prst="rect">
             <a:avLst/>
           </a:prstGeom>
-          <a:noFill/>
+          <a:solidFill>
+            <a:srgbClr val="F0F0F0"/>
+          </a:solidFill>
+          <a:ln w="12700">
+            <a:solidFill>
+              <a:srgbClr val="C8C8C8"/>
+            </a:solidFill>
+          </a:ln>
         </p:spPr>
         <p:txBody>
-          <a:bodyPr wrap="square">
+          <a:bodyPr wrap="none">
             <a:spAutoFit/>
           </a:bodyPr>
           <a:lstStyle/>
           <a:p>
             <a:pPr>
-              <a:defRPr sz="1600">
-                <a:solidFill>
-                  <a:srgbClr val="323232"/>
-                </a:solidFill>
-              </a:defRPr>
-            </a:pPr>
-            <a:r>
-              <a:t>🔴 關鍵問題修復</a:t>
-            </a:r>
-          </a:p>
-          <a:p>
-            <a:pPr lvl="1">
-              <a:defRPr sz="1600">
-                <a:solidFill>
-                  <a:srgbClr val="323232"/>
-                </a:solidFill>
-              </a:defRPr>
-            </a:pPr>
-            <a:r>
-              <a:t>  • 陣列越界訪問保護</a:t>
-            </a:r>
-          </a:p>
-          <a:p>
-            <a:pPr lvl="1">
-              <a:defRPr sz="1600">
-                <a:solidFill>
-                  <a:srgbClr val="323232"/>
-                </a:solidFill>
-              </a:defRPr>
-            </a:pPr>
-            <a:r>
-              <a:t>  • JSON 解析異常處理</a:t>
-            </a:r>
-          </a:p>
-          <a:p>
-            <a:pPr lvl="1">
-              <a:defRPr sz="1600">
-                <a:solidFill>
-                  <a:srgbClr val="323232"/>
-                </a:solidFill>
-              </a:defRPr>
-            </a:pPr>
-            <a:r>
-              <a:t>  • 對話框阻塞問題</a:t>
-            </a:r>
-          </a:p>
-          <a:p>
-            <a:pPr lvl="1">
-              <a:defRPr sz="1600">
-                <a:solidFill>
-                  <a:srgbClr val="323232"/>
-                </a:solidFill>
-              </a:defRPr>
-            </a:pPr>
-            <a:r>
-              <a:t>  • 骰子模式原子性消息處理</a:t>
-            </a:r>
-          </a:p>
-          <a:p>
-            <a:pPr>
-              <a:defRPr sz="1600">
-                <a:solidFill>
-                  <a:srgbClr val="323232"/>
-                </a:solidFill>
-              </a:defRPr>
-            </a:pPr>
-          </a:p>
-          <a:p>
-            <a:pPr>
-              <a:defRPr sz="1600">
-                <a:solidFill>
-                  <a:srgbClr val="323232"/>
-                </a:solidFill>
-              </a:defRPr>
-            </a:pPr>
-            <a:r>
-              <a:t>🟡 重要改進</a:t>
-            </a:r>
-          </a:p>
-          <a:p>
-            <a:pPr lvl="1">
-              <a:defRPr sz="1600">
-                <a:solidFill>
-                  <a:srgbClr val="323232"/>
-                </a:solidFill>
-              </a:defRPr>
-            </a:pPr>
-            <a:r>
-              <a:t>  • 骰子模式將軍檢查邏輯</a:t>
-            </a:r>
-          </a:p>
-          <a:p>
-            <a:pPr lvl="1">
-              <a:defRPr sz="1600">
-                <a:solidFill>
-                  <a:srgbClr val="323232"/>
-                </a:solidFill>
-              </a:defRPr>
-            </a:pPr>
-            <a:r>
-              <a:t>  • 伺服器同步機制</a:t>
-            </a:r>
-          </a:p>
-          <a:p>
-            <a:pPr lvl="1">
-              <a:defRPr sz="1600">
-                <a:solidFill>
-                  <a:srgbClr val="323232"/>
-                </a:solidFill>
-              </a:defRPr>
-            </a:pPr>
-            <a:r>
-              <a:t>  • 動態骰子顯示</a:t>
-            </a:r>
-          </a:p>
-          <a:p>
-            <a:pPr lvl="1">
-              <a:defRPr sz="1600">
-                <a:solidFill>
-                  <a:srgbClr val="323232"/>
-                </a:solidFill>
-              </a:defRPr>
-            </a:pPr>
-            <a:r>
-              <a:t>  • 認輸對話框問題</a:t>
-            </a:r>
-          </a:p>
-          <a:p>
-            <a:pPr>
-              <a:defRPr sz="1600">
-                <a:solidFill>
-                  <a:srgbClr val="323232"/>
-                </a:solidFill>
-              </a:defRPr>
-            </a:pPr>
-          </a:p>
-          <a:p>
-            <a:pPr>
-              <a:defRPr sz="1600">
-                <a:solidFill>
-                  <a:srgbClr val="323232"/>
-                </a:solidFill>
-              </a:defRPr>
-            </a:pPr>
-            <a:r>
-              <a:t>✅ 安全性提升</a:t>
-            </a:r>
-          </a:p>
-          <a:p>
-            <a:pPr lvl="1">
-              <a:defRPr sz="1600">
-                <a:solidFill>
-                  <a:srgbClr val="323232"/>
-                </a:solidFill>
-              </a:defRPr>
-            </a:pPr>
-            <a:r>
-              <a:t>  • 通過 CodeQL 安全掃描</a:t>
-            </a:r>
-          </a:p>
-          <a:p>
-            <a:pPr lvl="1">
-              <a:defRPr sz="1600">
-                <a:solidFill>
-                  <a:srgbClr val="323232"/>
-                </a:solidFill>
-              </a:defRPr>
-            </a:pPr>
-            <a:r>
-              <a:t>  • 邊界檢查增強</a:t>
-            </a:r>
-          </a:p>
-          <a:p>
-            <a:pPr lvl="1">
-              <a:defRPr sz="1600">
-                <a:solidFill>
-                  <a:srgbClr val="323232"/>
-                </a:solidFill>
-              </a:defRPr>
-            </a:pPr>
-            <a:r>
-              <a:t>  • 異常處理完善</a:t>
+              <a:defRPr sz="1100">
+                <a:solidFill>
+                  <a:srgbClr val="000000"/>
+                </a:solidFill>
+                <a:latin typeface="Consolas"/>
+              </a:defRPr>
+            </a:pPr>
+            <a:r>
+              <a:t>class NetworkManager : public QObject {</a:t>
+            </a:r>
+          </a:p>
+          <a:p>
+            <a:pPr>
+              <a:defRPr sz="1100">
+                <a:solidFill>
+                  <a:srgbClr val="000000"/>
+                </a:solidFill>
+                <a:latin typeface="Consolas"/>
+              </a:defRPr>
+            </a:pPr>
+            <a:r>
+              <a:t>    Q_OBJECT</a:t>
+            </a:r>
+          </a:p>
+          <a:p>
+            <a:pPr>
+              <a:defRPr sz="1100">
+                <a:solidFill>
+                  <a:srgbClr val="000000"/>
+                </a:solidFill>
+                <a:latin typeface="Consolas"/>
+              </a:defRPr>
+            </a:pPr>
+            <a:r>
+              <a:t>public:</a:t>
+            </a:r>
+          </a:p>
+          <a:p>
+            <a:pPr>
+              <a:defRPr sz="1100">
+                <a:solidFill>
+                  <a:srgbClr val="000000"/>
+                </a:solidFill>
+                <a:latin typeface="Consolas"/>
+              </a:defRPr>
+            </a:pPr>
+            <a:r>
+              <a:t>    bool createRoom();</a:t>
+            </a:r>
+          </a:p>
+          <a:p>
+            <a:pPr>
+              <a:defRPr sz="1100">
+                <a:solidFill>
+                  <a:srgbClr val="000000"/>
+                </a:solidFill>
+                <a:latin typeface="Consolas"/>
+              </a:defRPr>
+            </a:pPr>
+            <a:r>
+              <a:t>    bool joinRoom(const QString&amp; roomNumber);</a:t>
+            </a:r>
+          </a:p>
+          <a:p>
+            <a:pPr>
+              <a:defRPr sz="1100">
+                <a:solidFill>
+                  <a:srgbClr val="000000"/>
+                </a:solidFill>
+                <a:latin typeface="Consolas"/>
+              </a:defRPr>
+            </a:pPr>
+            <a:r>
+              <a:t>    </a:t>
+            </a:r>
+          </a:p>
+          <a:p>
+            <a:pPr>
+              <a:defRPr sz="1100">
+                <a:solidFill>
+                  <a:srgbClr val="000000"/>
+                </a:solidFill>
+                <a:latin typeface="Consolas"/>
+              </a:defRPr>
+            </a:pPr>
+            <a:r>
+              <a:t>signals:</a:t>
+            </a:r>
+          </a:p>
+          <a:p>
+            <a:pPr>
+              <a:defRPr sz="1100">
+                <a:solidFill>
+                  <a:srgbClr val="000000"/>
+                </a:solidFill>
+                <a:latin typeface="Consolas"/>
+              </a:defRPr>
+            </a:pPr>
+            <a:r>
+              <a:t>    void moveReceived(const QPoint&amp; from, </a:t>
+            </a:r>
+          </a:p>
+          <a:p>
+            <a:pPr>
+              <a:defRPr sz="1100">
+                <a:solidFill>
+                  <a:srgbClr val="000000"/>
+                </a:solidFill>
+                <a:latin typeface="Consolas"/>
+              </a:defRPr>
+            </a:pPr>
+            <a:r>
+              <a:t>                     const QPoint&amp; to);</a:t>
+            </a:r>
+          </a:p>
+          <a:p>
+            <a:pPr>
+              <a:defRPr sz="1100">
+                <a:solidFill>
+                  <a:srgbClr val="000000"/>
+                </a:solidFill>
+                <a:latin typeface="Consolas"/>
+              </a:defRPr>
+            </a:pPr>
+            <a:r>
+              <a:t>    void gameStarted();</a:t>
+            </a:r>
+          </a:p>
+          <a:p>
+            <a:pPr>
+              <a:defRPr sz="1100">
+                <a:solidFill>
+                  <a:srgbClr val="000000"/>
+                </a:solidFill>
+                <a:latin typeface="Consolas"/>
+              </a:defRPr>
+            </a:pPr>
+            <a:r>
+              <a:t>    void opponentDisconnected();</a:t>
+            </a:r>
+          </a:p>
+          <a:p>
+            <a:pPr>
+              <a:defRPr sz="1100">
+                <a:solidFill>
+                  <a:srgbClr val="000000"/>
+                </a:solidFill>
+                <a:latin typeface="Consolas"/>
+              </a:defRPr>
+            </a:pPr>
+            <a:r>
+              <a:t>    </a:t>
+            </a:r>
+          </a:p>
+          <a:p>
+            <a:pPr>
+              <a:defRPr sz="1100">
+                <a:solidFill>
+                  <a:srgbClr val="000000"/>
+                </a:solidFill>
+                <a:latin typeface="Consolas"/>
+              </a:defRPr>
+            </a:pPr>
+            <a:r>
+              <a:t>private:</a:t>
+            </a:r>
+          </a:p>
+          <a:p>
+            <a:pPr>
+              <a:defRPr sz="1100">
+                <a:solidFill>
+                  <a:srgbClr val="000000"/>
+                </a:solidFill>
+                <a:latin typeface="Consolas"/>
+              </a:defRPr>
+            </a:pPr>
+            <a:r>
+              <a:t>    QWebSocket* m_webSocket;</a:t>
+            </a:r>
+          </a:p>
+          <a:p>
+            <a:pPr>
+              <a:defRPr sz="1100">
+                <a:solidFill>
+                  <a:srgbClr val="000000"/>
+                </a:solidFill>
+                <a:latin typeface="Consolas"/>
+              </a:defRPr>
+            </a:pPr>
+            <a:r>
+              <a:t>    QString m_roomNumber;</a:t>
+            </a:r>
+          </a:p>
+          <a:p>
+            <a:pPr>
+              <a:defRPr sz="1100">
+                <a:solidFill>
+                  <a:srgbClr val="000000"/>
+                </a:solidFill>
+                <a:latin typeface="Consolas"/>
+              </a:defRPr>
+            </a:pPr>
+            <a:r>
+              <a:t>    NetworkRole m_role;</a:t>
+            </a:r>
+          </a:p>
+          <a:p>
+            <a:pPr>
+              <a:defRPr sz="1100">
+                <a:solidFill>
+                  <a:srgbClr val="000000"/>
+                </a:solidFill>
+                <a:latin typeface="Consolas"/>
+              </a:defRPr>
+            </a:pPr>
+            <a:r>
+              <a:t>    </a:t>
+            </a:r>
+          </a:p>
+          <a:p>
+            <a:pPr>
+              <a:defRPr sz="1100">
+                <a:solidFill>
+                  <a:srgbClr val="000000"/>
+                </a:solidFill>
+                <a:latin typeface="Consolas"/>
+              </a:defRPr>
+            </a:pPr>
+            <a:r>
+              <a:t>    void sendMessage(MessageType type, </a:t>
+            </a:r>
+          </a:p>
+          <a:p>
+            <a:pPr>
+              <a:defRPr sz="1100">
+                <a:solidFill>
+                  <a:srgbClr val="000000"/>
+                </a:solidFill>
+                <a:latin typeface="Consolas"/>
+              </a:defRPr>
+            </a:pPr>
+            <a:r>
+              <a:t>                    const QJsonObject&amp; data);</a:t>
+            </a:r>
+          </a:p>
+          <a:p>
+            <a:pPr>
+              <a:defRPr sz="1100">
+                <a:solidFill>
+                  <a:srgbClr val="000000"/>
+                </a:solidFill>
+                <a:latin typeface="Consolas"/>
+              </a:defRPr>
+            </a:pPr>
+            <a:r>
+              <a:t>};</a:t>
             </a:r>
           </a:p>
         </p:txBody>
@@ -4161,7 +4345,7 @@
               </a:defRPr>
             </a:pPr>
             <a:r>
-              <a:t>測試與品質保證</a:t>
+              <a:t>程式碼實例（五）- 將軍偵測</a:t>
             </a:r>
           </a:p>
         </p:txBody>
@@ -4216,191 +4400,336 @@
         </p:nvSpPr>
         <p:spPr>
           <a:xfrm>
-            <a:off x="914400" y="1828800"/>
-            <a:ext cx="7315200" cy="4114800"/>
+            <a:off x="457200" y="1828800"/>
+            <a:ext cx="8229600" cy="4389120"/>
           </a:xfrm>
           <a:prstGeom prst="rect">
             <a:avLst/>
           </a:prstGeom>
-          <a:noFill/>
+          <a:solidFill>
+            <a:srgbClr val="F0F0F0"/>
+          </a:solidFill>
+          <a:ln w="12700">
+            <a:solidFill>
+              <a:srgbClr val="C8C8C8"/>
+            </a:solidFill>
+          </a:ln>
         </p:spPr>
         <p:txBody>
-          <a:bodyPr wrap="square">
+          <a:bodyPr wrap="none">
             <a:spAutoFit/>
           </a:bodyPr>
           <a:lstStyle/>
           <a:p>
             <a:pPr>
-              <a:defRPr sz="1600">
-                <a:solidFill>
-                  <a:srgbClr val="323232"/>
-                </a:solidFill>
-              </a:defRPr>
-            </a:pPr>
-            <a:r>
-              <a:t>✅ 功能測試</a:t>
-            </a:r>
-          </a:p>
-          <a:p>
-            <a:pPr lvl="1">
-              <a:defRPr sz="1600">
-                <a:solidFill>
-                  <a:srgbClr val="323232"/>
-                </a:solidFill>
-              </a:defRPr>
-            </a:pPr>
-            <a:r>
-              <a:t>  • 核心功能：棋盤初始化、棋子移動規則</a:t>
-            </a:r>
-          </a:p>
-          <a:p>
-            <a:pPr lvl="1">
-              <a:defRPr sz="1600">
-                <a:solidFill>
-                  <a:srgbClr val="323232"/>
-                </a:solidFill>
-              </a:defRPr>
-            </a:pPr>
-            <a:r>
-              <a:t>  • 特殊走法：王車易位、兵升變、吃過路兵</a:t>
-            </a:r>
-          </a:p>
-          <a:p>
-            <a:pPr lvl="1">
-              <a:defRPr sz="1600">
-                <a:solidFill>
-                  <a:srgbClr val="323232"/>
-                </a:solidFill>
-              </a:defRPr>
-            </a:pPr>
-            <a:r>
-              <a:t>  • 遊戲結束：將軍、將死、僵局偵測</a:t>
-            </a:r>
-          </a:p>
-          <a:p>
-            <a:pPr lvl="1">
-              <a:defRPr sz="1600">
-                <a:solidFill>
-                  <a:srgbClr val="323232"/>
-                </a:solidFill>
-              </a:defRPr>
-            </a:pPr>
-            <a:r>
-              <a:t>  • 進階功能：時間控制、音效、棋譜回放</a:t>
-            </a:r>
-          </a:p>
-          <a:p>
-            <a:pPr>
-              <a:defRPr sz="1600">
-                <a:solidFill>
-                  <a:srgbClr val="323232"/>
-                </a:solidFill>
-              </a:defRPr>
-            </a:pPr>
-          </a:p>
-          <a:p>
-            <a:pPr>
-              <a:defRPr sz="1600">
-                <a:solidFill>
-                  <a:srgbClr val="323232"/>
-                </a:solidFill>
-              </a:defRPr>
-            </a:pPr>
-            <a:r>
-              <a:t>✅ 安全審計</a:t>
-            </a:r>
-          </a:p>
-          <a:p>
-            <a:pPr lvl="1">
-              <a:defRPr sz="1600">
-                <a:solidFill>
-                  <a:srgbClr val="323232"/>
-                </a:solidFill>
-              </a:defRPr>
-            </a:pPr>
-            <a:r>
-              <a:t>  • CodeQL 靜態分析</a:t>
-            </a:r>
-          </a:p>
-          <a:p>
-            <a:pPr lvl="1">
-              <a:defRPr sz="1600">
-                <a:solidFill>
-                  <a:srgbClr val="323232"/>
-                </a:solidFill>
-              </a:defRPr>
-            </a:pPr>
-            <a:r>
-              <a:t>  • 記憶體安全檢查</a:t>
-            </a:r>
-          </a:p>
-          <a:p>
-            <a:pPr lvl="1">
-              <a:defRPr sz="1600">
-                <a:solidFill>
-                  <a:srgbClr val="323232"/>
-                </a:solidFill>
-              </a:defRPr>
-            </a:pPr>
-            <a:r>
-              <a:t>  • 網路安全驗證</a:t>
-            </a:r>
-          </a:p>
-          <a:p>
-            <a:pPr>
-              <a:defRPr sz="1600">
-                <a:solidFill>
-                  <a:srgbClr val="323232"/>
-                </a:solidFill>
-              </a:defRPr>
-            </a:pPr>
-          </a:p>
-          <a:p>
-            <a:pPr>
-              <a:defRPr sz="1600">
-                <a:solidFill>
-                  <a:srgbClr val="323232"/>
-                </a:solidFill>
-              </a:defRPr>
-            </a:pPr>
-            <a:r>
-              <a:t>✅ 代碼審查</a:t>
-            </a:r>
-          </a:p>
-          <a:p>
-            <a:pPr lvl="1">
-              <a:defRPr sz="1600">
-                <a:solidFill>
-                  <a:srgbClr val="323232"/>
-                </a:solidFill>
-              </a:defRPr>
-            </a:pPr>
-            <a:r>
-              <a:t>  • 多次代碼審查</a:t>
-            </a:r>
-          </a:p>
-          <a:p>
-            <a:pPr lvl="1">
-              <a:defRPr sz="1600">
-                <a:solidFill>
-                  <a:srgbClr val="323232"/>
-                </a:solidFill>
-              </a:defRPr>
-            </a:pPr>
-            <a:r>
-              <a:t>  • 持續改進代碼品質</a:t>
-            </a:r>
-          </a:p>
-          <a:p>
-            <a:pPr lvl="1">
-              <a:defRPr sz="1600">
-                <a:solidFill>
-                  <a:srgbClr val="323232"/>
-                </a:solidFill>
-              </a:defRPr>
-            </a:pPr>
-            <a:r>
-              <a:t>  • 文檔完善</a:t>
+              <a:defRPr sz="1100">
+                <a:solidFill>
+                  <a:srgbClr val="000000"/>
+                </a:solidFill>
+                <a:latin typeface="Consolas"/>
+              </a:defRPr>
+            </a:pPr>
+            <a:r>
+              <a:t>bool ChessBoard::isInCheck(PieceColor color) const {</a:t>
+            </a:r>
+          </a:p>
+          <a:p>
+            <a:pPr>
+              <a:defRPr sz="1100">
+                <a:solidFill>
+                  <a:srgbClr val="000000"/>
+                </a:solidFill>
+                <a:latin typeface="Consolas"/>
+              </a:defRPr>
+            </a:pPr>
+            <a:r>
+              <a:t>    QPoint kingPos = findKing(color);</a:t>
+            </a:r>
+          </a:p>
+          <a:p>
+            <a:pPr>
+              <a:defRPr sz="1100">
+                <a:solidFill>
+                  <a:srgbClr val="000000"/>
+                </a:solidFill>
+                <a:latin typeface="Consolas"/>
+              </a:defRPr>
+            </a:pPr>
+            <a:r>
+              <a:t>    </a:t>
+            </a:r>
+          </a:p>
+          <a:p>
+            <a:pPr>
+              <a:defRPr sz="1100">
+                <a:solidFill>
+                  <a:srgbClr val="000000"/>
+                </a:solidFill>
+                <a:latin typeface="Consolas"/>
+              </a:defRPr>
+            </a:pPr>
+            <a:r>
+              <a:t>    if (kingPos.x() == -1) return false;</a:t>
+            </a:r>
+          </a:p>
+          <a:p>
+            <a:pPr>
+              <a:defRPr sz="1100">
+                <a:solidFill>
+                  <a:srgbClr val="000000"/>
+                </a:solidFill>
+                <a:latin typeface="Consolas"/>
+              </a:defRPr>
+            </a:pPr>
+            <a:r>
+              <a:t>    </a:t>
+            </a:r>
+          </a:p>
+          <a:p>
+            <a:pPr>
+              <a:defRPr sz="1100">
+                <a:solidFill>
+                  <a:srgbClr val="000000"/>
+                </a:solidFill>
+                <a:latin typeface="Consolas"/>
+              </a:defRPr>
+            </a:pPr>
+            <a:r>
+              <a:t>    // 檢查對手的所有棋子是否能攻擊國王</a:t>
+            </a:r>
+          </a:p>
+          <a:p>
+            <a:pPr>
+              <a:defRPr sz="1100">
+                <a:solidFill>
+                  <a:srgbClr val="000000"/>
+                </a:solidFill>
+                <a:latin typeface="Consolas"/>
+              </a:defRPr>
+            </a:pPr>
+            <a:r>
+              <a:t>    PieceColor opponentColor = </a:t>
+            </a:r>
+          </a:p>
+          <a:p>
+            <a:pPr>
+              <a:defRPr sz="1100">
+                <a:solidFill>
+                  <a:srgbClr val="000000"/>
+                </a:solidFill>
+                <a:latin typeface="Consolas"/>
+              </a:defRPr>
+            </a:pPr>
+            <a:r>
+              <a:t>        (color == PieceColor::White) ? </a:t>
+            </a:r>
+          </a:p>
+          <a:p>
+            <a:pPr>
+              <a:defRPr sz="1100">
+                <a:solidFill>
+                  <a:srgbClr val="000000"/>
+                </a:solidFill>
+                <a:latin typeface="Consolas"/>
+              </a:defRPr>
+            </a:pPr>
+            <a:r>
+              <a:t>        PieceColor::Black : PieceColor::White;</a:t>
+            </a:r>
+          </a:p>
+          <a:p>
+            <a:pPr>
+              <a:defRPr sz="1100">
+                <a:solidFill>
+                  <a:srgbClr val="000000"/>
+                </a:solidFill>
+                <a:latin typeface="Consolas"/>
+              </a:defRPr>
+            </a:pPr>
+            <a:r>
+              <a:t>    </a:t>
+            </a:r>
+          </a:p>
+          <a:p>
+            <a:pPr>
+              <a:defRPr sz="1100">
+                <a:solidFill>
+                  <a:srgbClr val="000000"/>
+                </a:solidFill>
+                <a:latin typeface="Consolas"/>
+              </a:defRPr>
+            </a:pPr>
+            <a:r>
+              <a:t>    for (int row = 0; row &lt; 8; ++row) {</a:t>
+            </a:r>
+          </a:p>
+          <a:p>
+            <a:pPr>
+              <a:defRPr sz="1100">
+                <a:solidFill>
+                  <a:srgbClr val="000000"/>
+                </a:solidFill>
+                <a:latin typeface="Consolas"/>
+              </a:defRPr>
+            </a:pPr>
+            <a:r>
+              <a:t>        for (int col = 0; col &lt; 8; ++col) {</a:t>
+            </a:r>
+          </a:p>
+          <a:p>
+            <a:pPr>
+              <a:defRPr sz="1100">
+                <a:solidFill>
+                  <a:srgbClr val="000000"/>
+                </a:solidFill>
+                <a:latin typeface="Consolas"/>
+              </a:defRPr>
+            </a:pPr>
+            <a:r>
+              <a:t>            const ChessPiece&amp; piece = </a:t>
+            </a:r>
+          </a:p>
+          <a:p>
+            <a:pPr>
+              <a:defRPr sz="1100">
+                <a:solidFill>
+                  <a:srgbClr val="000000"/>
+                </a:solidFill>
+                <a:latin typeface="Consolas"/>
+              </a:defRPr>
+            </a:pPr>
+            <a:r>
+              <a:t>                getPiece(row, col);</a:t>
+            </a:r>
+          </a:p>
+          <a:p>
+            <a:pPr>
+              <a:defRPr sz="1100">
+                <a:solidFill>
+                  <a:srgbClr val="000000"/>
+                </a:solidFill>
+                <a:latin typeface="Consolas"/>
+              </a:defRPr>
+            </a:pPr>
+            <a:r>
+              <a:t>            if (piece.getColor() == opponentColor) {</a:t>
+            </a:r>
+          </a:p>
+          <a:p>
+            <a:pPr>
+              <a:defRPr sz="1100">
+                <a:solidFill>
+                  <a:srgbClr val="000000"/>
+                </a:solidFill>
+                <a:latin typeface="Consolas"/>
+              </a:defRPr>
+            </a:pPr>
+            <a:r>
+              <a:t>                if (piece.isValidMove(</a:t>
+            </a:r>
+          </a:p>
+          <a:p>
+            <a:pPr>
+              <a:defRPr sz="1100">
+                <a:solidFill>
+                  <a:srgbClr val="000000"/>
+                </a:solidFill>
+                <a:latin typeface="Consolas"/>
+              </a:defRPr>
+            </a:pPr>
+            <a:r>
+              <a:t>                    QPoint(row, col), kingPos, </a:t>
+            </a:r>
+          </a:p>
+          <a:p>
+            <a:pPr>
+              <a:defRPr sz="1100">
+                <a:solidFill>
+                  <a:srgbClr val="000000"/>
+                </a:solidFill>
+                <a:latin typeface="Consolas"/>
+              </a:defRPr>
+            </a:pPr>
+            <a:r>
+              <a:t>                    m_board, m_enPassantTarget))</a:t>
+            </a:r>
+          </a:p>
+          <a:p>
+            <a:pPr>
+              <a:defRPr sz="1100">
+                <a:solidFill>
+                  <a:srgbClr val="000000"/>
+                </a:solidFill>
+                <a:latin typeface="Consolas"/>
+              </a:defRPr>
+            </a:pPr>
+            <a:r>
+              <a:t>                    return true;</a:t>
+            </a:r>
+          </a:p>
+          <a:p>
+            <a:pPr>
+              <a:defRPr sz="1100">
+                <a:solidFill>
+                  <a:srgbClr val="000000"/>
+                </a:solidFill>
+                <a:latin typeface="Consolas"/>
+              </a:defRPr>
+            </a:pPr>
+            <a:r>
+              <a:t>            }</a:t>
+            </a:r>
+          </a:p>
+          <a:p>
+            <a:pPr>
+              <a:defRPr sz="1100">
+                <a:solidFill>
+                  <a:srgbClr val="000000"/>
+                </a:solidFill>
+                <a:latin typeface="Consolas"/>
+              </a:defRPr>
+            </a:pPr>
+            <a:r>
+              <a:t>        }</a:t>
+            </a:r>
+          </a:p>
+          <a:p>
+            <a:pPr>
+              <a:defRPr sz="1100">
+                <a:solidFill>
+                  <a:srgbClr val="000000"/>
+                </a:solidFill>
+                <a:latin typeface="Consolas"/>
+              </a:defRPr>
+            </a:pPr>
+            <a:r>
+              <a:t>    }</a:t>
+            </a:r>
+          </a:p>
+          <a:p>
+            <a:pPr>
+              <a:defRPr sz="1100">
+                <a:solidFill>
+                  <a:srgbClr val="000000"/>
+                </a:solidFill>
+                <a:latin typeface="Consolas"/>
+              </a:defRPr>
+            </a:pPr>
+            <a:r>
+              <a:t>    return false;</a:t>
+            </a:r>
+          </a:p>
+          <a:p>
+            <a:pPr>
+              <a:defRPr sz="1100">
+                <a:solidFill>
+                  <a:srgbClr val="000000"/>
+                </a:solidFill>
+                <a:latin typeface="Consolas"/>
+              </a:defRPr>
+            </a:pPr>
+            <a:r>
+              <a:t>}</a:t>
             </a:r>
           </a:p>
         </p:txBody>
@@ -4453,7 +4782,7 @@
               </a:defRPr>
             </a:pPr>
             <a:r>
-              <a:t>文檔系統</a:t>
+              <a:t>程式碼實例（六）- 主程式進入點</a:t>
             </a:r>
           </a:p>
         </p:txBody>
@@ -4508,215 +4837,177 @@
         </p:nvSpPr>
         <p:spPr>
           <a:xfrm>
-            <a:off x="914400" y="1828800"/>
-            <a:ext cx="7315200" cy="4114800"/>
+            <a:off x="1371600" y="2286000"/>
+            <a:ext cx="6400800" cy="3200400"/>
           </a:xfrm>
           <a:prstGeom prst="rect">
             <a:avLst/>
           </a:prstGeom>
-          <a:noFill/>
+          <a:solidFill>
+            <a:srgbClr val="F0F0F0"/>
+          </a:solidFill>
+          <a:ln w="12700">
+            <a:solidFill>
+              <a:srgbClr val="C8C8C8"/>
+            </a:solidFill>
+          </a:ln>
         </p:spPr>
         <p:txBody>
-          <a:bodyPr wrap="square">
+          <a:bodyPr wrap="none">
             <a:spAutoFit/>
           </a:bodyPr>
           <a:lstStyle/>
           <a:p>
             <a:pPr>
-              <a:defRPr sz="1600">
-                <a:solidFill>
-                  <a:srgbClr val="323232"/>
-                </a:solidFill>
-              </a:defRPr>
-            </a:pPr>
-            <a:r>
-              <a:t>📚 使用者文檔</a:t>
-            </a:r>
-          </a:p>
-          <a:p>
-            <a:pPr lvl="1">
-              <a:defRPr sz="1600">
-                <a:solidFill>
-                  <a:srgbClr val="323232"/>
-                </a:solidFill>
-              </a:defRPr>
-            </a:pPr>
-            <a:r>
-              <a:t>  • README.md - 專案概述</a:t>
-            </a:r>
-          </a:p>
-          <a:p>
-            <a:pPr lvl="1">
-              <a:defRPr sz="1600">
-                <a:solidFill>
-                  <a:srgbClr val="323232"/>
-                </a:solidFill>
-              </a:defRPr>
-            </a:pPr>
-            <a:r>
-              <a:t>  • BUILDING.md - 建置指南</a:t>
-            </a:r>
-          </a:p>
-          <a:p>
-            <a:pPr lvl="1">
-              <a:defRPr sz="1600">
-                <a:solidFill>
-                  <a:srgbClr val="323232"/>
-                </a:solidFill>
-              </a:defRPr>
-            </a:pPr>
-            <a:r>
-              <a:t>  • 線上對戰初學者指南</a:t>
-            </a:r>
-          </a:p>
-          <a:p>
-            <a:pPr lvl="1">
-              <a:defRPr sz="1600">
-                <a:solidFill>
-                  <a:srgbClr val="323232"/>
-                </a:solidFill>
-              </a:defRPr>
-            </a:pPr>
-            <a:r>
-              <a:t>  • 各功能使用說明</a:t>
-            </a:r>
-          </a:p>
-          <a:p>
-            <a:pPr>
-              <a:defRPr sz="1600">
-                <a:solidFill>
-                  <a:srgbClr val="323232"/>
-                </a:solidFill>
-              </a:defRPr>
-            </a:pPr>
-          </a:p>
-          <a:p>
-            <a:pPr>
-              <a:defRPr sz="1600">
-                <a:solidFill>
-                  <a:srgbClr val="323232"/>
-                </a:solidFill>
-              </a:defRPr>
-            </a:pPr>
-            <a:r>
-              <a:t>📖 技術文檔</a:t>
-            </a:r>
-          </a:p>
-          <a:p>
-            <a:pPr lvl="1">
-              <a:defRPr sz="1600">
-                <a:solidFill>
-                  <a:srgbClr val="323232"/>
-                </a:solidFill>
-              </a:defRPr>
-            </a:pPr>
-            <a:r>
-              <a:t>  • 功能實現摘要</a:t>
-            </a:r>
-          </a:p>
-          <a:p>
-            <a:pPr lvl="1">
-              <a:defRPr sz="1600">
-                <a:solidFill>
-                  <a:srgbClr val="323232"/>
-                </a:solidFill>
-              </a:defRPr>
-            </a:pPr>
-            <a:r>
-              <a:t>  • 遊戲模式技術文檔</a:t>
-            </a:r>
-          </a:p>
-          <a:p>
-            <a:pPr lvl="1">
-              <a:defRPr sz="1600">
-                <a:solidFill>
-                  <a:srgbClr val="323232"/>
-                </a:solidFill>
-              </a:defRPr>
-            </a:pPr>
-            <a:r>
-              <a:t>  • 時間控制邏輯說明</a:t>
-            </a:r>
-          </a:p>
-          <a:p>
-            <a:pPr lvl="1">
-              <a:defRPr sz="1600">
-                <a:solidFill>
-                  <a:srgbClr val="323232"/>
-                </a:solidFill>
-              </a:defRPr>
-            </a:pPr>
-            <a:r>
-              <a:t>  • 回放功能說明</a:t>
-            </a:r>
-          </a:p>
-          <a:p>
-            <a:pPr>
-              <a:defRPr sz="1600">
-                <a:solidFill>
-                  <a:srgbClr val="323232"/>
-                </a:solidFill>
-              </a:defRPr>
-            </a:pPr>
-          </a:p>
-          <a:p>
-            <a:pPr>
-              <a:defRPr sz="1600">
-                <a:solidFill>
-                  <a:srgbClr val="323232"/>
-                </a:solidFill>
-              </a:defRPr>
-            </a:pPr>
-            <a:r>
-              <a:t>🔧 開發文檔</a:t>
-            </a:r>
-          </a:p>
-          <a:p>
-            <a:pPr lvl="1">
-              <a:defRPr sz="1600">
-                <a:solidFill>
-                  <a:srgbClr val="323232"/>
-                </a:solidFill>
-              </a:defRPr>
-            </a:pPr>
-            <a:r>
-              <a:t>  • 錯誤修復摘要</a:t>
-            </a:r>
-          </a:p>
-          <a:p>
-            <a:pPr lvl="1">
-              <a:defRPr sz="1600">
-                <a:solidFill>
-                  <a:srgbClr val="323232"/>
-                </a:solidFill>
-              </a:defRPr>
-            </a:pPr>
-            <a:r>
-              <a:t>  • 功能測試報告</a:t>
-            </a:r>
-          </a:p>
-          <a:p>
-            <a:pPr lvl="1">
-              <a:defRPr sz="1600">
-                <a:solidFill>
-                  <a:srgbClr val="323232"/>
-                </a:solidFill>
-              </a:defRPr>
-            </a:pPr>
-            <a:r>
-              <a:t>  • 安全審計報告</a:t>
-            </a:r>
-          </a:p>
-          <a:p>
-            <a:pPr lvl="1">
-              <a:defRPr sz="1600">
-                <a:solidFill>
-                  <a:srgbClr val="323232"/>
-                </a:solidFill>
-              </a:defRPr>
-            </a:pPr>
-            <a:r>
-              <a:t>  • 代碼審查摘要</a:t>
+              <a:defRPr sz="1100">
+                <a:solidFill>
+                  <a:srgbClr val="000000"/>
+                </a:solidFill>
+                <a:latin typeface="Consolas"/>
+              </a:defRPr>
+            </a:pPr>
+            <a:r>
+              <a:t>#include "qt_chess.h"</a:t>
+            </a:r>
+          </a:p>
+          <a:p>
+            <a:pPr>
+              <a:defRPr sz="1100">
+                <a:solidFill>
+                  <a:srgbClr val="000000"/>
+                </a:solidFill>
+                <a:latin typeface="Consolas"/>
+              </a:defRPr>
+            </a:pPr>
+            <a:r>
+              <a:t>#include &lt;QApplication&gt;</a:t>
+            </a:r>
+          </a:p>
+          <a:p>
+            <a:pPr>
+              <a:defRPr sz="1100">
+                <a:solidFill>
+                  <a:srgbClr val="000000"/>
+                </a:solidFill>
+                <a:latin typeface="Consolas"/>
+              </a:defRPr>
+            </a:pPr>
+          </a:p>
+          <a:p>
+            <a:pPr>
+              <a:defRPr sz="1100">
+                <a:solidFill>
+                  <a:srgbClr val="000000"/>
+                </a:solidFill>
+                <a:latin typeface="Consolas"/>
+              </a:defRPr>
+            </a:pPr>
+            <a:r>
+              <a:t>int main(int argc, char *argv[]) {</a:t>
+            </a:r>
+          </a:p>
+          <a:p>
+            <a:pPr>
+              <a:defRPr sz="1100">
+                <a:solidFill>
+                  <a:srgbClr val="000000"/>
+                </a:solidFill>
+                <a:latin typeface="Consolas"/>
+              </a:defRPr>
+            </a:pPr>
+            <a:r>
+              <a:t>    QApplication a(argc, argv);</a:t>
+            </a:r>
+          </a:p>
+          <a:p>
+            <a:pPr>
+              <a:defRPr sz="1100">
+                <a:solidFill>
+                  <a:srgbClr val="000000"/>
+                </a:solidFill>
+                <a:latin typeface="Consolas"/>
+              </a:defRPr>
+            </a:pPr>
+            <a:r>
+              <a:t>    </a:t>
+            </a:r>
+          </a:p>
+          <a:p>
+            <a:pPr>
+              <a:defRPr sz="1100">
+                <a:solidFill>
+                  <a:srgbClr val="000000"/>
+                </a:solidFill>
+                <a:latin typeface="Consolas"/>
+              </a:defRPr>
+            </a:pPr>
+            <a:r>
+              <a:t>    // 創建並顯示主視窗</a:t>
+            </a:r>
+          </a:p>
+          <a:p>
+            <a:pPr>
+              <a:defRPr sz="1100">
+                <a:solidFill>
+                  <a:srgbClr val="000000"/>
+                </a:solidFill>
+                <a:latin typeface="Consolas"/>
+              </a:defRPr>
+            </a:pPr>
+            <a:r>
+              <a:t>    Qt_Chess w;</a:t>
+            </a:r>
+          </a:p>
+          <a:p>
+            <a:pPr>
+              <a:defRPr sz="1100">
+                <a:solidFill>
+                  <a:srgbClr val="000000"/>
+                </a:solidFill>
+                <a:latin typeface="Consolas"/>
+              </a:defRPr>
+            </a:pPr>
+            <a:r>
+              <a:t>    w.showFullScreen();</a:t>
+            </a:r>
+          </a:p>
+          <a:p>
+            <a:pPr>
+              <a:defRPr sz="1100">
+                <a:solidFill>
+                  <a:srgbClr val="000000"/>
+                </a:solidFill>
+                <a:latin typeface="Consolas"/>
+              </a:defRPr>
+            </a:pPr>
+            <a:r>
+              <a:t>    </a:t>
+            </a:r>
+          </a:p>
+          <a:p>
+            <a:pPr>
+              <a:defRPr sz="1100">
+                <a:solidFill>
+                  <a:srgbClr val="000000"/>
+                </a:solidFill>
+                <a:latin typeface="Consolas"/>
+              </a:defRPr>
+            </a:pPr>
+            <a:r>
+              <a:t>    return a.exec();</a:t>
+            </a:r>
+          </a:p>
+          <a:p>
+            <a:pPr>
+              <a:defRPr sz="1100">
+                <a:solidFill>
+                  <a:srgbClr val="000000"/>
+                </a:solidFill>
+                <a:latin typeface="Consolas"/>
+              </a:defRPr>
+            </a:pPr>
+            <a:r>
+              <a:t>}</a:t>
             </a:r>
           </a:p>
         </p:txBody>
@@ -4769,7 +5060,7 @@
               </a:defRPr>
             </a:pPr>
             <a:r>
-              <a:t>專案統計</a:t>
+              <a:t>進階功能（一）</a:t>
             </a:r>
           </a:p>
         </p:txBody>
@@ -4846,181 +5137,136 @@
               </a:defRPr>
             </a:pPr>
             <a:r>
-              <a:t>📊 代碼規模</a:t>
-            </a:r>
-          </a:p>
-          <a:p>
-            <a:pPr lvl="1">
-              <a:defRPr sz="1600">
-                <a:solidFill>
-                  <a:srgbClr val="323232"/>
-                </a:solidFill>
-              </a:defRPr>
-            </a:pPr>
-            <a:r>
-              <a:t>  • 主要程式語言：C++、Qt/QML</a:t>
-            </a:r>
-          </a:p>
-          <a:p>
-            <a:pPr lvl="1">
-              <a:defRPr sz="1600">
-                <a:solidFill>
-                  <a:srgbClr val="323232"/>
-                </a:solidFill>
-              </a:defRPr>
-            </a:pPr>
-            <a:r>
-              <a:t>  • 核心模組：23 個 C++ 檔案</a:t>
-            </a:r>
-          </a:p>
-          <a:p>
-            <a:pPr lvl="1">
-              <a:defRPr sz="1600">
-                <a:solidFill>
-                  <a:srgbClr val="323232"/>
-                </a:solidFill>
-              </a:defRPr>
-            </a:pPr>
-            <a:r>
-              <a:t>  • 文檔檔案：35+ 個 Markdown 檔案</a:t>
-            </a:r>
-          </a:p>
-          <a:p>
-            <a:pPr>
-              <a:defRPr sz="1600">
-                <a:solidFill>
-                  <a:srgbClr val="323232"/>
-                </a:solidFill>
-              </a:defRPr>
-            </a:pPr>
-          </a:p>
-          <a:p>
-            <a:pPr>
-              <a:defRPr sz="1600">
-                <a:solidFill>
-                  <a:srgbClr val="323232"/>
-                </a:solidFill>
-              </a:defRPr>
-            </a:pPr>
-            <a:r>
-              <a:t>🎯 功能數量</a:t>
-            </a:r>
-          </a:p>
-          <a:p>
-            <a:pPr lvl="1">
-              <a:defRPr sz="1600">
-                <a:solidFill>
-                  <a:srgbClr val="323232"/>
-                </a:solidFill>
-              </a:defRPr>
-            </a:pPr>
-            <a:r>
-              <a:t>  • 3 種基本遊戲模式</a:t>
-            </a:r>
-          </a:p>
-          <a:p>
-            <a:pPr lvl="1">
-              <a:defRPr sz="1600">
-                <a:solidFill>
-                  <a:srgbClr val="323232"/>
-                </a:solidFill>
-              </a:defRPr>
-            </a:pPr>
-            <a:r>
-              <a:t>  • 5+ 種特殊遊戲模式</a:t>
-            </a:r>
-          </a:p>
-          <a:p>
-            <a:pPr lvl="1">
-              <a:defRPr sz="1600">
-                <a:solidFill>
-                  <a:srgbClr val="323232"/>
-                </a:solidFill>
-              </a:defRPr>
-            </a:pPr>
-            <a:r>
-              <a:t>  • 10+ 項進階功能</a:t>
-            </a:r>
-          </a:p>
-          <a:p>
-            <a:pPr lvl="1">
-              <a:defRPr sz="1600">
-                <a:solidFill>
-                  <a:srgbClr val="323232"/>
-                </a:solidFill>
-              </a:defRPr>
-            </a:pPr>
-            <a:r>
-              <a:t>  • 7 種預設棋盤配色方案</a:t>
-            </a:r>
-          </a:p>
-          <a:p>
-            <a:pPr>
-              <a:defRPr sz="1600">
-                <a:solidFill>
-                  <a:srgbClr val="323232"/>
-                </a:solidFill>
-              </a:defRPr>
-            </a:pPr>
-          </a:p>
-          <a:p>
-            <a:pPr>
-              <a:defRPr sz="1600">
-                <a:solidFill>
-                  <a:srgbClr val="323232"/>
-                </a:solidFill>
-              </a:defRPr>
-            </a:pPr>
-            <a:r>
-              <a:t>🔧 技術特色</a:t>
-            </a:r>
-          </a:p>
-          <a:p>
-            <a:pPr lvl="1">
-              <a:defRPr sz="1600">
-                <a:solidFill>
-                  <a:srgbClr val="323232"/>
-                </a:solidFill>
-              </a:defRPr>
-            </a:pPr>
-            <a:r>
-              <a:t>  • WebSocket 即時通訊</a:t>
-            </a:r>
-          </a:p>
-          <a:p>
-            <a:pPr lvl="1">
-              <a:defRPr sz="1600">
-                <a:solidFill>
-                  <a:srgbClr val="323232"/>
-                </a:solidFill>
-              </a:defRPr>
-            </a:pPr>
-            <a:r>
-              <a:t>  • Stockfish 引擎整合</a:t>
-            </a:r>
-          </a:p>
-          <a:p>
-            <a:pPr lvl="1">
-              <a:defRPr sz="1600">
-                <a:solidFill>
-                  <a:srgbClr val="323232"/>
-                </a:solidFill>
-              </a:defRPr>
-            </a:pPr>
-            <a:r>
-              <a:t>  • Qt5 跨平台框架</a:t>
-            </a:r>
-          </a:p>
-          <a:p>
-            <a:pPr lvl="1">
-              <a:defRPr sz="1600">
-                <a:solidFill>
-                  <a:srgbClr val="323232"/>
-                </a:solidFill>
-              </a:defRPr>
-            </a:pPr>
-            <a:r>
-              <a:t>  • C++17 現代標準</a:t>
+              <a:t>⏱️ 時間控制</a:t>
+            </a:r>
+          </a:p>
+          <a:p>
+            <a:pPr lvl="1">
+              <a:defRPr sz="1600">
+                <a:solidFill>
+                  <a:srgbClr val="323232"/>
+                </a:solidFill>
+              </a:defRPr>
+            </a:pPr>
+            <a:r>
+              <a:t>  • 可選擇總時間（30秒至60分鐘）</a:t>
+            </a:r>
+          </a:p>
+          <a:p>
+            <a:pPr lvl="1">
+              <a:defRPr sz="1600">
+                <a:solidFill>
+                  <a:srgbClr val="323232"/>
+                </a:solidFill>
+              </a:defRPr>
+            </a:pPr>
+            <a:r>
+              <a:t>  • 每著加秒功能（0-60秒）</a:t>
+            </a:r>
+          </a:p>
+          <a:p>
+            <a:pPr lvl="1">
+              <a:defRPr sz="1600">
+                <a:solidFill>
+                  <a:srgbClr val="323232"/>
+                </a:solidFill>
+              </a:defRPr>
+            </a:pPr>
+            <a:r>
+              <a:t>  • 雙方計時器即時顯示</a:t>
+            </a:r>
+          </a:p>
+          <a:p>
+            <a:pPr lvl="1">
+              <a:defRPr sz="1600">
+                <a:solidFill>
+                  <a:srgbClr val="323232"/>
+                </a:solidFill>
+              </a:defRPr>
+            </a:pPr>
+            <a:r>
+              <a:t>  • 超時自動判負</a:t>
+            </a:r>
+          </a:p>
+          <a:p>
+            <a:pPr>
+              <a:defRPr sz="1600">
+                <a:solidFill>
+                  <a:srgbClr val="323232"/>
+                </a:solidFill>
+              </a:defRPr>
+            </a:pPr>
+          </a:p>
+          <a:p>
+            <a:pPr>
+              <a:defRPr sz="1600">
+                <a:solidFill>
+                  <a:srgbClr val="323232"/>
+                </a:solidFill>
+              </a:defRPr>
+            </a:pPr>
+            <a:r>
+              <a:t>📝 棋譜記錄與回放</a:t>
+            </a:r>
+          </a:p>
+          <a:p>
+            <a:pPr lvl="1">
+              <a:defRPr sz="1600">
+                <a:solidFill>
+                  <a:srgbClr val="323232"/>
+                </a:solidFill>
+              </a:defRPr>
+            </a:pPr>
+            <a:r>
+              <a:t>  • 自動記錄棋譜</a:t>
+            </a:r>
+          </a:p>
+          <a:p>
+            <a:pPr lvl="1">
+              <a:defRPr sz="1600">
+                <a:solidFill>
+                  <a:srgbClr val="323232"/>
+                </a:solidFill>
+              </a:defRPr>
+            </a:pPr>
+            <a:r>
+              <a:t>  • PGN 格式匯出</a:t>
+            </a:r>
+          </a:p>
+          <a:p>
+            <a:pPr lvl="1">
+              <a:defRPr sz="1600">
+                <a:solidFill>
+                  <a:srgbClr val="323232"/>
+                </a:solidFill>
+              </a:defRPr>
+            </a:pPr>
+            <a:r>
+              <a:t>  • 完整回放功能</a:t>
+            </a:r>
+          </a:p>
+          <a:p>
+            <a:pPr lvl="1">
+              <a:defRPr sz="1600">
+                <a:solidFill>
+                  <a:srgbClr val="323232"/>
+                </a:solidFill>
+              </a:defRPr>
+            </a:pPr>
+            <a:r>
+              <a:t>  • 遊戲進行中也可回放</a:t>
+            </a:r>
+          </a:p>
+          <a:p>
+            <a:pPr lvl="1">
+              <a:defRPr sz="1600">
+                <a:solidFill>
+                  <a:srgbClr val="323232"/>
+                </a:solidFill>
+              </a:defRPr>
+            </a:pPr>
+            <a:r>
+              <a:t>  • 回放時計時器自動暫停</a:t>
             </a:r>
           </a:p>
         </p:txBody>
@@ -5073,7 +5319,7 @@
               </a:defRPr>
             </a:pPr>
             <a:r>
-              <a:t>未來規劃</a:t>
+              <a:t>進階功能（二）</a:t>
             </a:r>
           </a:p>
         </p:txBody>
@@ -5150,226 +5396,169 @@
               </a:defRPr>
             </a:pPr>
             <a:r>
-              <a:t>🚀 功能擴展</a:t>
-            </a:r>
-          </a:p>
-          <a:p>
-            <a:pPr lvl="1">
-              <a:defRPr sz="1600">
-                <a:solidFill>
-                  <a:srgbClr val="323232"/>
-                </a:solidFill>
-              </a:defRPr>
-            </a:pPr>
-            <a:r>
-              <a:t>  • 更多遊戲模式變體</a:t>
-            </a:r>
-          </a:p>
-          <a:p>
-            <a:pPr lvl="1">
-              <a:defRPr sz="1600">
-                <a:solidFill>
-                  <a:srgbClr val="323232"/>
-                </a:solidFill>
-              </a:defRPr>
-            </a:pPr>
-            <a:r>
-              <a:t>  • 錦標賽模式</a:t>
-            </a:r>
-          </a:p>
-          <a:p>
-            <a:pPr lvl="1">
-              <a:defRPr sz="1600">
-                <a:solidFill>
-                  <a:srgbClr val="323232"/>
-                </a:solidFill>
-              </a:defRPr>
-            </a:pPr>
-            <a:r>
-              <a:t>  • 觀戰功能</a:t>
-            </a:r>
-          </a:p>
-          <a:p>
-            <a:pPr lvl="1">
-              <a:defRPr sz="1600">
-                <a:solidFill>
-                  <a:srgbClr val="323232"/>
-                </a:solidFill>
-              </a:defRPr>
-            </a:pPr>
-            <a:r>
-              <a:t>  • 聊天功能</a:t>
-            </a:r>
-          </a:p>
-          <a:p>
-            <a:pPr>
-              <a:defRPr sz="1600">
-                <a:solidFill>
-                  <a:srgbClr val="323232"/>
-                </a:solidFill>
-              </a:defRPr>
-            </a:pPr>
-          </a:p>
-          <a:p>
-            <a:pPr>
-              <a:defRPr sz="1600">
-                <a:solidFill>
-                  <a:srgbClr val="323232"/>
-                </a:solidFill>
-              </a:defRPr>
-            </a:pPr>
-            <a:r>
-              <a:t>🎨 介面優化</a:t>
-            </a:r>
-          </a:p>
-          <a:p>
-            <a:pPr lvl="1">
-              <a:defRPr sz="1600">
-                <a:solidFill>
-                  <a:srgbClr val="323232"/>
-                </a:solidFill>
-              </a:defRPr>
-            </a:pPr>
-            <a:r>
-              <a:t>  • 更多主題選項</a:t>
-            </a:r>
-          </a:p>
-          <a:p>
-            <a:pPr lvl="1">
-              <a:defRPr sz="1600">
-                <a:solidFill>
-                  <a:srgbClr val="323232"/>
-                </a:solidFill>
-              </a:defRPr>
-            </a:pPr>
-            <a:r>
-              <a:t>  • 3D 棋盤視覺效果</a:t>
-            </a:r>
-          </a:p>
-          <a:p>
-            <a:pPr lvl="1">
-              <a:defRPr sz="1600">
-                <a:solidFill>
-                  <a:srgbClr val="323232"/>
-                </a:solidFill>
-              </a:defRPr>
-            </a:pPr>
-            <a:r>
-              <a:t>  • 動畫效果增強</a:t>
-            </a:r>
-          </a:p>
-          <a:p>
-            <a:pPr>
-              <a:defRPr sz="1600">
-                <a:solidFill>
-                  <a:srgbClr val="323232"/>
-                </a:solidFill>
-              </a:defRPr>
-            </a:pPr>
-          </a:p>
-          <a:p>
-            <a:pPr>
-              <a:defRPr sz="1600">
-                <a:solidFill>
-                  <a:srgbClr val="323232"/>
-                </a:solidFill>
-              </a:defRPr>
-            </a:pPr>
-            <a:r>
-              <a:t>📱 平台擴展</a:t>
-            </a:r>
-          </a:p>
-          <a:p>
-            <a:pPr lvl="1">
-              <a:defRPr sz="1600">
-                <a:solidFill>
-                  <a:srgbClr val="323232"/>
-                </a:solidFill>
-              </a:defRPr>
-            </a:pPr>
-            <a:r>
-              <a:t>  • 行動裝置版本</a:t>
-            </a:r>
-          </a:p>
-          <a:p>
-            <a:pPr lvl="1">
-              <a:defRPr sz="1600">
-                <a:solidFill>
-                  <a:srgbClr val="323232"/>
-                </a:solidFill>
-              </a:defRPr>
-            </a:pPr>
-            <a:r>
-              <a:t>  • Web 版本</a:t>
-            </a:r>
-          </a:p>
-          <a:p>
-            <a:pPr lvl="1">
-              <a:defRPr sz="1600">
-                <a:solidFill>
-                  <a:srgbClr val="323232"/>
-                </a:solidFill>
-              </a:defRPr>
-            </a:pPr>
-            <a:r>
-              <a:t>  • 雲端存檔功能</a:t>
-            </a:r>
-          </a:p>
-          <a:p>
-            <a:pPr>
-              <a:defRPr sz="1600">
-                <a:solidFill>
-                  <a:srgbClr val="323232"/>
-                </a:solidFill>
-              </a:defRPr>
-            </a:pPr>
-          </a:p>
-          <a:p>
-            <a:pPr>
-              <a:defRPr sz="1600">
-                <a:solidFill>
-                  <a:srgbClr val="323232"/>
-                </a:solidFill>
-              </a:defRPr>
-            </a:pPr>
-            <a:r>
-              <a:t>🤝 社群功能</a:t>
-            </a:r>
-          </a:p>
-          <a:p>
-            <a:pPr lvl="1">
-              <a:defRPr sz="1600">
-                <a:solidFill>
-                  <a:srgbClr val="323232"/>
-                </a:solidFill>
-              </a:defRPr>
-            </a:pPr>
-            <a:r>
-              <a:t>  • 排行榜系統</a:t>
-            </a:r>
-          </a:p>
-          <a:p>
-            <a:pPr lvl="1">
-              <a:defRPr sz="1600">
-                <a:solidFill>
-                  <a:srgbClr val="323232"/>
-                </a:solidFill>
-              </a:defRPr>
-            </a:pPr>
-            <a:r>
-              <a:t>  • 好友系統</a:t>
-            </a:r>
-          </a:p>
-          <a:p>
-            <a:pPr lvl="1">
-              <a:defRPr sz="1600">
-                <a:solidFill>
-                  <a:srgbClr val="323232"/>
-                </a:solidFill>
-              </a:defRPr>
-            </a:pPr>
-            <a:r>
-              <a:t>  • 對局分享</a:t>
+              <a:t>🎨 可自訂介面</a:t>
+            </a:r>
+          </a:p>
+          <a:p>
+            <a:pPr lvl="1">
+              <a:defRPr sz="1600">
+                <a:solidFill>
+                  <a:srgbClr val="323232"/>
+                </a:solidFill>
+              </a:defRPr>
+            </a:pPr>
+            <a:r>
+              <a:t>  • 棋盤顏色設定（7種預設方案）</a:t>
+            </a:r>
+          </a:p>
+          <a:p>
+            <a:pPr lvl="1">
+              <a:defRPr sz="1600">
+                <a:solidFill>
+                  <a:srgbClr val="323232"/>
+                </a:solidFill>
+              </a:defRPr>
+            </a:pPr>
+            <a:r>
+              <a:t>  • 棋子圖標設定（支援自訂圖片）</a:t>
+            </a:r>
+          </a:p>
+          <a:p>
+            <a:pPr lvl="1">
+              <a:defRPr sz="1600">
+                <a:solidFill>
+                  <a:srgbClr val="323232"/>
+                </a:solidFill>
+              </a:defRPr>
+            </a:pPr>
+            <a:r>
+              <a:t>  • 棋子大小調整（60%-100%）</a:t>
+            </a:r>
+          </a:p>
+          <a:p>
+            <a:pPr lvl="1">
+              <a:defRPr sz="1600">
+                <a:solidFill>
+                  <a:srgbClr val="323232"/>
+                </a:solidFill>
+              </a:defRPr>
+            </a:pPr>
+            <a:r>
+              <a:t>  • 棋盤翻轉功能</a:t>
+            </a:r>
+          </a:p>
+          <a:p>
+            <a:pPr>
+              <a:defRPr sz="1600">
+                <a:solidFill>
+                  <a:srgbClr val="323232"/>
+                </a:solidFill>
+              </a:defRPr>
+            </a:pPr>
+          </a:p>
+          <a:p>
+            <a:pPr>
+              <a:defRPr sz="1600">
+                <a:solidFill>
+                  <a:srgbClr val="323232"/>
+                </a:solidFill>
+              </a:defRPr>
+            </a:pPr>
+            <a:r>
+              <a:t>🔔 音效設定</a:t>
+            </a:r>
+          </a:p>
+          <a:p>
+            <a:pPr lvl="1">
+              <a:defRPr sz="1600">
+                <a:solidFill>
+                  <a:srgbClr val="323232"/>
+                </a:solidFill>
+              </a:defRPr>
+            </a:pPr>
+            <a:r>
+              <a:t>  • 為每種事件設定自訂音效</a:t>
+            </a:r>
+          </a:p>
+          <a:p>
+            <a:pPr lvl="1">
+              <a:defRPr sz="1600">
+                <a:solidFill>
+                  <a:srgbClr val="323232"/>
+                </a:solidFill>
+              </a:defRPr>
+            </a:pPr>
+            <a:r>
+              <a:t>  • 獨立音量控制</a:t>
+            </a:r>
+          </a:p>
+          <a:p>
+            <a:pPr lvl="1">
+              <a:defRPr sz="1600">
+                <a:solidFill>
+                  <a:srgbClr val="323232"/>
+                </a:solidFill>
+              </a:defRPr>
+            </a:pPr>
+            <a:r>
+              <a:t>  • 音效預覽功能</a:t>
+            </a:r>
+          </a:p>
+          <a:p>
+            <a:pPr>
+              <a:defRPr sz="1600">
+                <a:solidFill>
+                  <a:srgbClr val="323232"/>
+                </a:solidFill>
+              </a:defRPr>
+            </a:pPr>
+          </a:p>
+          <a:p>
+            <a:pPr>
+              <a:defRPr sz="1600">
+                <a:solidFill>
+                  <a:srgbClr val="323232"/>
+                </a:solidFill>
+              </a:defRPr>
+            </a:pPr>
+            <a:r>
+              <a:t>🔄 自動更新</a:t>
+            </a:r>
+          </a:p>
+          <a:p>
+            <a:pPr lvl="1">
+              <a:defRPr sz="1600">
+                <a:solidFill>
+                  <a:srgbClr val="323232"/>
+                </a:solidFill>
+              </a:defRPr>
+            </a:pPr>
+            <a:r>
+              <a:t>  • 啟動時自動檢查更新</a:t>
+            </a:r>
+          </a:p>
+          <a:p>
+            <a:pPr lvl="1">
+              <a:defRPr sz="1600">
+                <a:solidFill>
+                  <a:srgbClr val="323232"/>
+                </a:solidFill>
+              </a:defRPr>
+            </a:pPr>
+            <a:r>
+              <a:t>  • 手動檢查更新選項</a:t>
+            </a:r>
+          </a:p>
+          <a:p>
+            <a:pPr lvl="1">
+              <a:defRPr sz="1600">
+                <a:solidFill>
+                  <a:srgbClr val="323232"/>
+                </a:solidFill>
+              </a:defRPr>
+            </a:pPr>
+            <a:r>
+              <a:t>  • 版本比較和更新通知</a:t>
             </a:r>
           </a:p>
         </p:txBody>
@@ -5422,7 +5611,7 @@
               </a:defRPr>
             </a:pPr>
             <a:r>
-              <a:t>主要成就</a:t>
+              <a:t>開發亮點</a:t>
             </a:r>
           </a:p>
         </p:txBody>
@@ -5499,193 +5688,181 @@
               </a:defRPr>
             </a:pPr>
             <a:r>
-              <a:t>🏆 技術成就</a:t>
-            </a:r>
-          </a:p>
-          <a:p>
-            <a:pPr>
-              <a:defRPr sz="1600">
-                <a:solidFill>
-                  <a:srgbClr val="323232"/>
-                </a:solidFill>
-              </a:defRPr>
-            </a:pPr>
-            <a:r>
-              <a:t>  ✓ 完整實現國際西洋棋規則</a:t>
-            </a:r>
-          </a:p>
-          <a:p>
-            <a:pPr>
-              <a:defRPr sz="1600">
-                <a:solidFill>
-                  <a:srgbClr val="323232"/>
-                </a:solidFill>
-              </a:defRPr>
-            </a:pPr>
-            <a:r>
-              <a:t>  ✓ 成功整合 Stockfish 引擎</a:t>
-            </a:r>
-          </a:p>
-          <a:p>
-            <a:pPr>
-              <a:defRPr sz="1600">
-                <a:solidFill>
-                  <a:srgbClr val="323232"/>
-                </a:solidFill>
-              </a:defRPr>
-            </a:pPr>
-            <a:r>
-              <a:t>  ✓ 建立穩定的線上對戰系統</a:t>
-            </a:r>
-          </a:p>
-          <a:p>
-            <a:pPr>
-              <a:defRPr sz="1600">
-                <a:solidFill>
-                  <a:srgbClr val="323232"/>
-                </a:solidFill>
-              </a:defRPr>
-            </a:pPr>
-            <a:r>
-              <a:t>  ✓ 通過安全審計和代碼審查</a:t>
-            </a:r>
-          </a:p>
-          <a:p>
-            <a:pPr>
-              <a:defRPr sz="1600">
-                <a:solidFill>
-                  <a:srgbClr val="323232"/>
-                </a:solidFill>
-              </a:defRPr>
-            </a:pPr>
-          </a:p>
-          <a:p>
-            <a:pPr>
-              <a:defRPr sz="1600">
-                <a:solidFill>
-                  <a:srgbClr val="323232"/>
-                </a:solidFill>
-              </a:defRPr>
-            </a:pPr>
-            <a:r>
-              <a:t>🎯 功能成就</a:t>
-            </a:r>
-          </a:p>
-          <a:p>
-            <a:pPr>
-              <a:defRPr sz="1600">
-                <a:solidFill>
-                  <a:srgbClr val="323232"/>
-                </a:solidFill>
-              </a:defRPr>
-            </a:pPr>
-            <a:r>
-              <a:t>  ✓ 支援多種遊戲模式</a:t>
-            </a:r>
-          </a:p>
-          <a:p>
-            <a:pPr>
-              <a:defRPr sz="1600">
-                <a:solidFill>
-                  <a:srgbClr val="323232"/>
-                </a:solidFill>
-              </a:defRPr>
-            </a:pPr>
-            <a:r>
-              <a:t>  ✓ 完善的自訂功能</a:t>
-            </a:r>
-          </a:p>
-          <a:p>
-            <a:pPr>
-              <a:defRPr sz="1600">
-                <a:solidFill>
-                  <a:srgbClr val="323232"/>
-                </a:solidFill>
-              </a:defRPr>
-            </a:pPr>
-            <a:r>
-              <a:t>  ✓ 優質的使用者體驗</a:t>
-            </a:r>
-          </a:p>
-          <a:p>
-            <a:pPr>
-              <a:defRPr sz="1600">
-                <a:solidFill>
-                  <a:srgbClr val="323232"/>
-                </a:solidFill>
-              </a:defRPr>
-            </a:pPr>
-            <a:r>
-              <a:t>  ✓ 完整的文檔系統</a:t>
-            </a:r>
-          </a:p>
-          <a:p>
-            <a:pPr>
-              <a:defRPr sz="1600">
-                <a:solidFill>
-                  <a:srgbClr val="323232"/>
-                </a:solidFill>
-              </a:defRPr>
-            </a:pPr>
-          </a:p>
-          <a:p>
-            <a:pPr>
-              <a:defRPr sz="1600">
-                <a:solidFill>
-                  <a:srgbClr val="323232"/>
-                </a:solidFill>
-              </a:defRPr>
-            </a:pPr>
-            <a:r>
-              <a:t>💡 創新成就</a:t>
-            </a:r>
-          </a:p>
-          <a:p>
-            <a:pPr>
-              <a:defRPr sz="1600">
-                <a:solidFill>
-                  <a:srgbClr val="323232"/>
-                </a:solidFill>
-              </a:defRPr>
-            </a:pPr>
-            <a:r>
-              <a:t>  ✓ 霧戰模式創新玩法</a:t>
-            </a:r>
-          </a:p>
-          <a:p>
-            <a:pPr>
-              <a:defRPr sz="1600">
-                <a:solidFill>
-                  <a:srgbClr val="323232"/>
-                </a:solidFill>
-              </a:defRPr>
-            </a:pPr>
-            <a:r>
-              <a:t>  ✓ 骰子模式特殊規則</a:t>
-            </a:r>
-          </a:p>
-          <a:p>
-            <a:pPr>
-              <a:defRPr sz="1600">
-                <a:solidFill>
-                  <a:srgbClr val="323232"/>
-                </a:solidFill>
-              </a:defRPr>
-            </a:pPr>
-            <a:r>
-              <a:t>  ✓ 遊戲中回放功能</a:t>
-            </a:r>
-          </a:p>
-          <a:p>
-            <a:pPr>
-              <a:defRPr sz="1600">
-                <a:solidFill>
-                  <a:srgbClr val="323232"/>
-                </a:solidFill>
-              </a:defRPr>
-            </a:pPr>
-            <a:r>
-              <a:t>  ✓ 簡易線上連線系統</a:t>
+              <a:t>✨ 創新功能</a:t>
+            </a:r>
+          </a:p>
+          <a:p>
+            <a:pPr lvl="1">
+              <a:defRPr sz="1600">
+                <a:solidFill>
+                  <a:srgbClr val="323232"/>
+                </a:solidFill>
+              </a:defRPr>
+            </a:pPr>
+            <a:r>
+              <a:t>  • 線上對戰使用中央伺服器，無需網路設定</a:t>
+            </a:r>
+          </a:p>
+          <a:p>
+            <a:pPr lvl="1">
+              <a:defRPr sz="1600">
+                <a:solidFill>
+                  <a:srgbClr val="323232"/>
+                </a:solidFill>
+              </a:defRPr>
+            </a:pPr>
+            <a:r>
+              <a:t>  • 霧戰模式增加遊戲趣味性</a:t>
+            </a:r>
+          </a:p>
+          <a:p>
+            <a:pPr lvl="1">
+              <a:defRPr sz="1600">
+                <a:solidFill>
+                  <a:srgbClr val="323232"/>
+                </a:solidFill>
+              </a:defRPr>
+            </a:pPr>
+            <a:r>
+              <a:t>  • 骰子模式的特殊將軍規則</a:t>
+            </a:r>
+          </a:p>
+          <a:p>
+            <a:pPr lvl="1">
+              <a:defRPr sz="1600">
+                <a:solidFill>
+                  <a:srgbClr val="323232"/>
+                </a:solidFill>
+              </a:defRPr>
+            </a:pPr>
+            <a:r>
+              <a:t>  • 遊戲進行中可回放歷史棋步</a:t>
+            </a:r>
+          </a:p>
+          <a:p>
+            <a:pPr>
+              <a:defRPr sz="1600">
+                <a:solidFill>
+                  <a:srgbClr val="323232"/>
+                </a:solidFill>
+              </a:defRPr>
+            </a:pPr>
+          </a:p>
+          <a:p>
+            <a:pPr>
+              <a:defRPr sz="1600">
+                <a:solidFill>
+                  <a:srgbClr val="323232"/>
+                </a:solidFill>
+              </a:defRPr>
+            </a:pPr>
+            <a:r>
+              <a:t>🎯 使用者體驗</a:t>
+            </a:r>
+          </a:p>
+          <a:p>
+            <a:pPr lvl="1">
+              <a:defRPr sz="1600">
+                <a:solidFill>
+                  <a:srgbClr val="323232"/>
+                </a:solidFill>
+              </a:defRPr>
+            </a:pPr>
+            <a:r>
+              <a:t>  • 簡潔直觀的使用者介面</a:t>
+            </a:r>
+          </a:p>
+          <a:p>
+            <a:pPr lvl="1">
+              <a:defRPr sz="1600">
+                <a:solidFill>
+                  <a:srgbClr val="323232"/>
+                </a:solidFill>
+              </a:defRPr>
+            </a:pPr>
+            <a:r>
+              <a:t>  • 完整的視覺化提示</a:t>
+            </a:r>
+          </a:p>
+          <a:p>
+            <a:pPr lvl="1">
+              <a:defRPr sz="1600">
+                <a:solidFill>
+                  <a:srgbClr val="323232"/>
+                </a:solidFill>
+              </a:defRPr>
+            </a:pPr>
+            <a:r>
+              <a:t>  • 詳細的操作指南文檔</a:t>
+            </a:r>
+          </a:p>
+          <a:p>
+            <a:pPr lvl="1">
+              <a:defRPr sz="1600">
+                <a:solidFill>
+                  <a:srgbClr val="323232"/>
+                </a:solidFill>
+              </a:defRPr>
+            </a:pPr>
+            <a:r>
+              <a:t>  • 支援多國語言（繁體中文）</a:t>
+            </a:r>
+          </a:p>
+          <a:p>
+            <a:pPr>
+              <a:defRPr sz="1600">
+                <a:solidFill>
+                  <a:srgbClr val="323232"/>
+                </a:solidFill>
+              </a:defRPr>
+            </a:pPr>
+          </a:p>
+          <a:p>
+            <a:pPr>
+              <a:defRPr sz="1600">
+                <a:solidFill>
+                  <a:srgbClr val="323232"/>
+                </a:solidFill>
+              </a:defRPr>
+            </a:pPr>
+            <a:r>
+              <a:t>🔧 技術實現</a:t>
+            </a:r>
+          </a:p>
+          <a:p>
+            <a:pPr lvl="1">
+              <a:defRPr sz="1600">
+                <a:solidFill>
+                  <a:srgbClr val="323232"/>
+                </a:solidFill>
+              </a:defRPr>
+            </a:pPr>
+            <a:r>
+              <a:t>  • WebSocket 即時通訊</a:t>
+            </a:r>
+          </a:p>
+          <a:p>
+            <a:pPr lvl="1">
+              <a:defRPr sz="1600">
+                <a:solidFill>
+                  <a:srgbClr val="323232"/>
+                </a:solidFill>
+              </a:defRPr>
+            </a:pPr>
+            <a:r>
+              <a:t>  • Stockfish 引擎整合</a:t>
+            </a:r>
+          </a:p>
+          <a:p>
+            <a:pPr lvl="1">
+              <a:defRPr sz="1600">
+                <a:solidFill>
+                  <a:srgbClr val="323232"/>
+                </a:solidFill>
+              </a:defRPr>
+            </a:pPr>
+            <a:r>
+              <a:t>  • Qt5 跨平台支援</a:t>
             </a:r>
           </a:p>
         </p:txBody>
@@ -5738,7 +5915,7 @@
               </a:defRPr>
             </a:pPr>
             <a:r>
-              <a:t>技術挑戰與解決方案</a:t>
+              <a:t>錯誤修復與改進</a:t>
             </a:r>
           </a:p>
         </p:txBody>
@@ -5815,151 +5992,181 @@
               </a:defRPr>
             </a:pPr>
             <a:r>
-              <a:t>⚠️ 挑戰：線上對戰網路設定複雜</a:t>
-            </a:r>
-          </a:p>
-          <a:p>
-            <a:pPr>
-              <a:defRPr sz="1600">
-                <a:solidFill>
-                  <a:srgbClr val="323232"/>
-                </a:solidFill>
-              </a:defRPr>
-            </a:pPr>
-            <a:r>
-              <a:t>✅ 解決：採用中央伺服器架構，無需 P2P 設定</a:t>
-            </a:r>
-          </a:p>
-          <a:p>
-            <a:pPr>
-              <a:defRPr sz="1600">
-                <a:solidFill>
-                  <a:srgbClr val="323232"/>
-                </a:solidFill>
-              </a:defRPr>
-            </a:pPr>
-          </a:p>
-          <a:p>
-            <a:pPr>
-              <a:defRPr sz="1600">
-                <a:solidFill>
-                  <a:srgbClr val="323232"/>
-                </a:solidFill>
-              </a:defRPr>
-            </a:pPr>
-            <a:r>
-              <a:t>⚠️ 挑戰：骰子模式將軍規則複雜</a:t>
-            </a:r>
-          </a:p>
-          <a:p>
-            <a:pPr>
-              <a:defRPr sz="1600">
-                <a:solidFill>
-                  <a:srgbClr val="323232"/>
-                </a:solidFill>
-              </a:defRPr>
-            </a:pPr>
-            <a:r>
-              <a:t>✅ 解決：設計特殊的將軍中斷機制</a:t>
-            </a:r>
-          </a:p>
-          <a:p>
-            <a:pPr>
-              <a:defRPr sz="1600">
-                <a:solidFill>
-                  <a:srgbClr val="323232"/>
-                </a:solidFill>
-              </a:defRPr>
-            </a:pPr>
-          </a:p>
-          <a:p>
-            <a:pPr>
-              <a:defRPr sz="1600">
-                <a:solidFill>
-                  <a:srgbClr val="323232"/>
-                </a:solidFill>
-              </a:defRPr>
-            </a:pPr>
-            <a:r>
-              <a:t>⚠️ 挑戰：遊戲進行中回放功能</a:t>
-            </a:r>
-          </a:p>
-          <a:p>
-            <a:pPr>
-              <a:defRPr sz="1600">
-                <a:solidFill>
-                  <a:srgbClr val="323232"/>
-                </a:solidFill>
-              </a:defRPr>
-            </a:pPr>
-            <a:r>
-              <a:t>✅ 解決：完善的狀態管理和計時器控制</a:t>
-            </a:r>
-          </a:p>
-          <a:p>
-            <a:pPr>
-              <a:defRPr sz="1600">
-                <a:solidFill>
-                  <a:srgbClr val="323232"/>
-                </a:solidFill>
-              </a:defRPr>
-            </a:pPr>
-          </a:p>
-          <a:p>
-            <a:pPr>
-              <a:defRPr sz="1600">
-                <a:solidFill>
-                  <a:srgbClr val="323232"/>
-                </a:solidFill>
-              </a:defRPr>
-            </a:pPr>
-            <a:r>
-              <a:t>⚠️ 挑戰：跨平台音效支援</a:t>
-            </a:r>
-          </a:p>
-          <a:p>
-            <a:pPr>
-              <a:defRPr sz="1600">
-                <a:solidFill>
-                  <a:srgbClr val="323232"/>
-                </a:solidFill>
-              </a:defRPr>
-            </a:pPr>
-            <a:r>
-              <a:t>✅ 解決：使用 Qt 多媒體框架</a:t>
-            </a:r>
-          </a:p>
-          <a:p>
-            <a:pPr>
-              <a:defRPr sz="1600">
-                <a:solidFill>
-                  <a:srgbClr val="323232"/>
-                </a:solidFill>
-              </a:defRPr>
-            </a:pPr>
-          </a:p>
-          <a:p>
-            <a:pPr>
-              <a:defRPr sz="1600">
-                <a:solidFill>
-                  <a:srgbClr val="323232"/>
-                </a:solidFill>
-              </a:defRPr>
-            </a:pPr>
-            <a:r>
-              <a:t>⚠️ 挑戰：記憶體安全問題</a:t>
-            </a:r>
-          </a:p>
-          <a:p>
-            <a:pPr>
-              <a:defRPr sz="1600">
-                <a:solidFill>
-                  <a:srgbClr val="323232"/>
-                </a:solidFill>
-              </a:defRPr>
-            </a:pPr>
-            <a:r>
-              <a:t>✅ 解決：增強邊界檢查和異常處理</a:t>
+              <a:t>🔴 關鍵問題修復</a:t>
+            </a:r>
+          </a:p>
+          <a:p>
+            <a:pPr lvl="1">
+              <a:defRPr sz="1600">
+                <a:solidFill>
+                  <a:srgbClr val="323232"/>
+                </a:solidFill>
+              </a:defRPr>
+            </a:pPr>
+            <a:r>
+              <a:t>  • 陣列越界訪問保護</a:t>
+            </a:r>
+          </a:p>
+          <a:p>
+            <a:pPr lvl="1">
+              <a:defRPr sz="1600">
+                <a:solidFill>
+                  <a:srgbClr val="323232"/>
+                </a:solidFill>
+              </a:defRPr>
+            </a:pPr>
+            <a:r>
+              <a:t>  • JSON 解析異常處理</a:t>
+            </a:r>
+          </a:p>
+          <a:p>
+            <a:pPr lvl="1">
+              <a:defRPr sz="1600">
+                <a:solidFill>
+                  <a:srgbClr val="323232"/>
+                </a:solidFill>
+              </a:defRPr>
+            </a:pPr>
+            <a:r>
+              <a:t>  • 對話框阻塞問題</a:t>
+            </a:r>
+          </a:p>
+          <a:p>
+            <a:pPr lvl="1">
+              <a:defRPr sz="1600">
+                <a:solidFill>
+                  <a:srgbClr val="323232"/>
+                </a:solidFill>
+              </a:defRPr>
+            </a:pPr>
+            <a:r>
+              <a:t>  • 骰子模式原子性消息處理</a:t>
+            </a:r>
+          </a:p>
+          <a:p>
+            <a:pPr>
+              <a:defRPr sz="1600">
+                <a:solidFill>
+                  <a:srgbClr val="323232"/>
+                </a:solidFill>
+              </a:defRPr>
+            </a:pPr>
+          </a:p>
+          <a:p>
+            <a:pPr>
+              <a:defRPr sz="1600">
+                <a:solidFill>
+                  <a:srgbClr val="323232"/>
+                </a:solidFill>
+              </a:defRPr>
+            </a:pPr>
+            <a:r>
+              <a:t>🟡 重要改進</a:t>
+            </a:r>
+          </a:p>
+          <a:p>
+            <a:pPr lvl="1">
+              <a:defRPr sz="1600">
+                <a:solidFill>
+                  <a:srgbClr val="323232"/>
+                </a:solidFill>
+              </a:defRPr>
+            </a:pPr>
+            <a:r>
+              <a:t>  • 骰子模式將軍檢查邏輯</a:t>
+            </a:r>
+          </a:p>
+          <a:p>
+            <a:pPr lvl="1">
+              <a:defRPr sz="1600">
+                <a:solidFill>
+                  <a:srgbClr val="323232"/>
+                </a:solidFill>
+              </a:defRPr>
+            </a:pPr>
+            <a:r>
+              <a:t>  • 伺服器同步機制</a:t>
+            </a:r>
+          </a:p>
+          <a:p>
+            <a:pPr lvl="1">
+              <a:defRPr sz="1600">
+                <a:solidFill>
+                  <a:srgbClr val="323232"/>
+                </a:solidFill>
+              </a:defRPr>
+            </a:pPr>
+            <a:r>
+              <a:t>  • 動態骰子顯示</a:t>
+            </a:r>
+          </a:p>
+          <a:p>
+            <a:pPr lvl="1">
+              <a:defRPr sz="1600">
+                <a:solidFill>
+                  <a:srgbClr val="323232"/>
+                </a:solidFill>
+              </a:defRPr>
+            </a:pPr>
+            <a:r>
+              <a:t>  • 認輸對話框問題</a:t>
+            </a:r>
+          </a:p>
+          <a:p>
+            <a:pPr>
+              <a:defRPr sz="1600">
+                <a:solidFill>
+                  <a:srgbClr val="323232"/>
+                </a:solidFill>
+              </a:defRPr>
+            </a:pPr>
+          </a:p>
+          <a:p>
+            <a:pPr>
+              <a:defRPr sz="1600">
+                <a:solidFill>
+                  <a:srgbClr val="323232"/>
+                </a:solidFill>
+              </a:defRPr>
+            </a:pPr>
+            <a:r>
+              <a:t>✅ 安全性提升</a:t>
+            </a:r>
+          </a:p>
+          <a:p>
+            <a:pPr lvl="1">
+              <a:defRPr sz="1600">
+                <a:solidFill>
+                  <a:srgbClr val="323232"/>
+                </a:solidFill>
+              </a:defRPr>
+            </a:pPr>
+            <a:r>
+              <a:t>  • 通過 CodeQL 安全掃描</a:t>
+            </a:r>
+          </a:p>
+          <a:p>
+            <a:pPr lvl="1">
+              <a:defRPr sz="1600">
+                <a:solidFill>
+                  <a:srgbClr val="323232"/>
+                </a:solidFill>
+              </a:defRPr>
+            </a:pPr>
+            <a:r>
+              <a:t>  • 邊界檢查增強</a:t>
+            </a:r>
+          </a:p>
+          <a:p>
+            <a:pPr lvl="1">
+              <a:defRPr sz="1600">
+                <a:solidFill>
+                  <a:srgbClr val="323232"/>
+                </a:solidFill>
+              </a:defRPr>
+            </a:pPr>
+            <a:r>
+              <a:t>  • 異常處理完善</a:t>
             </a:r>
           </a:p>
         </p:txBody>
@@ -6012,7 +6219,7 @@
               </a:defRPr>
             </a:pPr>
             <a:r>
-              <a:t>經驗總結</a:t>
+              <a:t>程式碼實例（七）- 邊界檢查修復</a:t>
             </a:r>
           </a:p>
         </p:txBody>
@@ -6067,215 +6274,255 @@
         </p:nvSpPr>
         <p:spPr>
           <a:xfrm>
-            <a:off x="914400" y="1828800"/>
-            <a:ext cx="7315200" cy="4114800"/>
+            <a:off x="457200" y="1828800"/>
+            <a:ext cx="8229600" cy="4389120"/>
           </a:xfrm>
           <a:prstGeom prst="rect">
             <a:avLst/>
           </a:prstGeom>
-          <a:noFill/>
+          <a:solidFill>
+            <a:srgbClr val="F0F0F0"/>
+          </a:solidFill>
+          <a:ln w="12700">
+            <a:solidFill>
+              <a:srgbClr val="C8C8C8"/>
+            </a:solidFill>
+          </a:ln>
         </p:spPr>
         <p:txBody>
-          <a:bodyPr wrap="square">
+          <a:bodyPr wrap="none">
             <a:spAutoFit/>
           </a:bodyPr>
           <a:lstStyle/>
           <a:p>
             <a:pPr>
-              <a:defRPr sz="1600">
-                <a:solidFill>
-                  <a:srgbClr val="323232"/>
-                </a:solidFill>
-              </a:defRPr>
-            </a:pPr>
-            <a:r>
-              <a:t>📚 技術經驗</a:t>
-            </a:r>
-          </a:p>
-          <a:p>
-            <a:pPr lvl="1">
-              <a:defRPr sz="1600">
-                <a:solidFill>
-                  <a:srgbClr val="323232"/>
-                </a:solidFill>
-              </a:defRPr>
-            </a:pPr>
-            <a:r>
-              <a:t>  • Qt 框架的跨平台開發</a:t>
-            </a:r>
-          </a:p>
-          <a:p>
-            <a:pPr lvl="1">
-              <a:defRPr sz="1600">
-                <a:solidFill>
-                  <a:srgbClr val="323232"/>
-                </a:solidFill>
-              </a:defRPr>
-            </a:pPr>
-            <a:r>
-              <a:t>  • WebSocket 即時通訊實現</a:t>
-            </a:r>
-          </a:p>
-          <a:p>
-            <a:pPr lvl="1">
-              <a:defRPr sz="1600">
-                <a:solidFill>
-                  <a:srgbClr val="323232"/>
-                </a:solidFill>
-              </a:defRPr>
-            </a:pPr>
-            <a:r>
-              <a:t>  • 遊戲邏輯狀態管理</a:t>
-            </a:r>
-          </a:p>
-          <a:p>
-            <a:pPr lvl="1">
-              <a:defRPr sz="1600">
-                <a:solidFill>
-                  <a:srgbClr val="323232"/>
-                </a:solidFill>
-              </a:defRPr>
-            </a:pPr>
-            <a:r>
-              <a:t>  • 多執行緒程式設計</a:t>
-            </a:r>
-          </a:p>
-          <a:p>
-            <a:pPr>
-              <a:defRPr sz="1600">
-                <a:solidFill>
-                  <a:srgbClr val="323232"/>
-                </a:solidFill>
-              </a:defRPr>
-            </a:pPr>
-          </a:p>
-          <a:p>
-            <a:pPr>
-              <a:defRPr sz="1600">
-                <a:solidFill>
-                  <a:srgbClr val="323232"/>
-                </a:solidFill>
-              </a:defRPr>
-            </a:pPr>
-            <a:r>
-              <a:t>🎯 專案管理</a:t>
-            </a:r>
-          </a:p>
-          <a:p>
-            <a:pPr lvl="1">
-              <a:defRPr sz="1600">
-                <a:solidFill>
-                  <a:srgbClr val="323232"/>
-                </a:solidFill>
-              </a:defRPr>
-            </a:pPr>
-            <a:r>
-              <a:t>  • 功能優先級排序</a:t>
-            </a:r>
-          </a:p>
-          <a:p>
-            <a:pPr lvl="1">
-              <a:defRPr sz="1600">
-                <a:solidFill>
-                  <a:srgbClr val="323232"/>
-                </a:solidFill>
-              </a:defRPr>
-            </a:pPr>
-            <a:r>
-              <a:t>  • 持續整合和測試</a:t>
-            </a:r>
-          </a:p>
-          <a:p>
-            <a:pPr lvl="1">
-              <a:defRPr sz="1600">
-                <a:solidFill>
-                  <a:srgbClr val="323232"/>
-                </a:solidFill>
-              </a:defRPr>
-            </a:pPr>
-            <a:r>
-              <a:t>  • 完整的文檔維護</a:t>
-            </a:r>
-          </a:p>
-          <a:p>
-            <a:pPr lvl="1">
-              <a:defRPr sz="1600">
-                <a:solidFill>
-                  <a:srgbClr val="323232"/>
-                </a:solidFill>
-              </a:defRPr>
-            </a:pPr>
-            <a:r>
-              <a:t>  • 版本控制最佳實踐</a:t>
-            </a:r>
-          </a:p>
-          <a:p>
-            <a:pPr>
-              <a:defRPr sz="1600">
-                <a:solidFill>
-                  <a:srgbClr val="323232"/>
-                </a:solidFill>
-              </a:defRPr>
-            </a:pPr>
-          </a:p>
-          <a:p>
-            <a:pPr>
-              <a:defRPr sz="1600">
-                <a:solidFill>
-                  <a:srgbClr val="323232"/>
-                </a:solidFill>
-              </a:defRPr>
-            </a:pPr>
-            <a:r>
-              <a:t>💡 設計思維</a:t>
-            </a:r>
-          </a:p>
-          <a:p>
-            <a:pPr lvl="1">
-              <a:defRPr sz="1600">
-                <a:solidFill>
-                  <a:srgbClr val="323232"/>
-                </a:solidFill>
-              </a:defRPr>
-            </a:pPr>
-            <a:r>
-              <a:t>  • 使用者體驗優先</a:t>
-            </a:r>
-          </a:p>
-          <a:p>
-            <a:pPr lvl="1">
-              <a:defRPr sz="1600">
-                <a:solidFill>
-                  <a:srgbClr val="323232"/>
-                </a:solidFill>
-              </a:defRPr>
-            </a:pPr>
-            <a:r>
-              <a:t>  • 模組化設計</a:t>
-            </a:r>
-          </a:p>
-          <a:p>
-            <a:pPr lvl="1">
-              <a:defRPr sz="1600">
-                <a:solidFill>
-                  <a:srgbClr val="323232"/>
-                </a:solidFill>
-              </a:defRPr>
-            </a:pPr>
-            <a:r>
-              <a:t>  • 可擴展架構</a:t>
-            </a:r>
-          </a:p>
-          <a:p>
-            <a:pPr lvl="1">
-              <a:defRPr sz="1600">
-                <a:solidFill>
-                  <a:srgbClr val="323232"/>
-                </a:solidFill>
-              </a:defRPr>
-            </a:pPr>
-            <a:r>
-              <a:t>  • 安全性考量</a:t>
+              <a:defRPr sz="1100">
+                <a:solidFill>
+                  <a:srgbClr val="000000"/>
+                </a:solidFill>
+                <a:latin typeface="Consolas"/>
+              </a:defRPr>
+            </a:pPr>
+            <a:r>
+              <a:t>// ❌ 修復前：無邊界檢查</a:t>
+            </a:r>
+          </a:p>
+          <a:p>
+            <a:pPr>
+              <a:defRPr sz="1100">
+                <a:solidFill>
+                  <a:srgbClr val="000000"/>
+                </a:solidFill>
+                <a:latin typeface="Consolas"/>
+              </a:defRPr>
+            </a:pPr>
+            <a:r>
+              <a:t>const ChessPiece&amp; ChessBoard::getPiece(</a:t>
+            </a:r>
+          </a:p>
+          <a:p>
+            <a:pPr>
+              <a:defRPr sz="1100">
+                <a:solidFill>
+                  <a:srgbClr val="000000"/>
+                </a:solidFill>
+                <a:latin typeface="Consolas"/>
+              </a:defRPr>
+            </a:pPr>
+            <a:r>
+              <a:t>    int row, int col) const {</a:t>
+            </a:r>
+          </a:p>
+          <a:p>
+            <a:pPr>
+              <a:defRPr sz="1100">
+                <a:solidFill>
+                  <a:srgbClr val="000000"/>
+                </a:solidFill>
+                <a:latin typeface="Consolas"/>
+              </a:defRPr>
+            </a:pPr>
+            <a:r>
+              <a:t>    return m_board[row][col];</a:t>
+            </a:r>
+          </a:p>
+          <a:p>
+            <a:pPr>
+              <a:defRPr sz="1100">
+                <a:solidFill>
+                  <a:srgbClr val="000000"/>
+                </a:solidFill>
+                <a:latin typeface="Consolas"/>
+              </a:defRPr>
+            </a:pPr>
+            <a:r>
+              <a:t>}</a:t>
+            </a:r>
+          </a:p>
+          <a:p>
+            <a:pPr>
+              <a:defRPr sz="1100">
+                <a:solidFill>
+                  <a:srgbClr val="000000"/>
+                </a:solidFill>
+                <a:latin typeface="Consolas"/>
+              </a:defRPr>
+            </a:pPr>
+          </a:p>
+          <a:p>
+            <a:pPr>
+              <a:defRPr sz="1100">
+                <a:solidFill>
+                  <a:srgbClr val="000000"/>
+                </a:solidFill>
+                <a:latin typeface="Consolas"/>
+              </a:defRPr>
+            </a:pPr>
+            <a:r>
+              <a:t>// ✅ 修復後：加入邊界檢查</a:t>
+            </a:r>
+          </a:p>
+          <a:p>
+            <a:pPr>
+              <a:defRPr sz="1100">
+                <a:solidFill>
+                  <a:srgbClr val="000000"/>
+                </a:solidFill>
+                <a:latin typeface="Consolas"/>
+              </a:defRPr>
+            </a:pPr>
+            <a:r>
+              <a:t>const ChessPiece&amp; ChessBoard::getPiece(</a:t>
+            </a:r>
+          </a:p>
+          <a:p>
+            <a:pPr>
+              <a:defRPr sz="1100">
+                <a:solidFill>
+                  <a:srgbClr val="000000"/>
+                </a:solidFill>
+                <a:latin typeface="Consolas"/>
+              </a:defRPr>
+            </a:pPr>
+            <a:r>
+              <a:t>    int row, int col) const {</a:t>
+            </a:r>
+          </a:p>
+          <a:p>
+            <a:pPr>
+              <a:defRPr sz="1100">
+                <a:solidFill>
+                  <a:srgbClr val="000000"/>
+                </a:solidFill>
+                <a:latin typeface="Consolas"/>
+              </a:defRPr>
+            </a:pPr>
+            <a:r>
+              <a:t>    // 邊界檢查以防止陣列越界訪問</a:t>
+            </a:r>
+          </a:p>
+          <a:p>
+            <a:pPr>
+              <a:defRPr sz="1100">
+                <a:solidFill>
+                  <a:srgbClr val="000000"/>
+                </a:solidFill>
+                <a:latin typeface="Consolas"/>
+              </a:defRPr>
+            </a:pPr>
+            <a:r>
+              <a:t>    if (row &lt; 0 || row &gt;= 8 || </a:t>
+            </a:r>
+          </a:p>
+          <a:p>
+            <a:pPr>
+              <a:defRPr sz="1100">
+                <a:solidFill>
+                  <a:srgbClr val="000000"/>
+                </a:solidFill>
+                <a:latin typeface="Consolas"/>
+              </a:defRPr>
+            </a:pPr>
+            <a:r>
+              <a:t>        col &lt; 0 || col &gt;= 8) {</a:t>
+            </a:r>
+          </a:p>
+          <a:p>
+            <a:pPr>
+              <a:defRPr sz="1100">
+                <a:solidFill>
+                  <a:srgbClr val="000000"/>
+                </a:solidFill>
+                <a:latin typeface="Consolas"/>
+              </a:defRPr>
+            </a:pPr>
+            <a:r>
+              <a:t>        static const ChessPiece empty(</a:t>
+            </a:r>
+          </a:p>
+          <a:p>
+            <a:pPr>
+              <a:defRPr sz="1100">
+                <a:solidFill>
+                  <a:srgbClr val="000000"/>
+                </a:solidFill>
+                <a:latin typeface="Consolas"/>
+              </a:defRPr>
+            </a:pPr>
+            <a:r>
+              <a:t>            PieceType::None, PieceColor::None);</a:t>
+            </a:r>
+          </a:p>
+          <a:p>
+            <a:pPr>
+              <a:defRPr sz="1100">
+                <a:solidFill>
+                  <a:srgbClr val="000000"/>
+                </a:solidFill>
+                <a:latin typeface="Consolas"/>
+              </a:defRPr>
+            </a:pPr>
+            <a:r>
+              <a:t>        return empty;</a:t>
+            </a:r>
+          </a:p>
+          <a:p>
+            <a:pPr>
+              <a:defRPr sz="1100">
+                <a:solidFill>
+                  <a:srgbClr val="000000"/>
+                </a:solidFill>
+                <a:latin typeface="Consolas"/>
+              </a:defRPr>
+            </a:pPr>
+            <a:r>
+              <a:t>    }</a:t>
+            </a:r>
+          </a:p>
+          <a:p>
+            <a:pPr>
+              <a:defRPr sz="1100">
+                <a:solidFill>
+                  <a:srgbClr val="000000"/>
+                </a:solidFill>
+                <a:latin typeface="Consolas"/>
+              </a:defRPr>
+            </a:pPr>
+            <a:r>
+              <a:t>    return m_board[row][col];</a:t>
+            </a:r>
+          </a:p>
+          <a:p>
+            <a:pPr>
+              <a:defRPr sz="1100">
+                <a:solidFill>
+                  <a:srgbClr val="000000"/>
+                </a:solidFill>
+                <a:latin typeface="Consolas"/>
+              </a:defRPr>
+            </a:pPr>
+            <a:r>
+              <a:t>}</a:t>
             </a:r>
           </a:p>
         </p:txBody>
@@ -6429,7 +6676,7 @@
               </a:defRPr>
             </a:pPr>
             <a:r>
-              <a:t>3. 技術架構</a:t>
+              <a:t>3. 技術架構與程式碼</a:t>
             </a:r>
           </a:p>
           <a:p>
@@ -6465,7 +6712,7 @@
               </a:defRPr>
             </a:pPr>
             <a:r>
-              <a:t>6. 開發亮點</a:t>
+              <a:t>6. 程式碼實例</a:t>
             </a:r>
           </a:p>
           <a:p>
@@ -6566,7 +6813,7 @@
               </a:defRPr>
             </a:pPr>
             <a:r>
-              <a:t>總結</a:t>
+              <a:t>測試與品質保證</a:t>
             </a:r>
           </a:p>
         </p:txBody>
@@ -6643,202 +6890,169 @@
               </a:defRPr>
             </a:pPr>
             <a:r>
-              <a:t>✨ Qt Chess 是一個功能完整、設計精良的西洋棋遊戲</a:t>
-            </a:r>
-          </a:p>
-          <a:p>
-            <a:pPr>
-              <a:defRPr sz="1600">
-                <a:solidFill>
-                  <a:srgbClr val="323232"/>
-                </a:solidFill>
-              </a:defRPr>
-            </a:pPr>
-          </a:p>
-          <a:p>
-            <a:pPr>
-              <a:defRPr sz="1600">
-                <a:solidFill>
-                  <a:srgbClr val="323232"/>
-                </a:solidFill>
-              </a:defRPr>
-            </a:pPr>
-            <a:r>
-              <a:t>🎮 核心優勢</a:t>
-            </a:r>
-          </a:p>
-          <a:p>
-            <a:pPr lvl="1">
-              <a:defRPr sz="1600">
-                <a:solidFill>
-                  <a:srgbClr val="323232"/>
-                </a:solidFill>
-              </a:defRPr>
-            </a:pPr>
-            <a:r>
-              <a:t>  • 完整的西洋棋規則實現</a:t>
-            </a:r>
-          </a:p>
-          <a:p>
-            <a:pPr lvl="1">
-              <a:defRPr sz="1600">
-                <a:solidFill>
-                  <a:srgbClr val="323232"/>
-                </a:solidFill>
-              </a:defRPr>
-            </a:pPr>
-            <a:r>
-              <a:t>  • 多種遊戲模式支援</a:t>
-            </a:r>
-          </a:p>
-          <a:p>
-            <a:pPr lvl="1">
-              <a:defRPr sz="1600">
-                <a:solidFill>
-                  <a:srgbClr val="323232"/>
-                </a:solidFill>
-              </a:defRPr>
-            </a:pPr>
-            <a:r>
-              <a:t>  • 優質的使用者體驗</a:t>
-            </a:r>
-          </a:p>
-          <a:p>
-            <a:pPr lvl="1">
-              <a:defRPr sz="1600">
-                <a:solidFill>
-                  <a:srgbClr val="323232"/>
-                </a:solidFill>
-              </a:defRPr>
-            </a:pPr>
-            <a:r>
-              <a:t>  • 跨平台支援</a:t>
-            </a:r>
-          </a:p>
-          <a:p>
-            <a:pPr>
-              <a:defRPr sz="1600">
-                <a:solidFill>
-                  <a:srgbClr val="323232"/>
-                </a:solidFill>
-              </a:defRPr>
-            </a:pPr>
-          </a:p>
-          <a:p>
-            <a:pPr>
-              <a:defRPr sz="1600">
-                <a:solidFill>
-                  <a:srgbClr val="323232"/>
-                </a:solidFill>
-              </a:defRPr>
-            </a:pPr>
-            <a:r>
-              <a:t>🚀 技術特色</a:t>
-            </a:r>
-          </a:p>
-          <a:p>
-            <a:pPr lvl="1">
-              <a:defRPr sz="1600">
-                <a:solidFill>
-                  <a:srgbClr val="323232"/>
-                </a:solidFill>
-              </a:defRPr>
-            </a:pPr>
-            <a:r>
-              <a:t>  • 使用 Qt5 和 C++17</a:t>
-            </a:r>
-          </a:p>
-          <a:p>
-            <a:pPr lvl="1">
-              <a:defRPr sz="1600">
-                <a:solidFill>
-                  <a:srgbClr val="323232"/>
-                </a:solidFill>
-              </a:defRPr>
-            </a:pPr>
-            <a:r>
-              <a:t>  • 整合 Stockfish 引擎</a:t>
-            </a:r>
-          </a:p>
-          <a:p>
-            <a:pPr lvl="1">
-              <a:defRPr sz="1600">
-                <a:solidFill>
-                  <a:srgbClr val="323232"/>
-                </a:solidFill>
-              </a:defRPr>
-            </a:pPr>
-            <a:r>
-              <a:t>  • WebSocket 線上對戰</a:t>
-            </a:r>
-          </a:p>
-          <a:p>
-            <a:pPr lvl="1">
-              <a:defRPr sz="1600">
-                <a:solidFill>
-                  <a:srgbClr val="323232"/>
-                </a:solidFill>
-              </a:defRPr>
-            </a:pPr>
-            <a:r>
-              <a:t>  • 完善的安全機制</a:t>
-            </a:r>
-          </a:p>
-          <a:p>
-            <a:pPr>
-              <a:defRPr sz="1600">
-                <a:solidFill>
-                  <a:srgbClr val="323232"/>
-                </a:solidFill>
-              </a:defRPr>
-            </a:pPr>
-          </a:p>
-          <a:p>
-            <a:pPr>
-              <a:defRPr sz="1600">
-                <a:solidFill>
-                  <a:srgbClr val="323232"/>
-                </a:solidFill>
-              </a:defRPr>
-            </a:pPr>
-            <a:r>
-              <a:t>📚 專案價值</a:t>
-            </a:r>
-          </a:p>
-          <a:p>
-            <a:pPr lvl="1">
-              <a:defRPr sz="1600">
-                <a:solidFill>
-                  <a:srgbClr val="323232"/>
-                </a:solidFill>
-              </a:defRPr>
-            </a:pPr>
-            <a:r>
-              <a:t>  • 學習 Qt 和遊戲開發的優秀範例</a:t>
-            </a:r>
-          </a:p>
-          <a:p>
-            <a:pPr lvl="1">
-              <a:defRPr sz="1600">
-                <a:solidFill>
-                  <a:srgbClr val="323232"/>
-                </a:solidFill>
-              </a:defRPr>
-            </a:pPr>
-            <a:r>
-              <a:t>  • 完整的文檔和測試</a:t>
-            </a:r>
-          </a:p>
-          <a:p>
-            <a:pPr lvl="1">
-              <a:defRPr sz="1600">
-                <a:solidFill>
-                  <a:srgbClr val="323232"/>
-                </a:solidFill>
-              </a:defRPr>
-            </a:pPr>
-            <a:r>
-              <a:t>  • 持續維護和改進</a:t>
+              <a:t>✅ 功能測試</a:t>
+            </a:r>
+          </a:p>
+          <a:p>
+            <a:pPr lvl="1">
+              <a:defRPr sz="1600">
+                <a:solidFill>
+                  <a:srgbClr val="323232"/>
+                </a:solidFill>
+              </a:defRPr>
+            </a:pPr>
+            <a:r>
+              <a:t>  • 核心功能：棋盤初始化、棋子移動規則</a:t>
+            </a:r>
+          </a:p>
+          <a:p>
+            <a:pPr lvl="1">
+              <a:defRPr sz="1600">
+                <a:solidFill>
+                  <a:srgbClr val="323232"/>
+                </a:solidFill>
+              </a:defRPr>
+            </a:pPr>
+            <a:r>
+              <a:t>  • 特殊走法：王車易位、兵升變、吃過路兵</a:t>
+            </a:r>
+          </a:p>
+          <a:p>
+            <a:pPr lvl="1">
+              <a:defRPr sz="1600">
+                <a:solidFill>
+                  <a:srgbClr val="323232"/>
+                </a:solidFill>
+              </a:defRPr>
+            </a:pPr>
+            <a:r>
+              <a:t>  • 遊戲結束：將軍、將死、僵局偵測</a:t>
+            </a:r>
+          </a:p>
+          <a:p>
+            <a:pPr lvl="1">
+              <a:defRPr sz="1600">
+                <a:solidFill>
+                  <a:srgbClr val="323232"/>
+                </a:solidFill>
+              </a:defRPr>
+            </a:pPr>
+            <a:r>
+              <a:t>  • 進階功能：時間控制、音效、棋譜回放</a:t>
+            </a:r>
+          </a:p>
+          <a:p>
+            <a:pPr>
+              <a:defRPr sz="1600">
+                <a:solidFill>
+                  <a:srgbClr val="323232"/>
+                </a:solidFill>
+              </a:defRPr>
+            </a:pPr>
+          </a:p>
+          <a:p>
+            <a:pPr>
+              <a:defRPr sz="1600">
+                <a:solidFill>
+                  <a:srgbClr val="323232"/>
+                </a:solidFill>
+              </a:defRPr>
+            </a:pPr>
+            <a:r>
+              <a:t>✅ 安全審計</a:t>
+            </a:r>
+          </a:p>
+          <a:p>
+            <a:pPr lvl="1">
+              <a:defRPr sz="1600">
+                <a:solidFill>
+                  <a:srgbClr val="323232"/>
+                </a:solidFill>
+              </a:defRPr>
+            </a:pPr>
+            <a:r>
+              <a:t>  • CodeQL 靜態分析</a:t>
+            </a:r>
+          </a:p>
+          <a:p>
+            <a:pPr lvl="1">
+              <a:defRPr sz="1600">
+                <a:solidFill>
+                  <a:srgbClr val="323232"/>
+                </a:solidFill>
+              </a:defRPr>
+            </a:pPr>
+            <a:r>
+              <a:t>  • 記憶體安全檢查</a:t>
+            </a:r>
+          </a:p>
+          <a:p>
+            <a:pPr lvl="1">
+              <a:defRPr sz="1600">
+                <a:solidFill>
+                  <a:srgbClr val="323232"/>
+                </a:solidFill>
+              </a:defRPr>
+            </a:pPr>
+            <a:r>
+              <a:t>  • 網路安全驗證</a:t>
+            </a:r>
+          </a:p>
+          <a:p>
+            <a:pPr>
+              <a:defRPr sz="1600">
+                <a:solidFill>
+                  <a:srgbClr val="323232"/>
+                </a:solidFill>
+              </a:defRPr>
+            </a:pPr>
+          </a:p>
+          <a:p>
+            <a:pPr>
+              <a:defRPr sz="1600">
+                <a:solidFill>
+                  <a:srgbClr val="323232"/>
+                </a:solidFill>
+              </a:defRPr>
+            </a:pPr>
+            <a:r>
+              <a:t>✅ 代碼審查</a:t>
+            </a:r>
+          </a:p>
+          <a:p>
+            <a:pPr lvl="1">
+              <a:defRPr sz="1600">
+                <a:solidFill>
+                  <a:srgbClr val="323232"/>
+                </a:solidFill>
+              </a:defRPr>
+            </a:pPr>
+            <a:r>
+              <a:t>  • 多次代碼審查</a:t>
+            </a:r>
+          </a:p>
+          <a:p>
+            <a:pPr lvl="1">
+              <a:defRPr sz="1600">
+                <a:solidFill>
+                  <a:srgbClr val="323232"/>
+                </a:solidFill>
+              </a:defRPr>
+            </a:pPr>
+            <a:r>
+              <a:t>  • 持續改進代碼品質</a:t>
+            </a:r>
+          </a:p>
+          <a:p>
+            <a:pPr lvl="1">
+              <a:defRPr sz="1600">
+                <a:solidFill>
+                  <a:srgbClr val="323232"/>
+                </a:solidFill>
+              </a:defRPr>
+            </a:pPr>
+            <a:r>
+              <a:t>  • 文檔完善</a:t>
             </a:r>
           </a:p>
         </p:txBody>
@@ -6869,99 +7083,6 @@
         </p:nvSpPr>
         <p:spPr>
           <a:xfrm>
-            <a:off x="1828800" y="2743200"/>
-            <a:ext cx="5486400" cy="1371600"/>
-          </a:xfrm>
-          <a:prstGeom prst="rect">
-            <a:avLst/>
-          </a:prstGeom>
-          <a:noFill/>
-        </p:spPr>
-        <p:txBody>
-          <a:bodyPr wrap="none">
-            <a:spAutoFit/>
-          </a:bodyPr>
-          <a:lstStyle/>
-          <a:p>
-            <a:pPr algn="ctr">
-              <a:defRPr sz="4800" b="1">
-                <a:solidFill>
-                  <a:srgbClr val="003366"/>
-                </a:solidFill>
-              </a:defRPr>
-            </a:pPr>
-            <a:r>
-              <a:t>Q &amp; A</a:t>
-            </a:r>
-          </a:p>
-          <a:p>
-            <a:r>
-              <a:t>問題與討論</a:t>
-            </a:r>
-          </a:p>
-        </p:txBody>
-      </p:sp>
-      <p:sp>
-        <p:nvSpPr>
-          <p:cNvPr id="3" name="TextBox 2"/>
-          <p:cNvSpPr txBox="1"/>
-          <p:nvPr/>
-        </p:nvSpPr>
-        <p:spPr>
-          <a:xfrm>
-            <a:off x="1828800" y="5029200"/>
-            <a:ext cx="5486400" cy="457200"/>
-          </a:xfrm>
-          <a:prstGeom prst="rect">
-            <a:avLst/>
-          </a:prstGeom>
-          <a:noFill/>
-        </p:spPr>
-        <p:txBody>
-          <a:bodyPr wrap="none">
-            <a:spAutoFit/>
-          </a:bodyPr>
-          <a:lstStyle/>
-          <a:p>
-            <a:pPr algn="ctr">
-              <a:defRPr sz="2400">
-                <a:solidFill>
-                  <a:srgbClr val="646464"/>
-                </a:solidFill>
-              </a:defRPr>
-            </a:pPr>
-            <a:r>
-              <a:t>感謝您的聆聽！</a:t>
-            </a:r>
-          </a:p>
-        </p:txBody>
-      </p:sp>
-    </p:spTree>
-  </p:cSld>
-  <p:clrMapOvr>
-    <a:masterClrMapping/>
-  </p:clrMapOvr>
-</p:sld>
-</file>
-
-<file path=ppt/slides/slide3.xml><?xml version="1.0" encoding="utf-8"?>
-<p:sld xmlns:a="http://schemas.openxmlformats.org/drawingml/2006/main" xmlns:p="http://schemas.openxmlformats.org/presentationml/2006/main" xmlns:r="http://schemas.openxmlformats.org/officeDocument/2006/relationships">
-  <p:cSld>
-    <p:spTree>
-      <p:nvGrpSpPr>
-        <p:cNvPr id="1" name=""/>
-        <p:cNvGrpSpPr/>
-        <p:nvPr/>
-      </p:nvGrpSpPr>
-      <p:grpSpPr/>
-      <p:sp>
-        <p:nvSpPr>
-          <p:cNvPr id="2" name="TextBox 1"/>
-          <p:cNvSpPr txBox="1"/>
-          <p:nvPr/>
-        </p:nvSpPr>
-        <p:spPr>
-          <a:xfrm>
             <a:off x="457200" y="274320"/>
             <a:ext cx="8229600" cy="548640"/>
           </a:xfrm>
@@ -6984,7 +7105,7 @@
               </a:defRPr>
             </a:pPr>
             <a:r>
-              <a:t>專案概述</a:t>
+              <a:t>文檔系統</a:t>
             </a:r>
           </a:p>
         </p:txBody>
@@ -7061,79 +7182,193 @@
               </a:defRPr>
             </a:pPr>
             <a:r>
-              <a:t>• 使用 Qt5 開發的功能完整西洋棋遊戲</a:t>
-            </a:r>
-          </a:p>
-          <a:p>
-            <a:pPr>
-              <a:defRPr sz="1600">
-                <a:solidFill>
-                  <a:srgbClr val="323232"/>
-                </a:solidFill>
-              </a:defRPr>
-            </a:pPr>
-            <a:r>
-              <a:t>• 支援雙人對戰、AI 人機對弈和線上對戰</a:t>
-            </a:r>
-          </a:p>
-          <a:p>
-            <a:pPr>
-              <a:defRPr sz="1600">
-                <a:solidFill>
-                  <a:srgbClr val="323232"/>
-                </a:solidFill>
-              </a:defRPr>
-            </a:pPr>
-            <a:r>
-              <a:t>• 完整實現西洋棋規則和特殊走法</a:t>
-            </a:r>
-          </a:p>
-          <a:p>
-            <a:pPr>
-              <a:defRPr sz="1600">
-                <a:solidFill>
-                  <a:srgbClr val="323232"/>
-                </a:solidFill>
-              </a:defRPr>
-            </a:pPr>
-            <a:r>
-              <a:t>• 跨平台支援（Windows、Linux、macOS）</a:t>
-            </a:r>
-          </a:p>
-          <a:p>
-            <a:pPr>
-              <a:defRPr sz="1600">
-                <a:solidFill>
-                  <a:srgbClr val="323232"/>
-                </a:solidFill>
-              </a:defRPr>
-            </a:pPr>
-            <a:r>
-              <a:t>• 採用 C++17 標準開發</a:t>
-            </a:r>
-          </a:p>
-          <a:p>
-            <a:pPr>
-              <a:defRPr sz="1600">
-                <a:solidFill>
-                  <a:srgbClr val="323232"/>
-                </a:solidFill>
-              </a:defRPr>
-            </a:pPr>
-            <a:r>
-              <a:t>• 整合 Stockfish 西洋棋引擎</a:t>
-            </a:r>
-          </a:p>
-          <a:p>
-            <a:pPr>
-              <a:defRPr sz="1600">
-                <a:solidFill>
-                  <a:srgbClr val="323232"/>
-                </a:solidFill>
-              </a:defRPr>
-            </a:pPr>
-            <a:r>
-              <a:t>• 支援 WebSocket 即時連線</a:t>
+              <a:t>📚 使用者文檔</a:t>
+            </a:r>
+          </a:p>
+          <a:p>
+            <a:pPr lvl="1">
+              <a:defRPr sz="1600">
+                <a:solidFill>
+                  <a:srgbClr val="323232"/>
+                </a:solidFill>
+              </a:defRPr>
+            </a:pPr>
+            <a:r>
+              <a:t>  • README.md - 專案概述</a:t>
+            </a:r>
+          </a:p>
+          <a:p>
+            <a:pPr lvl="1">
+              <a:defRPr sz="1600">
+                <a:solidFill>
+                  <a:srgbClr val="323232"/>
+                </a:solidFill>
+              </a:defRPr>
+            </a:pPr>
+            <a:r>
+              <a:t>  • BUILDING.md - 建置指南</a:t>
+            </a:r>
+          </a:p>
+          <a:p>
+            <a:pPr lvl="1">
+              <a:defRPr sz="1600">
+                <a:solidFill>
+                  <a:srgbClr val="323232"/>
+                </a:solidFill>
+              </a:defRPr>
+            </a:pPr>
+            <a:r>
+              <a:t>  • 線上對戰初學者指南</a:t>
+            </a:r>
+          </a:p>
+          <a:p>
+            <a:pPr lvl="1">
+              <a:defRPr sz="1600">
+                <a:solidFill>
+                  <a:srgbClr val="323232"/>
+                </a:solidFill>
+              </a:defRPr>
+            </a:pPr>
+            <a:r>
+              <a:t>  • 各功能使用說明</a:t>
+            </a:r>
+          </a:p>
+          <a:p>
+            <a:pPr>
+              <a:defRPr sz="1600">
+                <a:solidFill>
+                  <a:srgbClr val="323232"/>
+                </a:solidFill>
+              </a:defRPr>
+            </a:pPr>
+          </a:p>
+          <a:p>
+            <a:pPr>
+              <a:defRPr sz="1600">
+                <a:solidFill>
+                  <a:srgbClr val="323232"/>
+                </a:solidFill>
+              </a:defRPr>
+            </a:pPr>
+            <a:r>
+              <a:t>📖 技術文檔</a:t>
+            </a:r>
+          </a:p>
+          <a:p>
+            <a:pPr lvl="1">
+              <a:defRPr sz="1600">
+                <a:solidFill>
+                  <a:srgbClr val="323232"/>
+                </a:solidFill>
+              </a:defRPr>
+            </a:pPr>
+            <a:r>
+              <a:t>  • 功能實現摘要</a:t>
+            </a:r>
+          </a:p>
+          <a:p>
+            <a:pPr lvl="1">
+              <a:defRPr sz="1600">
+                <a:solidFill>
+                  <a:srgbClr val="323232"/>
+                </a:solidFill>
+              </a:defRPr>
+            </a:pPr>
+            <a:r>
+              <a:t>  • 遊戲模式技術文檔</a:t>
+            </a:r>
+          </a:p>
+          <a:p>
+            <a:pPr lvl="1">
+              <a:defRPr sz="1600">
+                <a:solidFill>
+                  <a:srgbClr val="323232"/>
+                </a:solidFill>
+              </a:defRPr>
+            </a:pPr>
+            <a:r>
+              <a:t>  • 時間控制邏輯說明</a:t>
+            </a:r>
+          </a:p>
+          <a:p>
+            <a:pPr lvl="1">
+              <a:defRPr sz="1600">
+                <a:solidFill>
+                  <a:srgbClr val="323232"/>
+                </a:solidFill>
+              </a:defRPr>
+            </a:pPr>
+            <a:r>
+              <a:t>  • 回放功能說明</a:t>
+            </a:r>
+          </a:p>
+          <a:p>
+            <a:pPr>
+              <a:defRPr sz="1600">
+                <a:solidFill>
+                  <a:srgbClr val="323232"/>
+                </a:solidFill>
+              </a:defRPr>
+            </a:pPr>
+          </a:p>
+          <a:p>
+            <a:pPr>
+              <a:defRPr sz="1600">
+                <a:solidFill>
+                  <a:srgbClr val="323232"/>
+                </a:solidFill>
+              </a:defRPr>
+            </a:pPr>
+            <a:r>
+              <a:t>🔧 開發文檔</a:t>
+            </a:r>
+          </a:p>
+          <a:p>
+            <a:pPr lvl="1">
+              <a:defRPr sz="1600">
+                <a:solidFill>
+                  <a:srgbClr val="323232"/>
+                </a:solidFill>
+              </a:defRPr>
+            </a:pPr>
+            <a:r>
+              <a:t>  • 錯誤修復摘要</a:t>
+            </a:r>
+          </a:p>
+          <a:p>
+            <a:pPr lvl="1">
+              <a:defRPr sz="1600">
+                <a:solidFill>
+                  <a:srgbClr val="323232"/>
+                </a:solidFill>
+              </a:defRPr>
+            </a:pPr>
+            <a:r>
+              <a:t>  • 功能測試報告</a:t>
+            </a:r>
+          </a:p>
+          <a:p>
+            <a:pPr lvl="1">
+              <a:defRPr sz="1600">
+                <a:solidFill>
+                  <a:srgbClr val="323232"/>
+                </a:solidFill>
+              </a:defRPr>
+            </a:pPr>
+            <a:r>
+              <a:t>  • 安全審計報告</a:t>
+            </a:r>
+          </a:p>
+          <a:p>
+            <a:pPr lvl="1">
+              <a:defRPr sz="1600">
+                <a:solidFill>
+                  <a:srgbClr val="323232"/>
+                </a:solidFill>
+              </a:defRPr>
+            </a:pPr>
+            <a:r>
+              <a:t>  • 代碼審查摘要</a:t>
             </a:r>
           </a:p>
         </p:txBody>
@@ -7146,7 +7381,7 @@
 </p:sld>
 </file>
 
-<file path=ppt/slides/slide4.xml><?xml version="1.0" encoding="utf-8"?>
+<file path=ppt/slides/slide22.xml><?xml version="1.0" encoding="utf-8"?>
 <p:sld xmlns:a="http://schemas.openxmlformats.org/drawingml/2006/main" xmlns:p="http://schemas.openxmlformats.org/presentationml/2006/main" xmlns:r="http://schemas.openxmlformats.org/officeDocument/2006/relationships">
   <p:cSld>
     <p:spTree>
@@ -7186,7 +7421,7 @@
               </a:defRPr>
             </a:pPr>
             <a:r>
-              <a:t>核心功能特色（一）</a:t>
+              <a:t>專案統計</a:t>
             </a:r>
           </a:p>
         </p:txBody>
@@ -7263,133 +7498,193 @@
               </a:defRPr>
             </a:pPr>
             <a:r>
-              <a:t>✓ 完整的西洋棋實現</a:t>
-            </a:r>
-          </a:p>
-          <a:p>
-            <a:pPr lvl="1">
-              <a:defRPr sz="1600">
-                <a:solidFill>
-                  <a:srgbClr val="323232"/>
-                </a:solidFill>
-              </a:defRPr>
-            </a:pPr>
-            <a:r>
-              <a:t>  • 所有棋子都具有正確的移動規則</a:t>
-            </a:r>
-          </a:p>
-          <a:p>
-            <a:pPr lvl="1">
-              <a:defRPr sz="1600">
-                <a:solidFill>
-                  <a:srgbClr val="323232"/>
-                </a:solidFill>
-              </a:defRPr>
-            </a:pPr>
-            <a:r>
-              <a:t>  • 國王、皇后、城堡、主教、騎士、兵</a:t>
-            </a:r>
-          </a:p>
-          <a:p>
-            <a:pPr>
-              <a:defRPr sz="1600">
-                <a:solidFill>
-                  <a:srgbClr val="323232"/>
-                </a:solidFill>
-              </a:defRPr>
-            </a:pPr>
-          </a:p>
-          <a:p>
-            <a:pPr>
-              <a:defRPr sz="1600">
-                <a:solidFill>
-                  <a:srgbClr val="323232"/>
-                </a:solidFill>
-              </a:defRPr>
-            </a:pPr>
-            <a:r>
-              <a:t>✓ 特殊走法支援</a:t>
-            </a:r>
-          </a:p>
-          <a:p>
-            <a:pPr lvl="1">
-              <a:defRPr sz="1600">
-                <a:solidFill>
-                  <a:srgbClr val="323232"/>
-                </a:solidFill>
-              </a:defRPr>
-            </a:pPr>
-            <a:r>
-              <a:t>  • 王車易位（王翼或后翼）</a:t>
-            </a:r>
-          </a:p>
-          <a:p>
-            <a:pPr lvl="1">
-              <a:defRPr sz="1600">
-                <a:solidFill>
-                  <a:srgbClr val="323232"/>
-                </a:solidFill>
-              </a:defRPr>
-            </a:pPr>
-            <a:r>
-              <a:t>  • 兵升變（可選擇升變棋子類型）</a:t>
-            </a:r>
-          </a:p>
-          <a:p>
-            <a:pPr lvl="1">
-              <a:defRPr sz="1600">
-                <a:solidFill>
-                  <a:srgbClr val="323232"/>
-                </a:solidFill>
-              </a:defRPr>
-            </a:pPr>
-            <a:r>
-              <a:t>  • 吃過路兵</a:t>
-            </a:r>
-          </a:p>
-          <a:p>
-            <a:pPr>
-              <a:defRPr sz="1600">
-                <a:solidFill>
-                  <a:srgbClr val="323232"/>
-                </a:solidFill>
-              </a:defRPr>
-            </a:pPr>
-          </a:p>
-          <a:p>
-            <a:pPr>
-              <a:defRPr sz="1600">
-                <a:solidFill>
-                  <a:srgbClr val="323232"/>
-                </a:solidFill>
-              </a:defRPr>
-            </a:pPr>
-            <a:r>
-              <a:t>✓ 回合制遊戲邏輯</a:t>
-            </a:r>
-          </a:p>
-          <a:p>
-            <a:pPr lvl="1">
-              <a:defRPr sz="1600">
-                <a:solidFill>
-                  <a:srgbClr val="323232"/>
-                </a:solidFill>
-              </a:defRPr>
-            </a:pPr>
-            <a:r>
-              <a:t>  • 白棋先走，雙方輪流下棋</a:t>
-            </a:r>
-          </a:p>
-          <a:p>
-            <a:pPr lvl="1">
-              <a:defRPr sz="1600">
-                <a:solidFill>
-                  <a:srgbClr val="323232"/>
-                </a:solidFill>
-              </a:defRPr>
-            </a:pPr>
-            <a:r>
-              <a:t>  • 完整的走法驗證機制</a:t>
+              <a:t>📊 代碼規模</a:t>
+            </a:r>
+          </a:p>
+          <a:p>
+            <a:pPr lvl="1">
+              <a:defRPr sz="1600">
+                <a:solidFill>
+                  <a:srgbClr val="323232"/>
+                </a:solidFill>
+              </a:defRPr>
+            </a:pPr>
+            <a:r>
+              <a:t>  • 主要程式語言：C++、Qt/QML</a:t>
+            </a:r>
+          </a:p>
+          <a:p>
+            <a:pPr lvl="1">
+              <a:defRPr sz="1600">
+                <a:solidFill>
+                  <a:srgbClr val="323232"/>
+                </a:solidFill>
+              </a:defRPr>
+            </a:pPr>
+            <a:r>
+              <a:t>  • 核心模組：23 個 C++ 檔案</a:t>
+            </a:r>
+          </a:p>
+          <a:p>
+            <a:pPr lvl="1">
+              <a:defRPr sz="1600">
+                <a:solidFill>
+                  <a:srgbClr val="323232"/>
+                </a:solidFill>
+              </a:defRPr>
+            </a:pPr>
+            <a:r>
+              <a:t>  • 文檔檔案：35+ 個 Markdown 檔案</a:t>
+            </a:r>
+          </a:p>
+          <a:p>
+            <a:pPr lvl="1">
+              <a:defRPr sz="1600">
+                <a:solidFill>
+                  <a:srgbClr val="323232"/>
+                </a:solidFill>
+              </a:defRPr>
+            </a:pPr>
+            <a:r>
+              <a:t>  • 程式碼行數：約 10,000+ 行</a:t>
+            </a:r>
+          </a:p>
+          <a:p>
+            <a:pPr>
+              <a:defRPr sz="1600">
+                <a:solidFill>
+                  <a:srgbClr val="323232"/>
+                </a:solidFill>
+              </a:defRPr>
+            </a:pPr>
+          </a:p>
+          <a:p>
+            <a:pPr>
+              <a:defRPr sz="1600">
+                <a:solidFill>
+                  <a:srgbClr val="323232"/>
+                </a:solidFill>
+              </a:defRPr>
+            </a:pPr>
+            <a:r>
+              <a:t>🎯 功能數量</a:t>
+            </a:r>
+          </a:p>
+          <a:p>
+            <a:pPr lvl="1">
+              <a:defRPr sz="1600">
+                <a:solidFill>
+                  <a:srgbClr val="323232"/>
+                </a:solidFill>
+              </a:defRPr>
+            </a:pPr>
+            <a:r>
+              <a:t>  • 3 種基本遊戲模式</a:t>
+            </a:r>
+          </a:p>
+          <a:p>
+            <a:pPr lvl="1">
+              <a:defRPr sz="1600">
+                <a:solidFill>
+                  <a:srgbClr val="323232"/>
+                </a:solidFill>
+              </a:defRPr>
+            </a:pPr>
+            <a:r>
+              <a:t>  • 5+ 種特殊遊戲模式</a:t>
+            </a:r>
+          </a:p>
+          <a:p>
+            <a:pPr lvl="1">
+              <a:defRPr sz="1600">
+                <a:solidFill>
+                  <a:srgbClr val="323232"/>
+                </a:solidFill>
+              </a:defRPr>
+            </a:pPr>
+            <a:r>
+              <a:t>  • 10+ 項進階功能</a:t>
+            </a:r>
+          </a:p>
+          <a:p>
+            <a:pPr lvl="1">
+              <a:defRPr sz="1600">
+                <a:solidFill>
+                  <a:srgbClr val="323232"/>
+                </a:solidFill>
+              </a:defRPr>
+            </a:pPr>
+            <a:r>
+              <a:t>  • 7 種預設棋盤配色方案</a:t>
+            </a:r>
+          </a:p>
+          <a:p>
+            <a:pPr>
+              <a:defRPr sz="1600">
+                <a:solidFill>
+                  <a:srgbClr val="323232"/>
+                </a:solidFill>
+              </a:defRPr>
+            </a:pPr>
+          </a:p>
+          <a:p>
+            <a:pPr>
+              <a:defRPr sz="1600">
+                <a:solidFill>
+                  <a:srgbClr val="323232"/>
+                </a:solidFill>
+              </a:defRPr>
+            </a:pPr>
+            <a:r>
+              <a:t>🔧 技術特色</a:t>
+            </a:r>
+          </a:p>
+          <a:p>
+            <a:pPr lvl="1">
+              <a:defRPr sz="1600">
+                <a:solidFill>
+                  <a:srgbClr val="323232"/>
+                </a:solidFill>
+              </a:defRPr>
+            </a:pPr>
+            <a:r>
+              <a:t>  • WebSocket 即時通訊</a:t>
+            </a:r>
+          </a:p>
+          <a:p>
+            <a:pPr lvl="1">
+              <a:defRPr sz="1600">
+                <a:solidFill>
+                  <a:srgbClr val="323232"/>
+                </a:solidFill>
+              </a:defRPr>
+            </a:pPr>
+            <a:r>
+              <a:t>  • Stockfish 引擎整合</a:t>
+            </a:r>
+          </a:p>
+          <a:p>
+            <a:pPr lvl="1">
+              <a:defRPr sz="1600">
+                <a:solidFill>
+                  <a:srgbClr val="323232"/>
+                </a:solidFill>
+              </a:defRPr>
+            </a:pPr>
+            <a:r>
+              <a:t>  • Qt5 跨平台框架</a:t>
+            </a:r>
+          </a:p>
+          <a:p>
+            <a:pPr lvl="1">
+              <a:defRPr sz="1600">
+                <a:solidFill>
+                  <a:srgbClr val="323232"/>
+                </a:solidFill>
+              </a:defRPr>
+            </a:pPr>
+            <a:r>
+              <a:t>  • C++17 現代標準</a:t>
             </a:r>
           </a:p>
         </p:txBody>
@@ -7402,7 +7697,7 @@
 </p:sld>
 </file>
 
-<file path=ppt/slides/slide5.xml><?xml version="1.0" encoding="utf-8"?>
+<file path=ppt/slides/slide23.xml><?xml version="1.0" encoding="utf-8"?>
 <p:sld xmlns:a="http://schemas.openxmlformats.org/drawingml/2006/main" xmlns:p="http://schemas.openxmlformats.org/presentationml/2006/main" xmlns:r="http://schemas.openxmlformats.org/officeDocument/2006/relationships">
   <p:cSld>
     <p:spTree>
@@ -7442,7 +7737,7 @@
               </a:defRPr>
             </a:pPr>
             <a:r>
-              <a:t>核心功能特色（二）</a:t>
+              <a:t>未來規劃</a:t>
             </a:r>
           </a:p>
         </p:txBody>
@@ -7519,145 +7814,226 @@
               </a:defRPr>
             </a:pPr>
             <a:r>
-              <a:t>✓ 將軍與將死偵測</a:t>
-            </a:r>
-          </a:p>
-          <a:p>
-            <a:pPr lvl="1">
-              <a:defRPr sz="1600">
-                <a:solidFill>
-                  <a:srgbClr val="323232"/>
-                </a:solidFill>
-              </a:defRPr>
-            </a:pPr>
-            <a:r>
-              <a:t>  • 自動偵測國王是否被將軍</a:t>
-            </a:r>
-          </a:p>
-          <a:p>
-            <a:pPr lvl="1">
-              <a:defRPr sz="1600">
-                <a:solidFill>
-                  <a:srgbClr val="323232"/>
-                </a:solidFill>
-              </a:defRPr>
-            </a:pPr>
-            <a:r>
-              <a:t>  • 自動偵測將死和僵局</a:t>
-            </a:r>
-          </a:p>
-          <a:p>
-            <a:pPr>
-              <a:defRPr sz="1600">
-                <a:solidFill>
-                  <a:srgbClr val="323232"/>
-                </a:solidFill>
-              </a:defRPr>
-            </a:pPr>
-          </a:p>
-          <a:p>
-            <a:pPr>
-              <a:defRPr sz="1600">
-                <a:solidFill>
-                  <a:srgbClr val="323232"/>
-                </a:solidFill>
-              </a:defRPr>
-            </a:pPr>
-            <a:r>
-              <a:t>✓ 視覺化提示</a:t>
-            </a:r>
-          </a:p>
-          <a:p>
-            <a:pPr lvl="1">
-              <a:defRPr sz="1600">
-                <a:solidFill>
-                  <a:srgbClr val="323232"/>
-                </a:solidFill>
-              </a:defRPr>
-            </a:pPr>
-            <a:r>
-              <a:t>  • 選中棋子高亮顯示</a:t>
-            </a:r>
-          </a:p>
-          <a:p>
-            <a:pPr lvl="1">
-              <a:defRPr sz="1600">
-                <a:solidFill>
-                  <a:srgbClr val="323232"/>
-                </a:solidFill>
-              </a:defRPr>
-            </a:pPr>
-            <a:r>
-              <a:t>  • 有效移動位置標示</a:t>
-            </a:r>
-          </a:p>
-          <a:p>
-            <a:pPr lvl="1">
-              <a:defRPr sz="1600">
-                <a:solidFill>
-                  <a:srgbClr val="323232"/>
-                </a:solidFill>
-              </a:defRPr>
-            </a:pPr>
-            <a:r>
-              <a:t>  • 橙色表示普通移動，紅色表示吃子</a:t>
-            </a:r>
-          </a:p>
-          <a:p>
-            <a:pPr>
-              <a:defRPr sz="1600">
-                <a:solidFill>
-                  <a:srgbClr val="323232"/>
-                </a:solidFill>
-              </a:defRPr>
-            </a:pPr>
-          </a:p>
-          <a:p>
-            <a:pPr>
-              <a:defRPr sz="1600">
-                <a:solidFill>
-                  <a:srgbClr val="323232"/>
-                </a:solidFill>
-              </a:defRPr>
-            </a:pPr>
-            <a:r>
-              <a:t>✓ 音效系統</a:t>
-            </a:r>
-          </a:p>
-          <a:p>
-            <a:pPr lvl="1">
-              <a:defRPr sz="1600">
-                <a:solidFill>
-                  <a:srgbClr val="323232"/>
-                </a:solidFill>
-              </a:defRPr>
-            </a:pPr>
-            <a:r>
-              <a:t>  • 移動、吃子、王車易位音效</a:t>
-            </a:r>
-          </a:p>
-          <a:p>
-            <a:pPr lvl="1">
-              <a:defRPr sz="1600">
-                <a:solidFill>
-                  <a:srgbClr val="323232"/>
-                </a:solidFill>
-              </a:defRPr>
-            </a:pPr>
-            <a:r>
-              <a:t>  • 將軍、將死音效</a:t>
-            </a:r>
-          </a:p>
-          <a:p>
-            <a:pPr lvl="1">
-              <a:defRPr sz="1600">
-                <a:solidFill>
-                  <a:srgbClr val="323232"/>
-                </a:solidFill>
-              </a:defRPr>
-            </a:pPr>
-            <a:r>
-              <a:t>  • 可自訂音效設定</a:t>
+              <a:t>🚀 功能擴展</a:t>
+            </a:r>
+          </a:p>
+          <a:p>
+            <a:pPr lvl="1">
+              <a:defRPr sz="1600">
+                <a:solidFill>
+                  <a:srgbClr val="323232"/>
+                </a:solidFill>
+              </a:defRPr>
+            </a:pPr>
+            <a:r>
+              <a:t>  • 更多遊戲模式變體</a:t>
+            </a:r>
+          </a:p>
+          <a:p>
+            <a:pPr lvl="1">
+              <a:defRPr sz="1600">
+                <a:solidFill>
+                  <a:srgbClr val="323232"/>
+                </a:solidFill>
+              </a:defRPr>
+            </a:pPr>
+            <a:r>
+              <a:t>  • 錦標賽模式</a:t>
+            </a:r>
+          </a:p>
+          <a:p>
+            <a:pPr lvl="1">
+              <a:defRPr sz="1600">
+                <a:solidFill>
+                  <a:srgbClr val="323232"/>
+                </a:solidFill>
+              </a:defRPr>
+            </a:pPr>
+            <a:r>
+              <a:t>  • 觀戰功能</a:t>
+            </a:r>
+          </a:p>
+          <a:p>
+            <a:pPr lvl="1">
+              <a:defRPr sz="1600">
+                <a:solidFill>
+                  <a:srgbClr val="323232"/>
+                </a:solidFill>
+              </a:defRPr>
+            </a:pPr>
+            <a:r>
+              <a:t>  • 聊天功能</a:t>
+            </a:r>
+          </a:p>
+          <a:p>
+            <a:pPr>
+              <a:defRPr sz="1600">
+                <a:solidFill>
+                  <a:srgbClr val="323232"/>
+                </a:solidFill>
+              </a:defRPr>
+            </a:pPr>
+          </a:p>
+          <a:p>
+            <a:pPr>
+              <a:defRPr sz="1600">
+                <a:solidFill>
+                  <a:srgbClr val="323232"/>
+                </a:solidFill>
+              </a:defRPr>
+            </a:pPr>
+            <a:r>
+              <a:t>🎨 介面優化</a:t>
+            </a:r>
+          </a:p>
+          <a:p>
+            <a:pPr lvl="1">
+              <a:defRPr sz="1600">
+                <a:solidFill>
+                  <a:srgbClr val="323232"/>
+                </a:solidFill>
+              </a:defRPr>
+            </a:pPr>
+            <a:r>
+              <a:t>  • 更多主題選項</a:t>
+            </a:r>
+          </a:p>
+          <a:p>
+            <a:pPr lvl="1">
+              <a:defRPr sz="1600">
+                <a:solidFill>
+                  <a:srgbClr val="323232"/>
+                </a:solidFill>
+              </a:defRPr>
+            </a:pPr>
+            <a:r>
+              <a:t>  • 3D 棋盤視覺效果</a:t>
+            </a:r>
+          </a:p>
+          <a:p>
+            <a:pPr lvl="1">
+              <a:defRPr sz="1600">
+                <a:solidFill>
+                  <a:srgbClr val="323232"/>
+                </a:solidFill>
+              </a:defRPr>
+            </a:pPr>
+            <a:r>
+              <a:t>  • 動畫效果增強</a:t>
+            </a:r>
+          </a:p>
+          <a:p>
+            <a:pPr>
+              <a:defRPr sz="1600">
+                <a:solidFill>
+                  <a:srgbClr val="323232"/>
+                </a:solidFill>
+              </a:defRPr>
+            </a:pPr>
+          </a:p>
+          <a:p>
+            <a:pPr>
+              <a:defRPr sz="1600">
+                <a:solidFill>
+                  <a:srgbClr val="323232"/>
+                </a:solidFill>
+              </a:defRPr>
+            </a:pPr>
+            <a:r>
+              <a:t>📱 平台擴展</a:t>
+            </a:r>
+          </a:p>
+          <a:p>
+            <a:pPr lvl="1">
+              <a:defRPr sz="1600">
+                <a:solidFill>
+                  <a:srgbClr val="323232"/>
+                </a:solidFill>
+              </a:defRPr>
+            </a:pPr>
+            <a:r>
+              <a:t>  • 行動裝置版本</a:t>
+            </a:r>
+          </a:p>
+          <a:p>
+            <a:pPr lvl="1">
+              <a:defRPr sz="1600">
+                <a:solidFill>
+                  <a:srgbClr val="323232"/>
+                </a:solidFill>
+              </a:defRPr>
+            </a:pPr>
+            <a:r>
+              <a:t>  • Web 版本</a:t>
+            </a:r>
+          </a:p>
+          <a:p>
+            <a:pPr lvl="1">
+              <a:defRPr sz="1600">
+                <a:solidFill>
+                  <a:srgbClr val="323232"/>
+                </a:solidFill>
+              </a:defRPr>
+            </a:pPr>
+            <a:r>
+              <a:t>  • 雲端存檔功能</a:t>
+            </a:r>
+          </a:p>
+          <a:p>
+            <a:pPr>
+              <a:defRPr sz="1600">
+                <a:solidFill>
+                  <a:srgbClr val="323232"/>
+                </a:solidFill>
+              </a:defRPr>
+            </a:pPr>
+          </a:p>
+          <a:p>
+            <a:pPr>
+              <a:defRPr sz="1600">
+                <a:solidFill>
+                  <a:srgbClr val="323232"/>
+                </a:solidFill>
+              </a:defRPr>
+            </a:pPr>
+            <a:r>
+              <a:t>🤝 社群功能</a:t>
+            </a:r>
+          </a:p>
+          <a:p>
+            <a:pPr lvl="1">
+              <a:defRPr sz="1600">
+                <a:solidFill>
+                  <a:srgbClr val="323232"/>
+                </a:solidFill>
+              </a:defRPr>
+            </a:pPr>
+            <a:r>
+              <a:t>  • 排行榜系統</a:t>
+            </a:r>
+          </a:p>
+          <a:p>
+            <a:pPr lvl="1">
+              <a:defRPr sz="1600">
+                <a:solidFill>
+                  <a:srgbClr val="323232"/>
+                </a:solidFill>
+              </a:defRPr>
+            </a:pPr>
+            <a:r>
+              <a:t>  • 好友系統</a:t>
+            </a:r>
+          </a:p>
+          <a:p>
+            <a:pPr lvl="1">
+              <a:defRPr sz="1600">
+                <a:solidFill>
+                  <a:srgbClr val="323232"/>
+                </a:solidFill>
+              </a:defRPr>
+            </a:pPr>
+            <a:r>
+              <a:t>  • 對局分享</a:t>
             </a:r>
           </a:p>
         </p:txBody>
@@ -7670,7 +8046,7 @@
 </p:sld>
 </file>
 
-<file path=ppt/slides/slide6.xml><?xml version="1.0" encoding="utf-8"?>
+<file path=ppt/slides/slide24.xml><?xml version="1.0" encoding="utf-8"?>
 <p:sld xmlns:a="http://schemas.openxmlformats.org/drawingml/2006/main" xmlns:p="http://schemas.openxmlformats.org/presentationml/2006/main" xmlns:r="http://schemas.openxmlformats.org/officeDocument/2006/relationships">
   <p:cSld>
     <p:spTree>
@@ -7710,7 +8086,7 @@
               </a:defRPr>
             </a:pPr>
             <a:r>
-              <a:t>遊戲模式</a:t>
+              <a:t>主要成就</a:t>
             </a:r>
           </a:p>
         </p:txBody>
@@ -7787,157 +8163,193 @@
               </a:defRPr>
             </a:pPr>
             <a:r>
-              <a:t>🎮 雙人對弈模式</a:t>
-            </a:r>
-          </a:p>
-          <a:p>
-            <a:pPr lvl="1">
-              <a:defRPr sz="1600">
-                <a:solidFill>
-                  <a:srgbClr val="323232"/>
-                </a:solidFill>
-              </a:defRPr>
-            </a:pPr>
-            <a:r>
-              <a:t>  • 本地雙人對戰</a:t>
-            </a:r>
-          </a:p>
-          <a:p>
-            <a:pPr lvl="1">
-              <a:defRPr sz="1600">
-                <a:solidFill>
-                  <a:srgbClr val="323232"/>
-                </a:solidFill>
-              </a:defRPr>
-            </a:pPr>
-            <a:r>
-              <a:t>  • 支援棋盤翻轉功能</a:t>
-            </a:r>
-          </a:p>
-          <a:p>
-            <a:pPr>
-              <a:defRPr sz="1600">
-                <a:solidFill>
-                  <a:srgbClr val="323232"/>
-                </a:solidFill>
-              </a:defRPr>
-            </a:pPr>
-          </a:p>
-          <a:p>
-            <a:pPr>
-              <a:defRPr sz="1600">
-                <a:solidFill>
-                  <a:srgbClr val="323232"/>
-                </a:solidFill>
-              </a:defRPr>
-            </a:pPr>
-            <a:r>
-              <a:t>🤖 AI 人機對弈</a:t>
-            </a:r>
-          </a:p>
-          <a:p>
-            <a:pPr lvl="1">
-              <a:defRPr sz="1600">
-                <a:solidFill>
-                  <a:srgbClr val="323232"/>
-                </a:solidFill>
-              </a:defRPr>
-            </a:pPr>
-            <a:r>
-              <a:t>  • 整合 Stockfish 引擎</a:t>
-            </a:r>
-          </a:p>
-          <a:p>
-            <a:pPr lvl="1">
-              <a:defRPr sz="1600">
-                <a:solidFill>
-                  <a:srgbClr val="323232"/>
-                </a:solidFill>
-              </a:defRPr>
-            </a:pPr>
-            <a:r>
-              <a:t>  • 可調整難度等級（0-20）</a:t>
-            </a:r>
-          </a:p>
-          <a:p>
-            <a:pPr lvl="1">
-              <a:defRPr sz="1600">
-                <a:solidFill>
-                  <a:srgbClr val="323232"/>
-                </a:solidFill>
-              </a:defRPr>
-            </a:pPr>
-            <a:r>
-              <a:t>  • 自動棋盤翻轉</a:t>
-            </a:r>
-          </a:p>
-          <a:p>
-            <a:pPr>
-              <a:defRPr sz="1600">
-                <a:solidFill>
-                  <a:srgbClr val="323232"/>
-                </a:solidFill>
-              </a:defRPr>
-            </a:pPr>
-          </a:p>
-          <a:p>
-            <a:pPr>
-              <a:defRPr sz="1600">
-                <a:solidFill>
-                  <a:srgbClr val="323232"/>
-                </a:solidFill>
-              </a:defRPr>
-            </a:pPr>
-            <a:r>
-              <a:t>🌐 線上對戰模式</a:t>
-            </a:r>
-          </a:p>
-          <a:p>
-            <a:pPr lvl="1">
-              <a:defRPr sz="1600">
-                <a:solidFill>
-                  <a:srgbClr val="323232"/>
-                </a:solidFill>
-              </a:defRPr>
-            </a:pPr>
-            <a:r>
-              <a:t>  • 使用中央伺服器連線</a:t>
-            </a:r>
-          </a:p>
-          <a:p>
-            <a:pPr lvl="1">
-              <a:defRPr sz="1600">
-                <a:solidFill>
-                  <a:srgbClr val="323232"/>
-                </a:solidFill>
-              </a:defRPr>
-            </a:pPr>
-            <a:r>
-              <a:t>  • 簡單的房號系統</a:t>
-            </a:r>
-          </a:p>
-          <a:p>
-            <a:pPr lvl="1">
-              <a:defRPr sz="1600">
-                <a:solidFill>
-                  <a:srgbClr val="323232"/>
-                </a:solidFill>
-              </a:defRPr>
-            </a:pPr>
-            <a:r>
-              <a:t>  • 跨網路對弈</a:t>
-            </a:r>
-          </a:p>
-          <a:p>
-            <a:pPr lvl="1">
-              <a:defRPr sz="1600">
-                <a:solidFill>
-                  <a:srgbClr val="323232"/>
-                </a:solidFill>
-              </a:defRPr>
-            </a:pPr>
-            <a:r>
-              <a:t>  • 即時棋步同步</a:t>
+              <a:t>🏆 技術成就</a:t>
+            </a:r>
+          </a:p>
+          <a:p>
+            <a:pPr>
+              <a:defRPr sz="1600">
+                <a:solidFill>
+                  <a:srgbClr val="323232"/>
+                </a:solidFill>
+              </a:defRPr>
+            </a:pPr>
+            <a:r>
+              <a:t>  ✓ 完整實現國際西洋棋規則</a:t>
+            </a:r>
+          </a:p>
+          <a:p>
+            <a:pPr>
+              <a:defRPr sz="1600">
+                <a:solidFill>
+                  <a:srgbClr val="323232"/>
+                </a:solidFill>
+              </a:defRPr>
+            </a:pPr>
+            <a:r>
+              <a:t>  ✓ 成功整合 Stockfish 引擎</a:t>
+            </a:r>
+          </a:p>
+          <a:p>
+            <a:pPr>
+              <a:defRPr sz="1600">
+                <a:solidFill>
+                  <a:srgbClr val="323232"/>
+                </a:solidFill>
+              </a:defRPr>
+            </a:pPr>
+            <a:r>
+              <a:t>  ✓ 建立穩定的線上對戰系統</a:t>
+            </a:r>
+          </a:p>
+          <a:p>
+            <a:pPr>
+              <a:defRPr sz="1600">
+                <a:solidFill>
+                  <a:srgbClr val="323232"/>
+                </a:solidFill>
+              </a:defRPr>
+            </a:pPr>
+            <a:r>
+              <a:t>  ✓ 通過安全審計和代碼審查</a:t>
+            </a:r>
+          </a:p>
+          <a:p>
+            <a:pPr>
+              <a:defRPr sz="1600">
+                <a:solidFill>
+                  <a:srgbClr val="323232"/>
+                </a:solidFill>
+              </a:defRPr>
+            </a:pPr>
+          </a:p>
+          <a:p>
+            <a:pPr>
+              <a:defRPr sz="1600">
+                <a:solidFill>
+                  <a:srgbClr val="323232"/>
+                </a:solidFill>
+              </a:defRPr>
+            </a:pPr>
+            <a:r>
+              <a:t>🎯 功能成就</a:t>
+            </a:r>
+          </a:p>
+          <a:p>
+            <a:pPr>
+              <a:defRPr sz="1600">
+                <a:solidFill>
+                  <a:srgbClr val="323232"/>
+                </a:solidFill>
+              </a:defRPr>
+            </a:pPr>
+            <a:r>
+              <a:t>  ✓ 支援多種遊戲模式</a:t>
+            </a:r>
+          </a:p>
+          <a:p>
+            <a:pPr>
+              <a:defRPr sz="1600">
+                <a:solidFill>
+                  <a:srgbClr val="323232"/>
+                </a:solidFill>
+              </a:defRPr>
+            </a:pPr>
+            <a:r>
+              <a:t>  ✓ 完善的自訂功能</a:t>
+            </a:r>
+          </a:p>
+          <a:p>
+            <a:pPr>
+              <a:defRPr sz="1600">
+                <a:solidFill>
+                  <a:srgbClr val="323232"/>
+                </a:solidFill>
+              </a:defRPr>
+            </a:pPr>
+            <a:r>
+              <a:t>  ✓ 優質的使用者體驗</a:t>
+            </a:r>
+          </a:p>
+          <a:p>
+            <a:pPr>
+              <a:defRPr sz="1600">
+                <a:solidFill>
+                  <a:srgbClr val="323232"/>
+                </a:solidFill>
+              </a:defRPr>
+            </a:pPr>
+            <a:r>
+              <a:t>  ✓ 完整的文檔系統</a:t>
+            </a:r>
+          </a:p>
+          <a:p>
+            <a:pPr>
+              <a:defRPr sz="1600">
+                <a:solidFill>
+                  <a:srgbClr val="323232"/>
+                </a:solidFill>
+              </a:defRPr>
+            </a:pPr>
+          </a:p>
+          <a:p>
+            <a:pPr>
+              <a:defRPr sz="1600">
+                <a:solidFill>
+                  <a:srgbClr val="323232"/>
+                </a:solidFill>
+              </a:defRPr>
+            </a:pPr>
+            <a:r>
+              <a:t>💡 創新成就</a:t>
+            </a:r>
+          </a:p>
+          <a:p>
+            <a:pPr>
+              <a:defRPr sz="1600">
+                <a:solidFill>
+                  <a:srgbClr val="323232"/>
+                </a:solidFill>
+              </a:defRPr>
+            </a:pPr>
+            <a:r>
+              <a:t>  ✓ 霧戰模式創新玩法</a:t>
+            </a:r>
+          </a:p>
+          <a:p>
+            <a:pPr>
+              <a:defRPr sz="1600">
+                <a:solidFill>
+                  <a:srgbClr val="323232"/>
+                </a:solidFill>
+              </a:defRPr>
+            </a:pPr>
+            <a:r>
+              <a:t>  ✓ 骰子模式特殊規則</a:t>
+            </a:r>
+          </a:p>
+          <a:p>
+            <a:pPr>
+              <a:defRPr sz="1600">
+                <a:solidFill>
+                  <a:srgbClr val="323232"/>
+                </a:solidFill>
+              </a:defRPr>
+            </a:pPr>
+            <a:r>
+              <a:t>  ✓ 遊戲中回放功能</a:t>
+            </a:r>
+          </a:p>
+          <a:p>
+            <a:pPr>
+              <a:defRPr sz="1600">
+                <a:solidFill>
+                  <a:srgbClr val="323232"/>
+                </a:solidFill>
+              </a:defRPr>
+            </a:pPr>
+            <a:r>
+              <a:t>  ✓ 簡易線上連線系統</a:t>
             </a:r>
           </a:p>
         </p:txBody>
@@ -7950,7 +8362,7 @@
 </p:sld>
 </file>
 
-<file path=ppt/slides/slide7.xml><?xml version="1.0" encoding="utf-8"?>
+<file path=ppt/slides/slide25.xml><?xml version="1.0" encoding="utf-8"?>
 <p:sld xmlns:a="http://schemas.openxmlformats.org/drawingml/2006/main" xmlns:p="http://schemas.openxmlformats.org/presentationml/2006/main" xmlns:r="http://schemas.openxmlformats.org/officeDocument/2006/relationships">
   <p:cSld>
     <p:spTree>
@@ -7990,7 +8402,7 @@
               </a:defRPr>
             </a:pPr>
             <a:r>
-              <a:t>特殊遊戲模式</a:t>
+              <a:t>技術挑戰與解決方案</a:t>
             </a:r>
           </a:p>
         </p:txBody>
@@ -8067,166 +8479,151 @@
               </a:defRPr>
             </a:pPr>
             <a:r>
-              <a:t>🌫️ 霧戰模式</a:t>
-            </a:r>
-          </a:p>
-          <a:p>
-            <a:pPr lvl="1">
-              <a:defRPr sz="1600">
-                <a:solidFill>
-                  <a:srgbClr val="323232"/>
-                </a:solidFill>
-              </a:defRPr>
-            </a:pPr>
-            <a:r>
-              <a:t>  • 只能看到自己棋子的移動範圍</a:t>
-            </a:r>
-          </a:p>
-          <a:p>
-            <a:pPr lvl="1">
-              <a:defRPr sz="1600">
-                <a:solidFill>
-                  <a:srgbClr val="323232"/>
-                </a:solidFill>
-              </a:defRPr>
-            </a:pPr>
-            <a:r>
-              <a:t>  • 增加遊戲策略性</a:t>
-            </a:r>
-          </a:p>
-          <a:p>
-            <a:pPr>
-              <a:defRPr sz="1600">
-                <a:solidFill>
-                  <a:srgbClr val="323232"/>
-                </a:solidFill>
-              </a:defRPr>
-            </a:pPr>
-          </a:p>
-          <a:p>
-            <a:pPr>
-              <a:defRPr sz="1600">
-                <a:solidFill>
-                  <a:srgbClr val="323232"/>
-                </a:solidFill>
-              </a:defRPr>
-            </a:pPr>
-            <a:r>
-              <a:t>🎲 骰子模式</a:t>
-            </a:r>
-          </a:p>
-          <a:p>
-            <a:pPr lvl="1">
-              <a:defRPr sz="1600">
-                <a:solidFill>
-                  <a:srgbClr val="323232"/>
-                </a:solidFill>
-              </a:defRPr>
-            </a:pPr>
-            <a:r>
-              <a:t>  • 每回合擲出3個棋子類型</a:t>
-            </a:r>
-          </a:p>
-          <a:p>
-            <a:pPr lvl="1">
-              <a:defRPr sz="1600">
-                <a:solidFill>
-                  <a:srgbClr val="323232"/>
-                </a:solidFill>
-              </a:defRPr>
-            </a:pPr>
-            <a:r>
-              <a:t>  • 必須移動指定類型的棋子</a:t>
-            </a:r>
-          </a:p>
-          <a:p>
-            <a:pPr lvl="1">
-              <a:defRPr sz="1600">
-                <a:solidFill>
-                  <a:srgbClr val="323232"/>
-                </a:solidFill>
-              </a:defRPr>
-            </a:pPr>
-            <a:r>
-              <a:t>  • 特殊將軍中斷規則</a:t>
-            </a:r>
-          </a:p>
-          <a:p>
-            <a:pPr>
-              <a:defRPr sz="1600">
-                <a:solidFill>
-                  <a:srgbClr val="323232"/>
-                </a:solidFill>
-              </a:defRPr>
-            </a:pPr>
-          </a:p>
-          <a:p>
-            <a:pPr>
-              <a:defRPr sz="1600">
-                <a:solidFill>
-                  <a:srgbClr val="323232"/>
-                </a:solidFill>
-              </a:defRPr>
-            </a:pPr>
-            <a:r>
-              <a:t>💣 踩地雷模式</a:t>
-            </a:r>
-          </a:p>
-          <a:p>
-            <a:pPr lvl="1">
-              <a:defRPr sz="1600">
-                <a:solidFill>
-                  <a:srgbClr val="323232"/>
-                </a:solidFill>
-              </a:defRPr>
-            </a:pPr>
-            <a:r>
-              <a:t>  • 地雷西洋棋變體</a:t>
-            </a:r>
-          </a:p>
-          <a:p>
-            <a:pPr>
-              <a:defRPr sz="1600">
-                <a:solidFill>
-                  <a:srgbClr val="323232"/>
-                </a:solidFill>
-              </a:defRPr>
-            </a:pPr>
-          </a:p>
-          <a:p>
-            <a:pPr>
-              <a:defRPr sz="1600">
-                <a:solidFill>
-                  <a:srgbClr val="323232"/>
-                </a:solidFill>
-              </a:defRPr>
-            </a:pPr>
-            <a:r>
-              <a:t>⚡ 其他模式</a:t>
-            </a:r>
-          </a:p>
-          <a:p>
-            <a:pPr lvl="1">
-              <a:defRPr sz="1600">
-                <a:solidFill>
-                  <a:srgbClr val="323232"/>
-                </a:solidFill>
-              </a:defRPr>
-            </a:pPr>
-            <a:r>
-              <a:t>  • 重力模式</a:t>
-            </a:r>
-          </a:p>
-          <a:p>
-            <a:pPr lvl="1">
-              <a:defRPr sz="1600">
-                <a:solidFill>
-                  <a:srgbClr val="323232"/>
-                </a:solidFill>
-              </a:defRPr>
-            </a:pPr>
-            <a:r>
-              <a:t>  • 傳送陣模式</a:t>
+              <a:t>⚠️ 挑戰：線上對戰網路設定複雜</a:t>
+            </a:r>
+          </a:p>
+          <a:p>
+            <a:pPr>
+              <a:defRPr sz="1600">
+                <a:solidFill>
+                  <a:srgbClr val="323232"/>
+                </a:solidFill>
+              </a:defRPr>
+            </a:pPr>
+            <a:r>
+              <a:t>✅ 解決：採用中央伺服器架構，無需 P2P 設定</a:t>
+            </a:r>
+          </a:p>
+          <a:p>
+            <a:pPr>
+              <a:defRPr sz="1600">
+                <a:solidFill>
+                  <a:srgbClr val="323232"/>
+                </a:solidFill>
+              </a:defRPr>
+            </a:pPr>
+          </a:p>
+          <a:p>
+            <a:pPr>
+              <a:defRPr sz="1600">
+                <a:solidFill>
+                  <a:srgbClr val="323232"/>
+                </a:solidFill>
+              </a:defRPr>
+            </a:pPr>
+            <a:r>
+              <a:t>⚠️ 挑戰：骰子模式將軍規則複雜</a:t>
+            </a:r>
+          </a:p>
+          <a:p>
+            <a:pPr>
+              <a:defRPr sz="1600">
+                <a:solidFill>
+                  <a:srgbClr val="323232"/>
+                </a:solidFill>
+              </a:defRPr>
+            </a:pPr>
+            <a:r>
+              <a:t>✅ 解決：設計特殊的將軍中斷機制</a:t>
+            </a:r>
+          </a:p>
+          <a:p>
+            <a:pPr>
+              <a:defRPr sz="1600">
+                <a:solidFill>
+                  <a:srgbClr val="323232"/>
+                </a:solidFill>
+              </a:defRPr>
+            </a:pPr>
+          </a:p>
+          <a:p>
+            <a:pPr>
+              <a:defRPr sz="1600">
+                <a:solidFill>
+                  <a:srgbClr val="323232"/>
+                </a:solidFill>
+              </a:defRPr>
+            </a:pPr>
+            <a:r>
+              <a:t>⚠️ 挑戰：遊戲進行中回放功能</a:t>
+            </a:r>
+          </a:p>
+          <a:p>
+            <a:pPr>
+              <a:defRPr sz="1600">
+                <a:solidFill>
+                  <a:srgbClr val="323232"/>
+                </a:solidFill>
+              </a:defRPr>
+            </a:pPr>
+            <a:r>
+              <a:t>✅ 解決：完善的狀態管理和計時器控制</a:t>
+            </a:r>
+          </a:p>
+          <a:p>
+            <a:pPr>
+              <a:defRPr sz="1600">
+                <a:solidFill>
+                  <a:srgbClr val="323232"/>
+                </a:solidFill>
+              </a:defRPr>
+            </a:pPr>
+          </a:p>
+          <a:p>
+            <a:pPr>
+              <a:defRPr sz="1600">
+                <a:solidFill>
+                  <a:srgbClr val="323232"/>
+                </a:solidFill>
+              </a:defRPr>
+            </a:pPr>
+            <a:r>
+              <a:t>⚠️ 挑戰：跨平台音效支援</a:t>
+            </a:r>
+          </a:p>
+          <a:p>
+            <a:pPr>
+              <a:defRPr sz="1600">
+                <a:solidFill>
+                  <a:srgbClr val="323232"/>
+                </a:solidFill>
+              </a:defRPr>
+            </a:pPr>
+            <a:r>
+              <a:t>✅ 解決：使用 Qt 多媒體框架</a:t>
+            </a:r>
+          </a:p>
+          <a:p>
+            <a:pPr>
+              <a:defRPr sz="1600">
+                <a:solidFill>
+                  <a:srgbClr val="323232"/>
+                </a:solidFill>
+              </a:defRPr>
+            </a:pPr>
+          </a:p>
+          <a:p>
+            <a:pPr>
+              <a:defRPr sz="1600">
+                <a:solidFill>
+                  <a:srgbClr val="323232"/>
+                </a:solidFill>
+              </a:defRPr>
+            </a:pPr>
+            <a:r>
+              <a:t>⚠️ 挑戰：記憶體安全問題</a:t>
+            </a:r>
+          </a:p>
+          <a:p>
+            <a:pPr>
+              <a:defRPr sz="1600">
+                <a:solidFill>
+                  <a:srgbClr val="323232"/>
+                </a:solidFill>
+              </a:defRPr>
+            </a:pPr>
+            <a:r>
+              <a:t>✅ 解決：增強邊界檢查和異常處理</a:t>
             </a:r>
           </a:p>
         </p:txBody>
@@ -8239,7 +8636,7 @@
 </p:sld>
 </file>
 
-<file path=ppt/slides/slide8.xml><?xml version="1.0" encoding="utf-8"?>
+<file path=ppt/slides/slide26.xml><?xml version="1.0" encoding="utf-8"?>
 <p:sld xmlns:a="http://schemas.openxmlformats.org/drawingml/2006/main" xmlns:p="http://schemas.openxmlformats.org/presentationml/2006/main" xmlns:r="http://schemas.openxmlformats.org/officeDocument/2006/relationships">
   <p:cSld>
     <p:spTree>
@@ -8279,7 +8676,7 @@
               </a:defRPr>
             </a:pPr>
             <a:r>
-              <a:t>技術架構</a:t>
+              <a:t>經驗總結</a:t>
             </a:r>
           </a:p>
         </p:txBody>
@@ -8356,169 +8753,193 @@
               </a:defRPr>
             </a:pPr>
             <a:r>
-              <a:t>📐 架構設計</a:t>
-            </a:r>
-          </a:p>
-          <a:p>
-            <a:pPr lvl="1">
-              <a:defRPr sz="1600">
-                <a:solidFill>
-                  <a:srgbClr val="323232"/>
-                </a:solidFill>
-              </a:defRPr>
-            </a:pPr>
-            <a:r>
-              <a:t>  • MVC 設計模式</a:t>
-            </a:r>
-          </a:p>
-          <a:p>
-            <a:pPr lvl="1">
-              <a:defRPr sz="1600">
-                <a:solidFill>
-                  <a:srgbClr val="323232"/>
-                </a:solidFill>
-              </a:defRPr>
-            </a:pPr>
-            <a:r>
-              <a:t>  • Qt5 框架</a:t>
-            </a:r>
-          </a:p>
-          <a:p>
-            <a:pPr lvl="1">
-              <a:defRPr sz="1600">
-                <a:solidFill>
-                  <a:srgbClr val="323232"/>
-                </a:solidFill>
-              </a:defRPr>
-            </a:pPr>
-            <a:r>
-              <a:t>  • C++17 標準</a:t>
-            </a:r>
-          </a:p>
-          <a:p>
-            <a:pPr>
-              <a:defRPr sz="1600">
-                <a:solidFill>
-                  <a:srgbClr val="323232"/>
-                </a:solidFill>
-              </a:defRPr>
-            </a:pPr>
-          </a:p>
-          <a:p>
-            <a:pPr>
-              <a:defRPr sz="1600">
-                <a:solidFill>
-                  <a:srgbClr val="323232"/>
-                </a:solidFill>
-              </a:defRPr>
-            </a:pPr>
-            <a:r>
-              <a:t>🔧 核心模組</a:t>
-            </a:r>
-          </a:p>
-          <a:p>
-            <a:pPr lvl="1">
-              <a:defRPr sz="1600">
-                <a:solidFill>
-                  <a:srgbClr val="323232"/>
-                </a:solidFill>
-              </a:defRPr>
-            </a:pPr>
-            <a:r>
-              <a:t>  • ChessBoard: 棋盤邏輯和規則</a:t>
-            </a:r>
-          </a:p>
-          <a:p>
-            <a:pPr lvl="1">
-              <a:defRPr sz="1600">
-                <a:solidFill>
-                  <a:srgbClr val="323232"/>
-                </a:solidFill>
-              </a:defRPr>
-            </a:pPr>
-            <a:r>
-              <a:t>  • ChessPiece: 棋子定義和移動驗證</a:t>
-            </a:r>
-          </a:p>
-          <a:p>
-            <a:pPr lvl="1">
-              <a:defRPr sz="1600">
-                <a:solidFill>
-                  <a:srgbClr val="323232"/>
-                </a:solidFill>
-              </a:defRPr>
-            </a:pPr>
-            <a:r>
-              <a:t>  • ChessEngine: Stockfish 引擎整合</a:t>
-            </a:r>
-          </a:p>
-          <a:p>
-            <a:pPr lvl="1">
-              <a:defRPr sz="1600">
-                <a:solidFill>
-                  <a:srgbClr val="323232"/>
-                </a:solidFill>
-              </a:defRPr>
-            </a:pPr>
-            <a:r>
-              <a:t>  • NetworkManager: WebSocket 網路連線</a:t>
-            </a:r>
-          </a:p>
-          <a:p>
-            <a:pPr lvl="1">
-              <a:defRPr sz="1600">
-                <a:solidFill>
-                  <a:srgbClr val="323232"/>
-                </a:solidFill>
-              </a:defRPr>
-            </a:pPr>
-            <a:r>
-              <a:t>  • UpdateChecker: 自動更新檢查</a:t>
-            </a:r>
-          </a:p>
-          <a:p>
-            <a:pPr>
-              <a:defRPr sz="1600">
-                <a:solidFill>
-                  <a:srgbClr val="323232"/>
-                </a:solidFill>
-              </a:defRPr>
-            </a:pPr>
-          </a:p>
-          <a:p>
-            <a:pPr>
-              <a:defRPr sz="1600">
-                <a:solidFill>
-                  <a:srgbClr val="323232"/>
-                </a:solidFill>
-              </a:defRPr>
-            </a:pPr>
-            <a:r>
-              <a:t>🎨 UI 元件</a:t>
-            </a:r>
-          </a:p>
-          <a:p>
-            <a:pPr lvl="1">
-              <a:defRPr sz="1600">
-                <a:solidFill>
-                  <a:srgbClr val="323232"/>
-                </a:solidFill>
-              </a:defRPr>
-            </a:pPr>
-            <a:r>
-              <a:t>  • Qt Designer UI 設計</a:t>
-            </a:r>
-          </a:p>
-          <a:p>
-            <a:pPr lvl="1">
-              <a:defRPr sz="1600">
-                <a:solidFill>
-                  <a:srgbClr val="323232"/>
-                </a:solidFill>
-              </a:defRPr>
-            </a:pPr>
-            <a:r>
-              <a:t>  • 自訂對話框和設定介面</a:t>
+              <a:t>📚 技術經驗</a:t>
+            </a:r>
+          </a:p>
+          <a:p>
+            <a:pPr lvl="1">
+              <a:defRPr sz="1600">
+                <a:solidFill>
+                  <a:srgbClr val="323232"/>
+                </a:solidFill>
+              </a:defRPr>
+            </a:pPr>
+            <a:r>
+              <a:t>  • Qt 框架的跨平台開發</a:t>
+            </a:r>
+          </a:p>
+          <a:p>
+            <a:pPr lvl="1">
+              <a:defRPr sz="1600">
+                <a:solidFill>
+                  <a:srgbClr val="323232"/>
+                </a:solidFill>
+              </a:defRPr>
+            </a:pPr>
+            <a:r>
+              <a:t>  • WebSocket 即時通訊實現</a:t>
+            </a:r>
+          </a:p>
+          <a:p>
+            <a:pPr lvl="1">
+              <a:defRPr sz="1600">
+                <a:solidFill>
+                  <a:srgbClr val="323232"/>
+                </a:solidFill>
+              </a:defRPr>
+            </a:pPr>
+            <a:r>
+              <a:t>  • 遊戲邏輯狀態管理</a:t>
+            </a:r>
+          </a:p>
+          <a:p>
+            <a:pPr lvl="1">
+              <a:defRPr sz="1600">
+                <a:solidFill>
+                  <a:srgbClr val="323232"/>
+                </a:solidFill>
+              </a:defRPr>
+            </a:pPr>
+            <a:r>
+              <a:t>  • 多執行緒程式設計</a:t>
+            </a:r>
+          </a:p>
+          <a:p>
+            <a:pPr>
+              <a:defRPr sz="1600">
+                <a:solidFill>
+                  <a:srgbClr val="323232"/>
+                </a:solidFill>
+              </a:defRPr>
+            </a:pPr>
+          </a:p>
+          <a:p>
+            <a:pPr>
+              <a:defRPr sz="1600">
+                <a:solidFill>
+                  <a:srgbClr val="323232"/>
+                </a:solidFill>
+              </a:defRPr>
+            </a:pPr>
+            <a:r>
+              <a:t>🎯 專案管理</a:t>
+            </a:r>
+          </a:p>
+          <a:p>
+            <a:pPr lvl="1">
+              <a:defRPr sz="1600">
+                <a:solidFill>
+                  <a:srgbClr val="323232"/>
+                </a:solidFill>
+              </a:defRPr>
+            </a:pPr>
+            <a:r>
+              <a:t>  • 功能優先級排序</a:t>
+            </a:r>
+          </a:p>
+          <a:p>
+            <a:pPr lvl="1">
+              <a:defRPr sz="1600">
+                <a:solidFill>
+                  <a:srgbClr val="323232"/>
+                </a:solidFill>
+              </a:defRPr>
+            </a:pPr>
+            <a:r>
+              <a:t>  • 持續整合和測試</a:t>
+            </a:r>
+          </a:p>
+          <a:p>
+            <a:pPr lvl="1">
+              <a:defRPr sz="1600">
+                <a:solidFill>
+                  <a:srgbClr val="323232"/>
+                </a:solidFill>
+              </a:defRPr>
+            </a:pPr>
+            <a:r>
+              <a:t>  • 完整的文檔維護</a:t>
+            </a:r>
+          </a:p>
+          <a:p>
+            <a:pPr lvl="1">
+              <a:defRPr sz="1600">
+                <a:solidFill>
+                  <a:srgbClr val="323232"/>
+                </a:solidFill>
+              </a:defRPr>
+            </a:pPr>
+            <a:r>
+              <a:t>  • 版本控制最佳實踐</a:t>
+            </a:r>
+          </a:p>
+          <a:p>
+            <a:pPr>
+              <a:defRPr sz="1600">
+                <a:solidFill>
+                  <a:srgbClr val="323232"/>
+                </a:solidFill>
+              </a:defRPr>
+            </a:pPr>
+          </a:p>
+          <a:p>
+            <a:pPr>
+              <a:defRPr sz="1600">
+                <a:solidFill>
+                  <a:srgbClr val="323232"/>
+                </a:solidFill>
+              </a:defRPr>
+            </a:pPr>
+            <a:r>
+              <a:t>💡 設計思維</a:t>
+            </a:r>
+          </a:p>
+          <a:p>
+            <a:pPr lvl="1">
+              <a:defRPr sz="1600">
+                <a:solidFill>
+                  <a:srgbClr val="323232"/>
+                </a:solidFill>
+              </a:defRPr>
+            </a:pPr>
+            <a:r>
+              <a:t>  • 使用者體驗優先</a:t>
+            </a:r>
+          </a:p>
+          <a:p>
+            <a:pPr lvl="1">
+              <a:defRPr sz="1600">
+                <a:solidFill>
+                  <a:srgbClr val="323232"/>
+                </a:solidFill>
+              </a:defRPr>
+            </a:pPr>
+            <a:r>
+              <a:t>  • 模組化設計</a:t>
+            </a:r>
+          </a:p>
+          <a:p>
+            <a:pPr lvl="1">
+              <a:defRPr sz="1600">
+                <a:solidFill>
+                  <a:srgbClr val="323232"/>
+                </a:solidFill>
+              </a:defRPr>
+            </a:pPr>
+            <a:r>
+              <a:t>  • 可擴展架構</a:t>
+            </a:r>
+          </a:p>
+          <a:p>
+            <a:pPr lvl="1">
+              <a:defRPr sz="1600">
+                <a:solidFill>
+                  <a:srgbClr val="323232"/>
+                </a:solidFill>
+              </a:defRPr>
+            </a:pPr>
+            <a:r>
+              <a:t>  • 安全性考量</a:t>
             </a:r>
           </a:p>
         </p:txBody>
@@ -8531,7 +8952,7 @@
 </p:sld>
 </file>
 
-<file path=ppt/slides/slide9.xml><?xml version="1.0" encoding="utf-8"?>
+<file path=ppt/slides/slide27.xml><?xml version="1.0" encoding="utf-8"?>
 <p:sld xmlns:a="http://schemas.openxmlformats.org/drawingml/2006/main" xmlns:p="http://schemas.openxmlformats.org/presentationml/2006/main" xmlns:r="http://schemas.openxmlformats.org/officeDocument/2006/relationships">
   <p:cSld>
     <p:spTree>
@@ -8571,7 +8992,7 @@
               </a:defRPr>
             </a:pPr>
             <a:r>
-              <a:t>進階功能（一）</a:t>
+              <a:t>總結</a:t>
             </a:r>
           </a:p>
         </p:txBody>
@@ -8648,136 +9069,2222 @@
               </a:defRPr>
             </a:pPr>
             <a:r>
-              <a:t>⏱️ 時間控制</a:t>
-            </a:r>
-          </a:p>
-          <a:p>
-            <a:pPr lvl="1">
-              <a:defRPr sz="1600">
-                <a:solidFill>
-                  <a:srgbClr val="323232"/>
-                </a:solidFill>
-              </a:defRPr>
-            </a:pPr>
-            <a:r>
-              <a:t>  • 可選擇總時間（30秒至60分鐘）</a:t>
-            </a:r>
-          </a:p>
-          <a:p>
-            <a:pPr lvl="1">
-              <a:defRPr sz="1600">
-                <a:solidFill>
-                  <a:srgbClr val="323232"/>
-                </a:solidFill>
-              </a:defRPr>
-            </a:pPr>
-            <a:r>
-              <a:t>  • 每著加秒功能（0-60秒）</a:t>
-            </a:r>
-          </a:p>
-          <a:p>
-            <a:pPr lvl="1">
-              <a:defRPr sz="1600">
-                <a:solidFill>
-                  <a:srgbClr val="323232"/>
-                </a:solidFill>
-              </a:defRPr>
-            </a:pPr>
-            <a:r>
-              <a:t>  • 雙方計時器即時顯示</a:t>
-            </a:r>
-          </a:p>
-          <a:p>
-            <a:pPr lvl="1">
-              <a:defRPr sz="1600">
-                <a:solidFill>
-                  <a:srgbClr val="323232"/>
-                </a:solidFill>
-              </a:defRPr>
-            </a:pPr>
-            <a:r>
-              <a:t>  • 超時自動判負</a:t>
-            </a:r>
-          </a:p>
-          <a:p>
-            <a:pPr>
-              <a:defRPr sz="1600">
-                <a:solidFill>
-                  <a:srgbClr val="323232"/>
-                </a:solidFill>
-              </a:defRPr>
-            </a:pPr>
-          </a:p>
-          <a:p>
-            <a:pPr>
-              <a:defRPr sz="1600">
-                <a:solidFill>
-                  <a:srgbClr val="323232"/>
-                </a:solidFill>
-              </a:defRPr>
-            </a:pPr>
-            <a:r>
-              <a:t>📝 棋譜記錄與回放</a:t>
-            </a:r>
-          </a:p>
-          <a:p>
-            <a:pPr lvl="1">
-              <a:defRPr sz="1600">
-                <a:solidFill>
-                  <a:srgbClr val="323232"/>
-                </a:solidFill>
-              </a:defRPr>
-            </a:pPr>
-            <a:r>
-              <a:t>  • 自動記錄棋譜</a:t>
-            </a:r>
-          </a:p>
-          <a:p>
-            <a:pPr lvl="1">
-              <a:defRPr sz="1600">
-                <a:solidFill>
-                  <a:srgbClr val="323232"/>
-                </a:solidFill>
-              </a:defRPr>
-            </a:pPr>
-            <a:r>
-              <a:t>  • PGN 格式匯出</a:t>
-            </a:r>
-          </a:p>
-          <a:p>
-            <a:pPr lvl="1">
-              <a:defRPr sz="1600">
-                <a:solidFill>
-                  <a:srgbClr val="323232"/>
-                </a:solidFill>
-              </a:defRPr>
-            </a:pPr>
-            <a:r>
-              <a:t>  • 完整回放功能</a:t>
-            </a:r>
-          </a:p>
-          <a:p>
-            <a:pPr lvl="1">
-              <a:defRPr sz="1600">
-                <a:solidFill>
-                  <a:srgbClr val="323232"/>
-                </a:solidFill>
-              </a:defRPr>
-            </a:pPr>
-            <a:r>
-              <a:t>  • 遊戲進行中也可回放</a:t>
-            </a:r>
-          </a:p>
-          <a:p>
-            <a:pPr lvl="1">
-              <a:defRPr sz="1600">
-                <a:solidFill>
-                  <a:srgbClr val="323232"/>
-                </a:solidFill>
-              </a:defRPr>
-            </a:pPr>
-            <a:r>
-              <a:t>  • 回放時計時器自動暫停</a:t>
+              <a:t>✨ Qt Chess 是一個功能完整、設計精良的西洋棋遊戲</a:t>
+            </a:r>
+          </a:p>
+          <a:p>
+            <a:pPr>
+              <a:defRPr sz="1600">
+                <a:solidFill>
+                  <a:srgbClr val="323232"/>
+                </a:solidFill>
+              </a:defRPr>
+            </a:pPr>
+          </a:p>
+          <a:p>
+            <a:pPr>
+              <a:defRPr sz="1600">
+                <a:solidFill>
+                  <a:srgbClr val="323232"/>
+                </a:solidFill>
+              </a:defRPr>
+            </a:pPr>
+            <a:r>
+              <a:t>🎮 核心優勢</a:t>
+            </a:r>
+          </a:p>
+          <a:p>
+            <a:pPr lvl="1">
+              <a:defRPr sz="1600">
+                <a:solidFill>
+                  <a:srgbClr val="323232"/>
+                </a:solidFill>
+              </a:defRPr>
+            </a:pPr>
+            <a:r>
+              <a:t>  • 完整的西洋棋規則實現</a:t>
+            </a:r>
+          </a:p>
+          <a:p>
+            <a:pPr lvl="1">
+              <a:defRPr sz="1600">
+                <a:solidFill>
+                  <a:srgbClr val="323232"/>
+                </a:solidFill>
+              </a:defRPr>
+            </a:pPr>
+            <a:r>
+              <a:t>  • 多種遊戲模式支援</a:t>
+            </a:r>
+          </a:p>
+          <a:p>
+            <a:pPr lvl="1">
+              <a:defRPr sz="1600">
+                <a:solidFill>
+                  <a:srgbClr val="323232"/>
+                </a:solidFill>
+              </a:defRPr>
+            </a:pPr>
+            <a:r>
+              <a:t>  • 優質的使用者體驗</a:t>
+            </a:r>
+          </a:p>
+          <a:p>
+            <a:pPr lvl="1">
+              <a:defRPr sz="1600">
+                <a:solidFill>
+                  <a:srgbClr val="323232"/>
+                </a:solidFill>
+              </a:defRPr>
+            </a:pPr>
+            <a:r>
+              <a:t>  • 跨平台支援</a:t>
+            </a:r>
+          </a:p>
+          <a:p>
+            <a:pPr>
+              <a:defRPr sz="1600">
+                <a:solidFill>
+                  <a:srgbClr val="323232"/>
+                </a:solidFill>
+              </a:defRPr>
+            </a:pPr>
+          </a:p>
+          <a:p>
+            <a:pPr>
+              <a:defRPr sz="1600">
+                <a:solidFill>
+                  <a:srgbClr val="323232"/>
+                </a:solidFill>
+              </a:defRPr>
+            </a:pPr>
+            <a:r>
+              <a:t>🚀 技術特色</a:t>
+            </a:r>
+          </a:p>
+          <a:p>
+            <a:pPr lvl="1">
+              <a:defRPr sz="1600">
+                <a:solidFill>
+                  <a:srgbClr val="323232"/>
+                </a:solidFill>
+              </a:defRPr>
+            </a:pPr>
+            <a:r>
+              <a:t>  • 使用 Qt5 和 C++17</a:t>
+            </a:r>
+          </a:p>
+          <a:p>
+            <a:pPr lvl="1">
+              <a:defRPr sz="1600">
+                <a:solidFill>
+                  <a:srgbClr val="323232"/>
+                </a:solidFill>
+              </a:defRPr>
+            </a:pPr>
+            <a:r>
+              <a:t>  • 整合 Stockfish 引擎</a:t>
+            </a:r>
+          </a:p>
+          <a:p>
+            <a:pPr lvl="1">
+              <a:defRPr sz="1600">
+                <a:solidFill>
+                  <a:srgbClr val="323232"/>
+                </a:solidFill>
+              </a:defRPr>
+            </a:pPr>
+            <a:r>
+              <a:t>  • WebSocket 線上對戰</a:t>
+            </a:r>
+          </a:p>
+          <a:p>
+            <a:pPr lvl="1">
+              <a:defRPr sz="1600">
+                <a:solidFill>
+                  <a:srgbClr val="323232"/>
+                </a:solidFill>
+              </a:defRPr>
+            </a:pPr>
+            <a:r>
+              <a:t>  • 完善的安全機制</a:t>
+            </a:r>
+          </a:p>
+          <a:p>
+            <a:pPr>
+              <a:defRPr sz="1600">
+                <a:solidFill>
+                  <a:srgbClr val="323232"/>
+                </a:solidFill>
+              </a:defRPr>
+            </a:pPr>
+          </a:p>
+          <a:p>
+            <a:pPr>
+              <a:defRPr sz="1600">
+                <a:solidFill>
+                  <a:srgbClr val="323232"/>
+                </a:solidFill>
+              </a:defRPr>
+            </a:pPr>
+            <a:r>
+              <a:t>📚 專案價值</a:t>
+            </a:r>
+          </a:p>
+          <a:p>
+            <a:pPr lvl="1">
+              <a:defRPr sz="1600">
+                <a:solidFill>
+                  <a:srgbClr val="323232"/>
+                </a:solidFill>
+              </a:defRPr>
+            </a:pPr>
+            <a:r>
+              <a:t>  • 學習 Qt 和遊戲開發的優秀範例</a:t>
+            </a:r>
+          </a:p>
+          <a:p>
+            <a:pPr lvl="1">
+              <a:defRPr sz="1600">
+                <a:solidFill>
+                  <a:srgbClr val="323232"/>
+                </a:solidFill>
+              </a:defRPr>
+            </a:pPr>
+            <a:r>
+              <a:t>  • 完整的文檔和測試</a:t>
+            </a:r>
+          </a:p>
+          <a:p>
+            <a:pPr lvl="1">
+              <a:defRPr sz="1600">
+                <a:solidFill>
+                  <a:srgbClr val="323232"/>
+                </a:solidFill>
+              </a:defRPr>
+            </a:pPr>
+            <a:r>
+              <a:t>  • 持續維護和改進</a:t>
+            </a:r>
+          </a:p>
+        </p:txBody>
+      </p:sp>
+    </p:spTree>
+  </p:cSld>
+  <p:clrMapOvr>
+    <a:masterClrMapping/>
+  </p:clrMapOvr>
+</p:sld>
+</file>
+
+<file path=ppt/slides/slide28.xml><?xml version="1.0" encoding="utf-8"?>
+<p:sld xmlns:a="http://schemas.openxmlformats.org/drawingml/2006/main" xmlns:p="http://schemas.openxmlformats.org/presentationml/2006/main" xmlns:r="http://schemas.openxmlformats.org/officeDocument/2006/relationships">
+  <p:cSld>
+    <p:spTree>
+      <p:nvGrpSpPr>
+        <p:cNvPr id="1" name=""/>
+        <p:cNvGrpSpPr/>
+        <p:nvPr/>
+      </p:nvGrpSpPr>
+      <p:grpSpPr/>
+      <p:sp>
+        <p:nvSpPr>
+          <p:cNvPr id="2" name="TextBox 1"/>
+          <p:cNvSpPr txBox="1"/>
+          <p:nvPr/>
+        </p:nvSpPr>
+        <p:spPr>
+          <a:xfrm>
+            <a:off x="1828800" y="2743200"/>
+            <a:ext cx="5486400" cy="1371600"/>
+          </a:xfrm>
+          <a:prstGeom prst="rect">
+            <a:avLst/>
+          </a:prstGeom>
+          <a:noFill/>
+        </p:spPr>
+        <p:txBody>
+          <a:bodyPr wrap="none">
+            <a:spAutoFit/>
+          </a:bodyPr>
+          <a:lstStyle/>
+          <a:p>
+            <a:pPr algn="ctr">
+              <a:defRPr sz="4800" b="1">
+                <a:solidFill>
+                  <a:srgbClr val="003366"/>
+                </a:solidFill>
+              </a:defRPr>
+            </a:pPr>
+            <a:r>
+              <a:t>Q &amp; A</a:t>
+            </a:r>
+          </a:p>
+          <a:p>
+            <a:r>
+              <a:t>問題與討論</a:t>
+            </a:r>
+          </a:p>
+        </p:txBody>
+      </p:sp>
+      <p:sp>
+        <p:nvSpPr>
+          <p:cNvPr id="3" name="TextBox 2"/>
+          <p:cNvSpPr txBox="1"/>
+          <p:nvPr/>
+        </p:nvSpPr>
+        <p:spPr>
+          <a:xfrm>
+            <a:off x="1828800" y="5029200"/>
+            <a:ext cx="5486400" cy="457200"/>
+          </a:xfrm>
+          <a:prstGeom prst="rect">
+            <a:avLst/>
+          </a:prstGeom>
+          <a:noFill/>
+        </p:spPr>
+        <p:txBody>
+          <a:bodyPr wrap="none">
+            <a:spAutoFit/>
+          </a:bodyPr>
+          <a:lstStyle/>
+          <a:p>
+            <a:pPr algn="ctr">
+              <a:defRPr sz="2400">
+                <a:solidFill>
+                  <a:srgbClr val="646464"/>
+                </a:solidFill>
+              </a:defRPr>
+            </a:pPr>
+            <a:r>
+              <a:t>感謝您的聆聽！</a:t>
+            </a:r>
+          </a:p>
+        </p:txBody>
+      </p:sp>
+    </p:spTree>
+  </p:cSld>
+  <p:clrMapOvr>
+    <a:masterClrMapping/>
+  </p:clrMapOvr>
+</p:sld>
+</file>
+
+<file path=ppt/slides/slide3.xml><?xml version="1.0" encoding="utf-8"?>
+<p:sld xmlns:a="http://schemas.openxmlformats.org/drawingml/2006/main" xmlns:p="http://schemas.openxmlformats.org/presentationml/2006/main" xmlns:r="http://schemas.openxmlformats.org/officeDocument/2006/relationships">
+  <p:cSld>
+    <p:spTree>
+      <p:nvGrpSpPr>
+        <p:cNvPr id="1" name=""/>
+        <p:cNvGrpSpPr/>
+        <p:nvPr/>
+      </p:nvGrpSpPr>
+      <p:grpSpPr/>
+      <p:sp>
+        <p:nvSpPr>
+          <p:cNvPr id="2" name="TextBox 1"/>
+          <p:cNvSpPr txBox="1"/>
+          <p:nvPr/>
+        </p:nvSpPr>
+        <p:spPr>
+          <a:xfrm>
+            <a:off x="457200" y="274320"/>
+            <a:ext cx="8229600" cy="548640"/>
+          </a:xfrm>
+          <a:prstGeom prst="rect">
+            <a:avLst/>
+          </a:prstGeom>
+          <a:noFill/>
+        </p:spPr>
+        <p:txBody>
+          <a:bodyPr wrap="none">
+            <a:spAutoFit/>
+          </a:bodyPr>
+          <a:lstStyle/>
+          <a:p>
+            <a:pPr algn="ctr">
+              <a:defRPr sz="3600" b="1">
+                <a:solidFill>
+                  <a:srgbClr val="003366"/>
+                </a:solidFill>
+              </a:defRPr>
+            </a:pPr>
+            <a:r>
+              <a:t>專案概述</a:t>
+            </a:r>
+          </a:p>
+        </p:txBody>
+      </p:sp>
+      <p:sp>
+        <p:nvSpPr>
+          <p:cNvPr id="3" name="Rectangle 2"/>
+          <p:cNvSpPr/>
+          <p:nvPr/>
+        </p:nvSpPr>
+        <p:spPr>
+          <a:xfrm>
+            <a:off x="457200" y="1005840"/>
+            <a:ext cx="8229600" cy="0"/>
+          </a:xfrm>
+          <a:prstGeom prst="rect">
+            <a:avLst/>
+          </a:prstGeom>
+          <a:ln w="25400">
+            <a:solidFill>
+              <a:srgbClr val="003366"/>
+            </a:solidFill>
+          </a:ln>
+        </p:spPr>
+        <p:style>
+          <a:lnRef idx="1">
+            <a:schemeClr val="accent1"/>
+          </a:lnRef>
+          <a:fillRef idx="3">
+            <a:schemeClr val="accent1"/>
+          </a:fillRef>
+          <a:effectRef idx="2">
+            <a:schemeClr val="accent1"/>
+          </a:effectRef>
+          <a:fontRef idx="minor">
+            <a:schemeClr val="lt1"/>
+          </a:fontRef>
+        </p:style>
+        <p:txBody>
+          <a:bodyPr rtlCol="0" anchor="ctr"/>
+          <a:lstStyle/>
+          <a:p>
+            <a:pPr algn="ctr"/>
+          </a:p>
+        </p:txBody>
+      </p:sp>
+      <p:sp>
+        <p:nvSpPr>
+          <p:cNvPr id="4" name="TextBox 3"/>
+          <p:cNvSpPr txBox="1"/>
+          <p:nvPr/>
+        </p:nvSpPr>
+        <p:spPr>
+          <a:xfrm>
+            <a:off x="914400" y="1828800"/>
+            <a:ext cx="7315200" cy="4114800"/>
+          </a:xfrm>
+          <a:prstGeom prst="rect">
+            <a:avLst/>
+          </a:prstGeom>
+          <a:noFill/>
+        </p:spPr>
+        <p:txBody>
+          <a:bodyPr wrap="square">
+            <a:spAutoFit/>
+          </a:bodyPr>
+          <a:lstStyle/>
+          <a:p>
+            <a:pPr>
+              <a:defRPr sz="1600">
+                <a:solidFill>
+                  <a:srgbClr val="323232"/>
+                </a:solidFill>
+              </a:defRPr>
+            </a:pPr>
+            <a:r>
+              <a:t>• 使用 Qt5 開發的功能完整西洋棋遊戲</a:t>
+            </a:r>
+          </a:p>
+          <a:p>
+            <a:pPr>
+              <a:defRPr sz="1600">
+                <a:solidFill>
+                  <a:srgbClr val="323232"/>
+                </a:solidFill>
+              </a:defRPr>
+            </a:pPr>
+            <a:r>
+              <a:t>• 支援雙人對戰、AI 人機對弈和線上對戰</a:t>
+            </a:r>
+          </a:p>
+          <a:p>
+            <a:pPr>
+              <a:defRPr sz="1600">
+                <a:solidFill>
+                  <a:srgbClr val="323232"/>
+                </a:solidFill>
+              </a:defRPr>
+            </a:pPr>
+            <a:r>
+              <a:t>• 完整實現西洋棋規則和特殊走法</a:t>
+            </a:r>
+          </a:p>
+          <a:p>
+            <a:pPr>
+              <a:defRPr sz="1600">
+                <a:solidFill>
+                  <a:srgbClr val="323232"/>
+                </a:solidFill>
+              </a:defRPr>
+            </a:pPr>
+            <a:r>
+              <a:t>• 跨平台支援（Windows、Linux、macOS）</a:t>
+            </a:r>
+          </a:p>
+          <a:p>
+            <a:pPr>
+              <a:defRPr sz="1600">
+                <a:solidFill>
+                  <a:srgbClr val="323232"/>
+                </a:solidFill>
+              </a:defRPr>
+            </a:pPr>
+            <a:r>
+              <a:t>• 採用 C++17 標準開發</a:t>
+            </a:r>
+          </a:p>
+          <a:p>
+            <a:pPr>
+              <a:defRPr sz="1600">
+                <a:solidFill>
+                  <a:srgbClr val="323232"/>
+                </a:solidFill>
+              </a:defRPr>
+            </a:pPr>
+            <a:r>
+              <a:t>• 整合 Stockfish 西洋棋引擎</a:t>
+            </a:r>
+          </a:p>
+          <a:p>
+            <a:pPr>
+              <a:defRPr sz="1600">
+                <a:solidFill>
+                  <a:srgbClr val="323232"/>
+                </a:solidFill>
+              </a:defRPr>
+            </a:pPr>
+            <a:r>
+              <a:t>• 支援 WebSocket 即時連線</a:t>
+            </a:r>
+          </a:p>
+        </p:txBody>
+      </p:sp>
+    </p:spTree>
+  </p:cSld>
+  <p:clrMapOvr>
+    <a:masterClrMapping/>
+  </p:clrMapOvr>
+</p:sld>
+</file>
+
+<file path=ppt/slides/slide4.xml><?xml version="1.0" encoding="utf-8"?>
+<p:sld xmlns:a="http://schemas.openxmlformats.org/drawingml/2006/main" xmlns:p="http://schemas.openxmlformats.org/presentationml/2006/main" xmlns:r="http://schemas.openxmlformats.org/officeDocument/2006/relationships">
+  <p:cSld>
+    <p:spTree>
+      <p:nvGrpSpPr>
+        <p:cNvPr id="1" name=""/>
+        <p:cNvGrpSpPr/>
+        <p:nvPr/>
+      </p:nvGrpSpPr>
+      <p:grpSpPr/>
+      <p:sp>
+        <p:nvSpPr>
+          <p:cNvPr id="2" name="TextBox 1"/>
+          <p:cNvSpPr txBox="1"/>
+          <p:nvPr/>
+        </p:nvSpPr>
+        <p:spPr>
+          <a:xfrm>
+            <a:off x="457200" y="274320"/>
+            <a:ext cx="8229600" cy="548640"/>
+          </a:xfrm>
+          <a:prstGeom prst="rect">
+            <a:avLst/>
+          </a:prstGeom>
+          <a:noFill/>
+        </p:spPr>
+        <p:txBody>
+          <a:bodyPr wrap="none">
+            <a:spAutoFit/>
+          </a:bodyPr>
+          <a:lstStyle/>
+          <a:p>
+            <a:pPr algn="ctr">
+              <a:defRPr sz="3600" b="1">
+                <a:solidFill>
+                  <a:srgbClr val="003366"/>
+                </a:solidFill>
+              </a:defRPr>
+            </a:pPr>
+            <a:r>
+              <a:t>核心功能特色（一）</a:t>
+            </a:r>
+          </a:p>
+        </p:txBody>
+      </p:sp>
+      <p:sp>
+        <p:nvSpPr>
+          <p:cNvPr id="3" name="Rectangle 2"/>
+          <p:cNvSpPr/>
+          <p:nvPr/>
+        </p:nvSpPr>
+        <p:spPr>
+          <a:xfrm>
+            <a:off x="457200" y="1005840"/>
+            <a:ext cx="8229600" cy="0"/>
+          </a:xfrm>
+          <a:prstGeom prst="rect">
+            <a:avLst/>
+          </a:prstGeom>
+          <a:ln w="25400">
+            <a:solidFill>
+              <a:srgbClr val="003366"/>
+            </a:solidFill>
+          </a:ln>
+        </p:spPr>
+        <p:style>
+          <a:lnRef idx="1">
+            <a:schemeClr val="accent1"/>
+          </a:lnRef>
+          <a:fillRef idx="3">
+            <a:schemeClr val="accent1"/>
+          </a:fillRef>
+          <a:effectRef idx="2">
+            <a:schemeClr val="accent1"/>
+          </a:effectRef>
+          <a:fontRef idx="minor">
+            <a:schemeClr val="lt1"/>
+          </a:fontRef>
+        </p:style>
+        <p:txBody>
+          <a:bodyPr rtlCol="0" anchor="ctr"/>
+          <a:lstStyle/>
+          <a:p>
+            <a:pPr algn="ctr"/>
+          </a:p>
+        </p:txBody>
+      </p:sp>
+      <p:sp>
+        <p:nvSpPr>
+          <p:cNvPr id="4" name="TextBox 3"/>
+          <p:cNvSpPr txBox="1"/>
+          <p:nvPr/>
+        </p:nvSpPr>
+        <p:spPr>
+          <a:xfrm>
+            <a:off x="914400" y="1828800"/>
+            <a:ext cx="7315200" cy="4114800"/>
+          </a:xfrm>
+          <a:prstGeom prst="rect">
+            <a:avLst/>
+          </a:prstGeom>
+          <a:noFill/>
+        </p:spPr>
+        <p:txBody>
+          <a:bodyPr wrap="square">
+            <a:spAutoFit/>
+          </a:bodyPr>
+          <a:lstStyle/>
+          <a:p>
+            <a:pPr>
+              <a:defRPr sz="1600">
+                <a:solidFill>
+                  <a:srgbClr val="323232"/>
+                </a:solidFill>
+              </a:defRPr>
+            </a:pPr>
+            <a:r>
+              <a:t>✓ 完整的西洋棋實現</a:t>
+            </a:r>
+          </a:p>
+          <a:p>
+            <a:pPr lvl="1">
+              <a:defRPr sz="1600">
+                <a:solidFill>
+                  <a:srgbClr val="323232"/>
+                </a:solidFill>
+              </a:defRPr>
+            </a:pPr>
+            <a:r>
+              <a:t>  • 所有棋子都具有正確的移動規則</a:t>
+            </a:r>
+          </a:p>
+          <a:p>
+            <a:pPr lvl="1">
+              <a:defRPr sz="1600">
+                <a:solidFill>
+                  <a:srgbClr val="323232"/>
+                </a:solidFill>
+              </a:defRPr>
+            </a:pPr>
+            <a:r>
+              <a:t>  • 國王、皇后、城堡、主教、騎士、兵</a:t>
+            </a:r>
+          </a:p>
+          <a:p>
+            <a:pPr>
+              <a:defRPr sz="1600">
+                <a:solidFill>
+                  <a:srgbClr val="323232"/>
+                </a:solidFill>
+              </a:defRPr>
+            </a:pPr>
+          </a:p>
+          <a:p>
+            <a:pPr>
+              <a:defRPr sz="1600">
+                <a:solidFill>
+                  <a:srgbClr val="323232"/>
+                </a:solidFill>
+              </a:defRPr>
+            </a:pPr>
+            <a:r>
+              <a:t>✓ 特殊走法支援</a:t>
+            </a:r>
+          </a:p>
+          <a:p>
+            <a:pPr lvl="1">
+              <a:defRPr sz="1600">
+                <a:solidFill>
+                  <a:srgbClr val="323232"/>
+                </a:solidFill>
+              </a:defRPr>
+            </a:pPr>
+            <a:r>
+              <a:t>  • 王車易位（王翼或后翼）</a:t>
+            </a:r>
+          </a:p>
+          <a:p>
+            <a:pPr lvl="1">
+              <a:defRPr sz="1600">
+                <a:solidFill>
+                  <a:srgbClr val="323232"/>
+                </a:solidFill>
+              </a:defRPr>
+            </a:pPr>
+            <a:r>
+              <a:t>  • 兵升變（可選擇升變棋子類型）</a:t>
+            </a:r>
+          </a:p>
+          <a:p>
+            <a:pPr lvl="1">
+              <a:defRPr sz="1600">
+                <a:solidFill>
+                  <a:srgbClr val="323232"/>
+                </a:solidFill>
+              </a:defRPr>
+            </a:pPr>
+            <a:r>
+              <a:t>  • 吃過路兵</a:t>
+            </a:r>
+          </a:p>
+          <a:p>
+            <a:pPr>
+              <a:defRPr sz="1600">
+                <a:solidFill>
+                  <a:srgbClr val="323232"/>
+                </a:solidFill>
+              </a:defRPr>
+            </a:pPr>
+          </a:p>
+          <a:p>
+            <a:pPr>
+              <a:defRPr sz="1600">
+                <a:solidFill>
+                  <a:srgbClr val="323232"/>
+                </a:solidFill>
+              </a:defRPr>
+            </a:pPr>
+            <a:r>
+              <a:t>✓ 回合制遊戲邏輯</a:t>
+            </a:r>
+          </a:p>
+          <a:p>
+            <a:pPr lvl="1">
+              <a:defRPr sz="1600">
+                <a:solidFill>
+                  <a:srgbClr val="323232"/>
+                </a:solidFill>
+              </a:defRPr>
+            </a:pPr>
+            <a:r>
+              <a:t>  • 白棋先走，雙方輪流下棋</a:t>
+            </a:r>
+          </a:p>
+          <a:p>
+            <a:pPr lvl="1">
+              <a:defRPr sz="1600">
+                <a:solidFill>
+                  <a:srgbClr val="323232"/>
+                </a:solidFill>
+              </a:defRPr>
+            </a:pPr>
+            <a:r>
+              <a:t>  • 完整的走法驗證機制</a:t>
+            </a:r>
+          </a:p>
+        </p:txBody>
+      </p:sp>
+    </p:spTree>
+  </p:cSld>
+  <p:clrMapOvr>
+    <a:masterClrMapping/>
+  </p:clrMapOvr>
+</p:sld>
+</file>
+
+<file path=ppt/slides/slide5.xml><?xml version="1.0" encoding="utf-8"?>
+<p:sld xmlns:a="http://schemas.openxmlformats.org/drawingml/2006/main" xmlns:p="http://schemas.openxmlformats.org/presentationml/2006/main" xmlns:r="http://schemas.openxmlformats.org/officeDocument/2006/relationships">
+  <p:cSld>
+    <p:spTree>
+      <p:nvGrpSpPr>
+        <p:cNvPr id="1" name=""/>
+        <p:cNvGrpSpPr/>
+        <p:nvPr/>
+      </p:nvGrpSpPr>
+      <p:grpSpPr/>
+      <p:sp>
+        <p:nvSpPr>
+          <p:cNvPr id="2" name="TextBox 1"/>
+          <p:cNvSpPr txBox="1"/>
+          <p:nvPr/>
+        </p:nvSpPr>
+        <p:spPr>
+          <a:xfrm>
+            <a:off x="457200" y="274320"/>
+            <a:ext cx="8229600" cy="548640"/>
+          </a:xfrm>
+          <a:prstGeom prst="rect">
+            <a:avLst/>
+          </a:prstGeom>
+          <a:noFill/>
+        </p:spPr>
+        <p:txBody>
+          <a:bodyPr wrap="none">
+            <a:spAutoFit/>
+          </a:bodyPr>
+          <a:lstStyle/>
+          <a:p>
+            <a:pPr algn="ctr">
+              <a:defRPr sz="3600" b="1">
+                <a:solidFill>
+                  <a:srgbClr val="003366"/>
+                </a:solidFill>
+              </a:defRPr>
+            </a:pPr>
+            <a:r>
+              <a:t>核心功能特色（二）</a:t>
+            </a:r>
+          </a:p>
+        </p:txBody>
+      </p:sp>
+      <p:sp>
+        <p:nvSpPr>
+          <p:cNvPr id="3" name="Rectangle 2"/>
+          <p:cNvSpPr/>
+          <p:nvPr/>
+        </p:nvSpPr>
+        <p:spPr>
+          <a:xfrm>
+            <a:off x="457200" y="1005840"/>
+            <a:ext cx="8229600" cy="0"/>
+          </a:xfrm>
+          <a:prstGeom prst="rect">
+            <a:avLst/>
+          </a:prstGeom>
+          <a:ln w="25400">
+            <a:solidFill>
+              <a:srgbClr val="003366"/>
+            </a:solidFill>
+          </a:ln>
+        </p:spPr>
+        <p:style>
+          <a:lnRef idx="1">
+            <a:schemeClr val="accent1"/>
+          </a:lnRef>
+          <a:fillRef idx="3">
+            <a:schemeClr val="accent1"/>
+          </a:fillRef>
+          <a:effectRef idx="2">
+            <a:schemeClr val="accent1"/>
+          </a:effectRef>
+          <a:fontRef idx="minor">
+            <a:schemeClr val="lt1"/>
+          </a:fontRef>
+        </p:style>
+        <p:txBody>
+          <a:bodyPr rtlCol="0" anchor="ctr"/>
+          <a:lstStyle/>
+          <a:p>
+            <a:pPr algn="ctr"/>
+          </a:p>
+        </p:txBody>
+      </p:sp>
+      <p:sp>
+        <p:nvSpPr>
+          <p:cNvPr id="4" name="TextBox 3"/>
+          <p:cNvSpPr txBox="1"/>
+          <p:nvPr/>
+        </p:nvSpPr>
+        <p:spPr>
+          <a:xfrm>
+            <a:off x="914400" y="1828800"/>
+            <a:ext cx="7315200" cy="4114800"/>
+          </a:xfrm>
+          <a:prstGeom prst="rect">
+            <a:avLst/>
+          </a:prstGeom>
+          <a:noFill/>
+        </p:spPr>
+        <p:txBody>
+          <a:bodyPr wrap="square">
+            <a:spAutoFit/>
+          </a:bodyPr>
+          <a:lstStyle/>
+          <a:p>
+            <a:pPr>
+              <a:defRPr sz="1600">
+                <a:solidFill>
+                  <a:srgbClr val="323232"/>
+                </a:solidFill>
+              </a:defRPr>
+            </a:pPr>
+            <a:r>
+              <a:t>✓ 將軍與將死偵測</a:t>
+            </a:r>
+          </a:p>
+          <a:p>
+            <a:pPr lvl="1">
+              <a:defRPr sz="1600">
+                <a:solidFill>
+                  <a:srgbClr val="323232"/>
+                </a:solidFill>
+              </a:defRPr>
+            </a:pPr>
+            <a:r>
+              <a:t>  • 自動偵測國王是否被將軍</a:t>
+            </a:r>
+          </a:p>
+          <a:p>
+            <a:pPr lvl="1">
+              <a:defRPr sz="1600">
+                <a:solidFill>
+                  <a:srgbClr val="323232"/>
+                </a:solidFill>
+              </a:defRPr>
+            </a:pPr>
+            <a:r>
+              <a:t>  • 自動偵測將死和僵局</a:t>
+            </a:r>
+          </a:p>
+          <a:p>
+            <a:pPr>
+              <a:defRPr sz="1600">
+                <a:solidFill>
+                  <a:srgbClr val="323232"/>
+                </a:solidFill>
+              </a:defRPr>
+            </a:pPr>
+          </a:p>
+          <a:p>
+            <a:pPr>
+              <a:defRPr sz="1600">
+                <a:solidFill>
+                  <a:srgbClr val="323232"/>
+                </a:solidFill>
+              </a:defRPr>
+            </a:pPr>
+            <a:r>
+              <a:t>✓ 視覺化提示</a:t>
+            </a:r>
+          </a:p>
+          <a:p>
+            <a:pPr lvl="1">
+              <a:defRPr sz="1600">
+                <a:solidFill>
+                  <a:srgbClr val="323232"/>
+                </a:solidFill>
+              </a:defRPr>
+            </a:pPr>
+            <a:r>
+              <a:t>  • 選中棋子高亮顯示</a:t>
+            </a:r>
+          </a:p>
+          <a:p>
+            <a:pPr lvl="1">
+              <a:defRPr sz="1600">
+                <a:solidFill>
+                  <a:srgbClr val="323232"/>
+                </a:solidFill>
+              </a:defRPr>
+            </a:pPr>
+            <a:r>
+              <a:t>  • 有效移動位置標示</a:t>
+            </a:r>
+          </a:p>
+          <a:p>
+            <a:pPr lvl="1">
+              <a:defRPr sz="1600">
+                <a:solidFill>
+                  <a:srgbClr val="323232"/>
+                </a:solidFill>
+              </a:defRPr>
+            </a:pPr>
+            <a:r>
+              <a:t>  • 橙色表示普通移動，紅色表示吃子</a:t>
+            </a:r>
+          </a:p>
+          <a:p>
+            <a:pPr>
+              <a:defRPr sz="1600">
+                <a:solidFill>
+                  <a:srgbClr val="323232"/>
+                </a:solidFill>
+              </a:defRPr>
+            </a:pPr>
+          </a:p>
+          <a:p>
+            <a:pPr>
+              <a:defRPr sz="1600">
+                <a:solidFill>
+                  <a:srgbClr val="323232"/>
+                </a:solidFill>
+              </a:defRPr>
+            </a:pPr>
+            <a:r>
+              <a:t>✓ 音效系統</a:t>
+            </a:r>
+          </a:p>
+          <a:p>
+            <a:pPr lvl="1">
+              <a:defRPr sz="1600">
+                <a:solidFill>
+                  <a:srgbClr val="323232"/>
+                </a:solidFill>
+              </a:defRPr>
+            </a:pPr>
+            <a:r>
+              <a:t>  • 移動、吃子、王車易位音效</a:t>
+            </a:r>
+          </a:p>
+          <a:p>
+            <a:pPr lvl="1">
+              <a:defRPr sz="1600">
+                <a:solidFill>
+                  <a:srgbClr val="323232"/>
+                </a:solidFill>
+              </a:defRPr>
+            </a:pPr>
+            <a:r>
+              <a:t>  • 將軍、將死音效</a:t>
+            </a:r>
+          </a:p>
+          <a:p>
+            <a:pPr lvl="1">
+              <a:defRPr sz="1600">
+                <a:solidFill>
+                  <a:srgbClr val="323232"/>
+                </a:solidFill>
+              </a:defRPr>
+            </a:pPr>
+            <a:r>
+              <a:t>  • 可自訂音效設定</a:t>
+            </a:r>
+          </a:p>
+        </p:txBody>
+      </p:sp>
+    </p:spTree>
+  </p:cSld>
+  <p:clrMapOvr>
+    <a:masterClrMapping/>
+  </p:clrMapOvr>
+</p:sld>
+</file>
+
+<file path=ppt/slides/slide6.xml><?xml version="1.0" encoding="utf-8"?>
+<p:sld xmlns:a="http://schemas.openxmlformats.org/drawingml/2006/main" xmlns:p="http://schemas.openxmlformats.org/presentationml/2006/main" xmlns:r="http://schemas.openxmlformats.org/officeDocument/2006/relationships">
+  <p:cSld>
+    <p:spTree>
+      <p:nvGrpSpPr>
+        <p:cNvPr id="1" name=""/>
+        <p:cNvGrpSpPr/>
+        <p:nvPr/>
+      </p:nvGrpSpPr>
+      <p:grpSpPr/>
+      <p:sp>
+        <p:nvSpPr>
+          <p:cNvPr id="2" name="TextBox 1"/>
+          <p:cNvSpPr txBox="1"/>
+          <p:nvPr/>
+        </p:nvSpPr>
+        <p:spPr>
+          <a:xfrm>
+            <a:off x="457200" y="274320"/>
+            <a:ext cx="8229600" cy="548640"/>
+          </a:xfrm>
+          <a:prstGeom prst="rect">
+            <a:avLst/>
+          </a:prstGeom>
+          <a:noFill/>
+        </p:spPr>
+        <p:txBody>
+          <a:bodyPr wrap="none">
+            <a:spAutoFit/>
+          </a:bodyPr>
+          <a:lstStyle/>
+          <a:p>
+            <a:pPr algn="ctr">
+              <a:defRPr sz="3600" b="1">
+                <a:solidFill>
+                  <a:srgbClr val="003366"/>
+                </a:solidFill>
+              </a:defRPr>
+            </a:pPr>
+            <a:r>
+              <a:t>遊戲模式</a:t>
+            </a:r>
+          </a:p>
+        </p:txBody>
+      </p:sp>
+      <p:sp>
+        <p:nvSpPr>
+          <p:cNvPr id="3" name="Rectangle 2"/>
+          <p:cNvSpPr/>
+          <p:nvPr/>
+        </p:nvSpPr>
+        <p:spPr>
+          <a:xfrm>
+            <a:off x="457200" y="1005840"/>
+            <a:ext cx="8229600" cy="0"/>
+          </a:xfrm>
+          <a:prstGeom prst="rect">
+            <a:avLst/>
+          </a:prstGeom>
+          <a:ln w="25400">
+            <a:solidFill>
+              <a:srgbClr val="003366"/>
+            </a:solidFill>
+          </a:ln>
+        </p:spPr>
+        <p:style>
+          <a:lnRef idx="1">
+            <a:schemeClr val="accent1"/>
+          </a:lnRef>
+          <a:fillRef idx="3">
+            <a:schemeClr val="accent1"/>
+          </a:fillRef>
+          <a:effectRef idx="2">
+            <a:schemeClr val="accent1"/>
+          </a:effectRef>
+          <a:fontRef idx="minor">
+            <a:schemeClr val="lt1"/>
+          </a:fontRef>
+        </p:style>
+        <p:txBody>
+          <a:bodyPr rtlCol="0" anchor="ctr"/>
+          <a:lstStyle/>
+          <a:p>
+            <a:pPr algn="ctr"/>
+          </a:p>
+        </p:txBody>
+      </p:sp>
+      <p:sp>
+        <p:nvSpPr>
+          <p:cNvPr id="4" name="TextBox 3"/>
+          <p:cNvSpPr txBox="1"/>
+          <p:nvPr/>
+        </p:nvSpPr>
+        <p:spPr>
+          <a:xfrm>
+            <a:off x="914400" y="1828800"/>
+            <a:ext cx="7315200" cy="4114800"/>
+          </a:xfrm>
+          <a:prstGeom prst="rect">
+            <a:avLst/>
+          </a:prstGeom>
+          <a:noFill/>
+        </p:spPr>
+        <p:txBody>
+          <a:bodyPr wrap="square">
+            <a:spAutoFit/>
+          </a:bodyPr>
+          <a:lstStyle/>
+          <a:p>
+            <a:pPr>
+              <a:defRPr sz="1600">
+                <a:solidFill>
+                  <a:srgbClr val="323232"/>
+                </a:solidFill>
+              </a:defRPr>
+            </a:pPr>
+            <a:r>
+              <a:t>🎮 雙人對弈模式</a:t>
+            </a:r>
+          </a:p>
+          <a:p>
+            <a:pPr lvl="1">
+              <a:defRPr sz="1600">
+                <a:solidFill>
+                  <a:srgbClr val="323232"/>
+                </a:solidFill>
+              </a:defRPr>
+            </a:pPr>
+            <a:r>
+              <a:t>  • 本地雙人對戰</a:t>
+            </a:r>
+          </a:p>
+          <a:p>
+            <a:pPr lvl="1">
+              <a:defRPr sz="1600">
+                <a:solidFill>
+                  <a:srgbClr val="323232"/>
+                </a:solidFill>
+              </a:defRPr>
+            </a:pPr>
+            <a:r>
+              <a:t>  • 支援棋盤翻轉功能</a:t>
+            </a:r>
+          </a:p>
+          <a:p>
+            <a:pPr>
+              <a:defRPr sz="1600">
+                <a:solidFill>
+                  <a:srgbClr val="323232"/>
+                </a:solidFill>
+              </a:defRPr>
+            </a:pPr>
+          </a:p>
+          <a:p>
+            <a:pPr>
+              <a:defRPr sz="1600">
+                <a:solidFill>
+                  <a:srgbClr val="323232"/>
+                </a:solidFill>
+              </a:defRPr>
+            </a:pPr>
+            <a:r>
+              <a:t>🤖 AI 人機對弈</a:t>
+            </a:r>
+          </a:p>
+          <a:p>
+            <a:pPr lvl="1">
+              <a:defRPr sz="1600">
+                <a:solidFill>
+                  <a:srgbClr val="323232"/>
+                </a:solidFill>
+              </a:defRPr>
+            </a:pPr>
+            <a:r>
+              <a:t>  • 整合 Stockfish 引擎</a:t>
+            </a:r>
+          </a:p>
+          <a:p>
+            <a:pPr lvl="1">
+              <a:defRPr sz="1600">
+                <a:solidFill>
+                  <a:srgbClr val="323232"/>
+                </a:solidFill>
+              </a:defRPr>
+            </a:pPr>
+            <a:r>
+              <a:t>  • 可調整難度等級（0-20）</a:t>
+            </a:r>
+          </a:p>
+          <a:p>
+            <a:pPr lvl="1">
+              <a:defRPr sz="1600">
+                <a:solidFill>
+                  <a:srgbClr val="323232"/>
+                </a:solidFill>
+              </a:defRPr>
+            </a:pPr>
+            <a:r>
+              <a:t>  • 自動棋盤翻轉</a:t>
+            </a:r>
+          </a:p>
+          <a:p>
+            <a:pPr>
+              <a:defRPr sz="1600">
+                <a:solidFill>
+                  <a:srgbClr val="323232"/>
+                </a:solidFill>
+              </a:defRPr>
+            </a:pPr>
+          </a:p>
+          <a:p>
+            <a:pPr>
+              <a:defRPr sz="1600">
+                <a:solidFill>
+                  <a:srgbClr val="323232"/>
+                </a:solidFill>
+              </a:defRPr>
+            </a:pPr>
+            <a:r>
+              <a:t>🌐 線上對戰模式</a:t>
+            </a:r>
+          </a:p>
+          <a:p>
+            <a:pPr lvl="1">
+              <a:defRPr sz="1600">
+                <a:solidFill>
+                  <a:srgbClr val="323232"/>
+                </a:solidFill>
+              </a:defRPr>
+            </a:pPr>
+            <a:r>
+              <a:t>  • 使用中央伺服器連線</a:t>
+            </a:r>
+          </a:p>
+          <a:p>
+            <a:pPr lvl="1">
+              <a:defRPr sz="1600">
+                <a:solidFill>
+                  <a:srgbClr val="323232"/>
+                </a:solidFill>
+              </a:defRPr>
+            </a:pPr>
+            <a:r>
+              <a:t>  • 簡單的房號系統</a:t>
+            </a:r>
+          </a:p>
+          <a:p>
+            <a:pPr lvl="1">
+              <a:defRPr sz="1600">
+                <a:solidFill>
+                  <a:srgbClr val="323232"/>
+                </a:solidFill>
+              </a:defRPr>
+            </a:pPr>
+            <a:r>
+              <a:t>  • 跨網路對弈</a:t>
+            </a:r>
+          </a:p>
+          <a:p>
+            <a:pPr lvl="1">
+              <a:defRPr sz="1600">
+                <a:solidFill>
+                  <a:srgbClr val="323232"/>
+                </a:solidFill>
+              </a:defRPr>
+            </a:pPr>
+            <a:r>
+              <a:t>  • 即時棋步同步</a:t>
+            </a:r>
+          </a:p>
+        </p:txBody>
+      </p:sp>
+    </p:spTree>
+  </p:cSld>
+  <p:clrMapOvr>
+    <a:masterClrMapping/>
+  </p:clrMapOvr>
+</p:sld>
+</file>
+
+<file path=ppt/slides/slide7.xml><?xml version="1.0" encoding="utf-8"?>
+<p:sld xmlns:a="http://schemas.openxmlformats.org/drawingml/2006/main" xmlns:p="http://schemas.openxmlformats.org/presentationml/2006/main" xmlns:r="http://schemas.openxmlformats.org/officeDocument/2006/relationships">
+  <p:cSld>
+    <p:spTree>
+      <p:nvGrpSpPr>
+        <p:cNvPr id="1" name=""/>
+        <p:cNvGrpSpPr/>
+        <p:nvPr/>
+      </p:nvGrpSpPr>
+      <p:grpSpPr/>
+      <p:sp>
+        <p:nvSpPr>
+          <p:cNvPr id="2" name="TextBox 1"/>
+          <p:cNvSpPr txBox="1"/>
+          <p:nvPr/>
+        </p:nvSpPr>
+        <p:spPr>
+          <a:xfrm>
+            <a:off x="457200" y="274320"/>
+            <a:ext cx="8229600" cy="548640"/>
+          </a:xfrm>
+          <a:prstGeom prst="rect">
+            <a:avLst/>
+          </a:prstGeom>
+          <a:noFill/>
+        </p:spPr>
+        <p:txBody>
+          <a:bodyPr wrap="none">
+            <a:spAutoFit/>
+          </a:bodyPr>
+          <a:lstStyle/>
+          <a:p>
+            <a:pPr algn="ctr">
+              <a:defRPr sz="3600" b="1">
+                <a:solidFill>
+                  <a:srgbClr val="003366"/>
+                </a:solidFill>
+              </a:defRPr>
+            </a:pPr>
+            <a:r>
+              <a:t>特殊遊戲模式</a:t>
+            </a:r>
+          </a:p>
+        </p:txBody>
+      </p:sp>
+      <p:sp>
+        <p:nvSpPr>
+          <p:cNvPr id="3" name="Rectangle 2"/>
+          <p:cNvSpPr/>
+          <p:nvPr/>
+        </p:nvSpPr>
+        <p:spPr>
+          <a:xfrm>
+            <a:off x="457200" y="1005840"/>
+            <a:ext cx="8229600" cy="0"/>
+          </a:xfrm>
+          <a:prstGeom prst="rect">
+            <a:avLst/>
+          </a:prstGeom>
+          <a:ln w="25400">
+            <a:solidFill>
+              <a:srgbClr val="003366"/>
+            </a:solidFill>
+          </a:ln>
+        </p:spPr>
+        <p:style>
+          <a:lnRef idx="1">
+            <a:schemeClr val="accent1"/>
+          </a:lnRef>
+          <a:fillRef idx="3">
+            <a:schemeClr val="accent1"/>
+          </a:fillRef>
+          <a:effectRef idx="2">
+            <a:schemeClr val="accent1"/>
+          </a:effectRef>
+          <a:fontRef idx="minor">
+            <a:schemeClr val="lt1"/>
+          </a:fontRef>
+        </p:style>
+        <p:txBody>
+          <a:bodyPr rtlCol="0" anchor="ctr"/>
+          <a:lstStyle/>
+          <a:p>
+            <a:pPr algn="ctr"/>
+          </a:p>
+        </p:txBody>
+      </p:sp>
+      <p:sp>
+        <p:nvSpPr>
+          <p:cNvPr id="4" name="TextBox 3"/>
+          <p:cNvSpPr txBox="1"/>
+          <p:nvPr/>
+        </p:nvSpPr>
+        <p:spPr>
+          <a:xfrm>
+            <a:off x="914400" y="1828800"/>
+            <a:ext cx="7315200" cy="4114800"/>
+          </a:xfrm>
+          <a:prstGeom prst="rect">
+            <a:avLst/>
+          </a:prstGeom>
+          <a:noFill/>
+        </p:spPr>
+        <p:txBody>
+          <a:bodyPr wrap="square">
+            <a:spAutoFit/>
+          </a:bodyPr>
+          <a:lstStyle/>
+          <a:p>
+            <a:pPr>
+              <a:defRPr sz="1600">
+                <a:solidFill>
+                  <a:srgbClr val="323232"/>
+                </a:solidFill>
+              </a:defRPr>
+            </a:pPr>
+            <a:r>
+              <a:t>🌫️ 霧戰模式</a:t>
+            </a:r>
+          </a:p>
+          <a:p>
+            <a:pPr lvl="1">
+              <a:defRPr sz="1600">
+                <a:solidFill>
+                  <a:srgbClr val="323232"/>
+                </a:solidFill>
+              </a:defRPr>
+            </a:pPr>
+            <a:r>
+              <a:t>  • 只能看到自己棋子的移動範圍</a:t>
+            </a:r>
+          </a:p>
+          <a:p>
+            <a:pPr lvl="1">
+              <a:defRPr sz="1600">
+                <a:solidFill>
+                  <a:srgbClr val="323232"/>
+                </a:solidFill>
+              </a:defRPr>
+            </a:pPr>
+            <a:r>
+              <a:t>  • 增加遊戲策略性</a:t>
+            </a:r>
+          </a:p>
+          <a:p>
+            <a:pPr>
+              <a:defRPr sz="1600">
+                <a:solidFill>
+                  <a:srgbClr val="323232"/>
+                </a:solidFill>
+              </a:defRPr>
+            </a:pPr>
+          </a:p>
+          <a:p>
+            <a:pPr>
+              <a:defRPr sz="1600">
+                <a:solidFill>
+                  <a:srgbClr val="323232"/>
+                </a:solidFill>
+              </a:defRPr>
+            </a:pPr>
+            <a:r>
+              <a:t>🎲 骰子模式</a:t>
+            </a:r>
+          </a:p>
+          <a:p>
+            <a:pPr lvl="1">
+              <a:defRPr sz="1600">
+                <a:solidFill>
+                  <a:srgbClr val="323232"/>
+                </a:solidFill>
+              </a:defRPr>
+            </a:pPr>
+            <a:r>
+              <a:t>  • 每回合擲出3個棋子類型</a:t>
+            </a:r>
+          </a:p>
+          <a:p>
+            <a:pPr lvl="1">
+              <a:defRPr sz="1600">
+                <a:solidFill>
+                  <a:srgbClr val="323232"/>
+                </a:solidFill>
+              </a:defRPr>
+            </a:pPr>
+            <a:r>
+              <a:t>  • 必須移動指定類型的棋子</a:t>
+            </a:r>
+          </a:p>
+          <a:p>
+            <a:pPr lvl="1">
+              <a:defRPr sz="1600">
+                <a:solidFill>
+                  <a:srgbClr val="323232"/>
+                </a:solidFill>
+              </a:defRPr>
+            </a:pPr>
+            <a:r>
+              <a:t>  • 特殊將軍中斷規則</a:t>
+            </a:r>
+          </a:p>
+          <a:p>
+            <a:pPr>
+              <a:defRPr sz="1600">
+                <a:solidFill>
+                  <a:srgbClr val="323232"/>
+                </a:solidFill>
+              </a:defRPr>
+            </a:pPr>
+          </a:p>
+          <a:p>
+            <a:pPr>
+              <a:defRPr sz="1600">
+                <a:solidFill>
+                  <a:srgbClr val="323232"/>
+                </a:solidFill>
+              </a:defRPr>
+            </a:pPr>
+            <a:r>
+              <a:t>💣 踩地雷模式</a:t>
+            </a:r>
+          </a:p>
+          <a:p>
+            <a:pPr lvl="1">
+              <a:defRPr sz="1600">
+                <a:solidFill>
+                  <a:srgbClr val="323232"/>
+                </a:solidFill>
+              </a:defRPr>
+            </a:pPr>
+            <a:r>
+              <a:t>  • 地雷西洋棋變體</a:t>
+            </a:r>
+          </a:p>
+          <a:p>
+            <a:pPr>
+              <a:defRPr sz="1600">
+                <a:solidFill>
+                  <a:srgbClr val="323232"/>
+                </a:solidFill>
+              </a:defRPr>
+            </a:pPr>
+          </a:p>
+          <a:p>
+            <a:pPr>
+              <a:defRPr sz="1600">
+                <a:solidFill>
+                  <a:srgbClr val="323232"/>
+                </a:solidFill>
+              </a:defRPr>
+            </a:pPr>
+            <a:r>
+              <a:t>⚡ 其他模式</a:t>
+            </a:r>
+          </a:p>
+          <a:p>
+            <a:pPr lvl="1">
+              <a:defRPr sz="1600">
+                <a:solidFill>
+                  <a:srgbClr val="323232"/>
+                </a:solidFill>
+              </a:defRPr>
+            </a:pPr>
+            <a:r>
+              <a:t>  • 重力模式</a:t>
+            </a:r>
+          </a:p>
+          <a:p>
+            <a:pPr lvl="1">
+              <a:defRPr sz="1600">
+                <a:solidFill>
+                  <a:srgbClr val="323232"/>
+                </a:solidFill>
+              </a:defRPr>
+            </a:pPr>
+            <a:r>
+              <a:t>  • 傳送陣模式</a:t>
+            </a:r>
+          </a:p>
+        </p:txBody>
+      </p:sp>
+    </p:spTree>
+  </p:cSld>
+  <p:clrMapOvr>
+    <a:masterClrMapping/>
+  </p:clrMapOvr>
+</p:sld>
+</file>
+
+<file path=ppt/slides/slide8.xml><?xml version="1.0" encoding="utf-8"?>
+<p:sld xmlns:a="http://schemas.openxmlformats.org/drawingml/2006/main" xmlns:p="http://schemas.openxmlformats.org/presentationml/2006/main" xmlns:r="http://schemas.openxmlformats.org/officeDocument/2006/relationships">
+  <p:cSld>
+    <p:spTree>
+      <p:nvGrpSpPr>
+        <p:cNvPr id="1" name=""/>
+        <p:cNvGrpSpPr/>
+        <p:nvPr/>
+      </p:nvGrpSpPr>
+      <p:grpSpPr/>
+      <p:sp>
+        <p:nvSpPr>
+          <p:cNvPr id="2" name="TextBox 1"/>
+          <p:cNvSpPr txBox="1"/>
+          <p:nvPr/>
+        </p:nvSpPr>
+        <p:spPr>
+          <a:xfrm>
+            <a:off x="457200" y="274320"/>
+            <a:ext cx="8229600" cy="548640"/>
+          </a:xfrm>
+          <a:prstGeom prst="rect">
+            <a:avLst/>
+          </a:prstGeom>
+          <a:noFill/>
+        </p:spPr>
+        <p:txBody>
+          <a:bodyPr wrap="none">
+            <a:spAutoFit/>
+          </a:bodyPr>
+          <a:lstStyle/>
+          <a:p>
+            <a:pPr algn="ctr">
+              <a:defRPr sz="3600" b="1">
+                <a:solidFill>
+                  <a:srgbClr val="003366"/>
+                </a:solidFill>
+              </a:defRPr>
+            </a:pPr>
+            <a:r>
+              <a:t>技術架構</a:t>
+            </a:r>
+          </a:p>
+        </p:txBody>
+      </p:sp>
+      <p:sp>
+        <p:nvSpPr>
+          <p:cNvPr id="3" name="Rectangle 2"/>
+          <p:cNvSpPr/>
+          <p:nvPr/>
+        </p:nvSpPr>
+        <p:spPr>
+          <a:xfrm>
+            <a:off x="457200" y="1005840"/>
+            <a:ext cx="8229600" cy="0"/>
+          </a:xfrm>
+          <a:prstGeom prst="rect">
+            <a:avLst/>
+          </a:prstGeom>
+          <a:ln w="25400">
+            <a:solidFill>
+              <a:srgbClr val="003366"/>
+            </a:solidFill>
+          </a:ln>
+        </p:spPr>
+        <p:style>
+          <a:lnRef idx="1">
+            <a:schemeClr val="accent1"/>
+          </a:lnRef>
+          <a:fillRef idx="3">
+            <a:schemeClr val="accent1"/>
+          </a:fillRef>
+          <a:effectRef idx="2">
+            <a:schemeClr val="accent1"/>
+          </a:effectRef>
+          <a:fontRef idx="minor">
+            <a:schemeClr val="lt1"/>
+          </a:fontRef>
+        </p:style>
+        <p:txBody>
+          <a:bodyPr rtlCol="0" anchor="ctr"/>
+          <a:lstStyle/>
+          <a:p>
+            <a:pPr algn="ctr"/>
+          </a:p>
+        </p:txBody>
+      </p:sp>
+      <p:sp>
+        <p:nvSpPr>
+          <p:cNvPr id="4" name="TextBox 3"/>
+          <p:cNvSpPr txBox="1"/>
+          <p:nvPr/>
+        </p:nvSpPr>
+        <p:spPr>
+          <a:xfrm>
+            <a:off x="914400" y="1828800"/>
+            <a:ext cx="7315200" cy="4114800"/>
+          </a:xfrm>
+          <a:prstGeom prst="rect">
+            <a:avLst/>
+          </a:prstGeom>
+          <a:noFill/>
+        </p:spPr>
+        <p:txBody>
+          <a:bodyPr wrap="square">
+            <a:spAutoFit/>
+          </a:bodyPr>
+          <a:lstStyle/>
+          <a:p>
+            <a:pPr>
+              <a:defRPr sz="1600">
+                <a:solidFill>
+                  <a:srgbClr val="323232"/>
+                </a:solidFill>
+              </a:defRPr>
+            </a:pPr>
+            <a:r>
+              <a:t>📐 架構設計</a:t>
+            </a:r>
+          </a:p>
+          <a:p>
+            <a:pPr lvl="1">
+              <a:defRPr sz="1600">
+                <a:solidFill>
+                  <a:srgbClr val="323232"/>
+                </a:solidFill>
+              </a:defRPr>
+            </a:pPr>
+            <a:r>
+              <a:t>  • MVC 設計模式</a:t>
+            </a:r>
+          </a:p>
+          <a:p>
+            <a:pPr lvl="1">
+              <a:defRPr sz="1600">
+                <a:solidFill>
+                  <a:srgbClr val="323232"/>
+                </a:solidFill>
+              </a:defRPr>
+            </a:pPr>
+            <a:r>
+              <a:t>  • Qt5 框架</a:t>
+            </a:r>
+          </a:p>
+          <a:p>
+            <a:pPr lvl="1">
+              <a:defRPr sz="1600">
+                <a:solidFill>
+                  <a:srgbClr val="323232"/>
+                </a:solidFill>
+              </a:defRPr>
+            </a:pPr>
+            <a:r>
+              <a:t>  • C++17 標準</a:t>
+            </a:r>
+          </a:p>
+          <a:p>
+            <a:pPr>
+              <a:defRPr sz="1600">
+                <a:solidFill>
+                  <a:srgbClr val="323232"/>
+                </a:solidFill>
+              </a:defRPr>
+            </a:pPr>
+          </a:p>
+          <a:p>
+            <a:pPr>
+              <a:defRPr sz="1600">
+                <a:solidFill>
+                  <a:srgbClr val="323232"/>
+                </a:solidFill>
+              </a:defRPr>
+            </a:pPr>
+            <a:r>
+              <a:t>🔧 核心模組</a:t>
+            </a:r>
+          </a:p>
+          <a:p>
+            <a:pPr lvl="1">
+              <a:defRPr sz="1600">
+                <a:solidFill>
+                  <a:srgbClr val="323232"/>
+                </a:solidFill>
+              </a:defRPr>
+            </a:pPr>
+            <a:r>
+              <a:t>  • ChessBoard: 棋盤邏輯和規則</a:t>
+            </a:r>
+          </a:p>
+          <a:p>
+            <a:pPr lvl="1">
+              <a:defRPr sz="1600">
+                <a:solidFill>
+                  <a:srgbClr val="323232"/>
+                </a:solidFill>
+              </a:defRPr>
+            </a:pPr>
+            <a:r>
+              <a:t>  • ChessPiece: 棋子定義和移動驗證</a:t>
+            </a:r>
+          </a:p>
+          <a:p>
+            <a:pPr lvl="1">
+              <a:defRPr sz="1600">
+                <a:solidFill>
+                  <a:srgbClr val="323232"/>
+                </a:solidFill>
+              </a:defRPr>
+            </a:pPr>
+            <a:r>
+              <a:t>  • ChessEngine: Stockfish 引擎整合</a:t>
+            </a:r>
+          </a:p>
+          <a:p>
+            <a:pPr lvl="1">
+              <a:defRPr sz="1600">
+                <a:solidFill>
+                  <a:srgbClr val="323232"/>
+                </a:solidFill>
+              </a:defRPr>
+            </a:pPr>
+            <a:r>
+              <a:t>  • NetworkManager: WebSocket 網路連線</a:t>
+            </a:r>
+          </a:p>
+          <a:p>
+            <a:pPr lvl="1">
+              <a:defRPr sz="1600">
+                <a:solidFill>
+                  <a:srgbClr val="323232"/>
+                </a:solidFill>
+              </a:defRPr>
+            </a:pPr>
+            <a:r>
+              <a:t>  • UpdateChecker: 自動更新檢查</a:t>
+            </a:r>
+          </a:p>
+          <a:p>
+            <a:pPr>
+              <a:defRPr sz="1600">
+                <a:solidFill>
+                  <a:srgbClr val="323232"/>
+                </a:solidFill>
+              </a:defRPr>
+            </a:pPr>
+          </a:p>
+          <a:p>
+            <a:pPr>
+              <a:defRPr sz="1600">
+                <a:solidFill>
+                  <a:srgbClr val="323232"/>
+                </a:solidFill>
+              </a:defRPr>
+            </a:pPr>
+            <a:r>
+              <a:t>🎨 UI 元件</a:t>
+            </a:r>
+          </a:p>
+          <a:p>
+            <a:pPr lvl="1">
+              <a:defRPr sz="1600">
+                <a:solidFill>
+                  <a:srgbClr val="323232"/>
+                </a:solidFill>
+              </a:defRPr>
+            </a:pPr>
+            <a:r>
+              <a:t>  • Qt Designer UI 設計</a:t>
+            </a:r>
+          </a:p>
+          <a:p>
+            <a:pPr lvl="1">
+              <a:defRPr sz="1600">
+                <a:solidFill>
+                  <a:srgbClr val="323232"/>
+                </a:solidFill>
+              </a:defRPr>
+            </a:pPr>
+            <a:r>
+              <a:t>  • 自訂對話框和設定介面</a:t>
+            </a:r>
+          </a:p>
+        </p:txBody>
+      </p:sp>
+    </p:spTree>
+  </p:cSld>
+  <p:clrMapOvr>
+    <a:masterClrMapping/>
+  </p:clrMapOvr>
+</p:sld>
+</file>
+
+<file path=ppt/slides/slide9.xml><?xml version="1.0" encoding="utf-8"?>
+<p:sld xmlns:a="http://schemas.openxmlformats.org/drawingml/2006/main" xmlns:p="http://schemas.openxmlformats.org/presentationml/2006/main" xmlns:r="http://schemas.openxmlformats.org/officeDocument/2006/relationships">
+  <p:cSld>
+    <p:spTree>
+      <p:nvGrpSpPr>
+        <p:cNvPr id="1" name=""/>
+        <p:cNvGrpSpPr/>
+        <p:nvPr/>
+      </p:nvGrpSpPr>
+      <p:grpSpPr/>
+      <p:sp>
+        <p:nvSpPr>
+          <p:cNvPr id="2" name="TextBox 1"/>
+          <p:cNvSpPr txBox="1"/>
+          <p:nvPr/>
+        </p:nvSpPr>
+        <p:spPr>
+          <a:xfrm>
+            <a:off x="457200" y="274320"/>
+            <a:ext cx="8229600" cy="548640"/>
+          </a:xfrm>
+          <a:prstGeom prst="rect">
+            <a:avLst/>
+          </a:prstGeom>
+          <a:noFill/>
+        </p:spPr>
+        <p:txBody>
+          <a:bodyPr wrap="none">
+            <a:spAutoFit/>
+          </a:bodyPr>
+          <a:lstStyle/>
+          <a:p>
+            <a:pPr algn="ctr">
+              <a:defRPr sz="3600" b="1">
+                <a:solidFill>
+                  <a:srgbClr val="003366"/>
+                </a:solidFill>
+              </a:defRPr>
+            </a:pPr>
+            <a:r>
+              <a:t>程式碼實例（一）- 資料結構</a:t>
+            </a:r>
+          </a:p>
+        </p:txBody>
+      </p:sp>
+      <p:sp>
+        <p:nvSpPr>
+          <p:cNvPr id="3" name="Rectangle 2"/>
+          <p:cNvSpPr/>
+          <p:nvPr/>
+        </p:nvSpPr>
+        <p:spPr>
+          <a:xfrm>
+            <a:off x="457200" y="1005840"/>
+            <a:ext cx="8229600" cy="0"/>
+          </a:xfrm>
+          <a:prstGeom prst="rect">
+            <a:avLst/>
+          </a:prstGeom>
+          <a:ln w="25400">
+            <a:solidFill>
+              <a:srgbClr val="003366"/>
+            </a:solidFill>
+          </a:ln>
+        </p:spPr>
+        <p:style>
+          <a:lnRef idx="1">
+            <a:schemeClr val="accent1"/>
+          </a:lnRef>
+          <a:fillRef idx="3">
+            <a:schemeClr val="accent1"/>
+          </a:fillRef>
+          <a:effectRef idx="2">
+            <a:schemeClr val="accent1"/>
+          </a:effectRef>
+          <a:fontRef idx="minor">
+            <a:schemeClr val="lt1"/>
+          </a:fontRef>
+        </p:style>
+        <p:txBody>
+          <a:bodyPr rtlCol="0" anchor="ctr"/>
+          <a:lstStyle/>
+          <a:p>
+            <a:pPr algn="ctr"/>
+          </a:p>
+        </p:txBody>
+      </p:sp>
+      <p:sp>
+        <p:nvSpPr>
+          <p:cNvPr id="4" name="TextBox 3"/>
+          <p:cNvSpPr txBox="1"/>
+          <p:nvPr/>
+        </p:nvSpPr>
+        <p:spPr>
+          <a:xfrm>
+            <a:off x="914400" y="1828800"/>
+            <a:ext cx="7315200" cy="4114800"/>
+          </a:xfrm>
+          <a:prstGeom prst="rect">
+            <a:avLst/>
+          </a:prstGeom>
+          <a:solidFill>
+            <a:srgbClr val="F0F0F0"/>
+          </a:solidFill>
+          <a:ln w="12700">
+            <a:solidFill>
+              <a:srgbClr val="C8C8C8"/>
+            </a:solidFill>
+          </a:ln>
+        </p:spPr>
+        <p:txBody>
+          <a:bodyPr wrap="none">
+            <a:spAutoFit/>
+          </a:bodyPr>
+          <a:lstStyle/>
+          <a:p>
+            <a:pPr>
+              <a:defRPr sz="1100">
+                <a:solidFill>
+                  <a:srgbClr val="000000"/>
+                </a:solidFill>
+                <a:latin typeface="Consolas"/>
+              </a:defRPr>
+            </a:pPr>
+            <a:r>
+              <a:t>enum class PieceType {</a:t>
+            </a:r>
+          </a:p>
+          <a:p>
+            <a:pPr>
+              <a:defRPr sz="1100">
+                <a:solidFill>
+                  <a:srgbClr val="000000"/>
+                </a:solidFill>
+                <a:latin typeface="Consolas"/>
+              </a:defRPr>
+            </a:pPr>
+            <a:r>
+              <a:t>    None, Pawn, Rook, Knight,</a:t>
+            </a:r>
+          </a:p>
+          <a:p>
+            <a:pPr>
+              <a:defRPr sz="1100">
+                <a:solidFill>
+                  <a:srgbClr val="000000"/>
+                </a:solidFill>
+                <a:latin typeface="Consolas"/>
+              </a:defRPr>
+            </a:pPr>
+            <a:r>
+              <a:t>    Bishop, Queen, King</a:t>
+            </a:r>
+          </a:p>
+          <a:p>
+            <a:pPr>
+              <a:defRPr sz="1100">
+                <a:solidFill>
+                  <a:srgbClr val="000000"/>
+                </a:solidFill>
+                <a:latin typeface="Consolas"/>
+              </a:defRPr>
+            </a:pPr>
+            <a:r>
+              <a:t>};</a:t>
+            </a:r>
+          </a:p>
+          <a:p>
+            <a:pPr>
+              <a:defRPr sz="1100">
+                <a:solidFill>
+                  <a:srgbClr val="000000"/>
+                </a:solidFill>
+                <a:latin typeface="Consolas"/>
+              </a:defRPr>
+            </a:pPr>
+          </a:p>
+          <a:p>
+            <a:pPr>
+              <a:defRPr sz="1100">
+                <a:solidFill>
+                  <a:srgbClr val="000000"/>
+                </a:solidFill>
+                <a:latin typeface="Consolas"/>
+              </a:defRPr>
+            </a:pPr>
+            <a:r>
+              <a:t>enum class PieceColor {</a:t>
+            </a:r>
+          </a:p>
+          <a:p>
+            <a:pPr>
+              <a:defRPr sz="1100">
+                <a:solidFill>
+                  <a:srgbClr val="000000"/>
+                </a:solidFill>
+                <a:latin typeface="Consolas"/>
+              </a:defRPr>
+            </a:pPr>
+            <a:r>
+              <a:t>    None, White, Black</a:t>
+            </a:r>
+          </a:p>
+          <a:p>
+            <a:pPr>
+              <a:defRPr sz="1100">
+                <a:solidFill>
+                  <a:srgbClr val="000000"/>
+                </a:solidFill>
+                <a:latin typeface="Consolas"/>
+              </a:defRPr>
+            </a:pPr>
+            <a:r>
+              <a:t>};</a:t>
+            </a:r>
+          </a:p>
+          <a:p>
+            <a:pPr>
+              <a:defRPr sz="1100">
+                <a:solidFill>
+                  <a:srgbClr val="000000"/>
+                </a:solidFill>
+                <a:latin typeface="Consolas"/>
+              </a:defRPr>
+            </a:pPr>
+          </a:p>
+          <a:p>
+            <a:pPr>
+              <a:defRPr sz="1100">
+                <a:solidFill>
+                  <a:srgbClr val="000000"/>
+                </a:solidFill>
+                <a:latin typeface="Consolas"/>
+              </a:defRPr>
+            </a:pPr>
+            <a:r>
+              <a:t>struct MoveRecord {</a:t>
+            </a:r>
+          </a:p>
+          <a:p>
+            <a:pPr>
+              <a:defRPr sz="1100">
+                <a:solidFill>
+                  <a:srgbClr val="000000"/>
+                </a:solidFill>
+                <a:latin typeface="Consolas"/>
+              </a:defRPr>
+            </a:pPr>
+            <a:r>
+              <a:t>    QPoint from, to;</a:t>
+            </a:r>
+          </a:p>
+          <a:p>
+            <a:pPr>
+              <a:defRPr sz="1100">
+                <a:solidFill>
+                  <a:srgbClr val="000000"/>
+                </a:solidFill>
+                <a:latin typeface="Consolas"/>
+              </a:defRPr>
+            </a:pPr>
+            <a:r>
+              <a:t>    PieceType pieceType;</a:t>
+            </a:r>
+          </a:p>
+          <a:p>
+            <a:pPr>
+              <a:defRPr sz="1100">
+                <a:solidFill>
+                  <a:srgbClr val="000000"/>
+                </a:solidFill>
+                <a:latin typeface="Consolas"/>
+              </a:defRPr>
+            </a:pPr>
+            <a:r>
+              <a:t>    bool isCapture;</a:t>
+            </a:r>
+          </a:p>
+          <a:p>
+            <a:pPr>
+              <a:defRPr sz="1100">
+                <a:solidFill>
+                  <a:srgbClr val="000000"/>
+                </a:solidFill>
+                <a:latin typeface="Consolas"/>
+              </a:defRPr>
+            </a:pPr>
+            <a:r>
+              <a:t>    bool isCastling;</a:t>
+            </a:r>
+          </a:p>
+          <a:p>
+            <a:pPr>
+              <a:defRPr sz="1100">
+                <a:solidFill>
+                  <a:srgbClr val="000000"/>
+                </a:solidFill>
+                <a:latin typeface="Consolas"/>
+              </a:defRPr>
+            </a:pPr>
+            <a:r>
+              <a:t>    bool isEnPassant;</a:t>
+            </a:r>
+          </a:p>
+          <a:p>
+            <a:pPr>
+              <a:defRPr sz="1100">
+                <a:solidFill>
+                  <a:srgbClr val="000000"/>
+                </a:solidFill>
+                <a:latin typeface="Consolas"/>
+              </a:defRPr>
+            </a:pPr>
+            <a:r>
+              <a:t>    QString algebraicNotation;</a:t>
+            </a:r>
+          </a:p>
+          <a:p>
+            <a:pPr>
+              <a:defRPr sz="1100">
+                <a:solidFill>
+                  <a:srgbClr val="000000"/>
+                </a:solidFill>
+                <a:latin typeface="Consolas"/>
+              </a:defRPr>
+            </a:pPr>
+            <a:r>
+              <a:t>};</a:t>
             </a:r>
           </a:p>
         </p:txBody>
